--- a/Files/Spira Contact Manager.pptx
+++ b/Files/Spira Contact Manager.pptx
@@ -1,31 +1,31 @@
 
 <file path=ppt/presentation.xml><?xml version="1.0" encoding="utf-8"?>
-<p:presentation xmlns:a="http://schemas.openxmlformats.org/drawingml/2006/main" xmlns:r="http://schemas.openxmlformats.org/officeDocument/2006/relationships" xmlns:mc="http://schemas.openxmlformats.org/markup-compatibility/2006" xmlns:mv="urn:schemas-microsoft-com:mac:vml" xmlns:p="http://schemas.openxmlformats.org/presentationml/2006/main" xmlns:c="http://schemas.openxmlformats.org/drawingml/2006/chart" xmlns:dgm="http://schemas.openxmlformats.org/drawingml/2006/diagram" xmlns:o="urn:schemas-microsoft-com:office:office" xmlns:v="urn:schemas-microsoft-com:vml" xmlns:pvml="urn:schemas-microsoft-com:office:powerpoint" xmlns:com="http://schemas.openxmlformats.org/drawingml/2006/compatibility" xmlns:p14="http://schemas.microsoft.com/office/powerpoint/2010/main" xmlns:p15="http://schemas.microsoft.com/office/powerpoint/2012/main" xmlns:ahyp="http://schemas.microsoft.com/office/drawing/2018/hyperlinkcolor" autoCompressPictures="0" strictFirstAndLastChars="0" saveSubsetFonts="1">
+<p:presentation xmlns:a="http://schemas.openxmlformats.org/drawingml/2006/main" xmlns:r="http://schemas.openxmlformats.org/officeDocument/2006/relationships" xmlns:p="http://schemas.openxmlformats.org/presentationml/2006/main" strictFirstAndLastChars="0" saveSubsetFonts="1" autoCompressPictures="0">
   <p:sldMasterIdLst>
-    <p:sldMasterId id="2147483659" r:id="rId4"/>
+    <p:sldMasterId id="2147483659" r:id="rId1"/>
   </p:sldMasterIdLst>
   <p:notesMasterIdLst>
-    <p:notesMasterId r:id="rId5"/>
+    <p:notesMasterId r:id="rId15"/>
   </p:notesMasterIdLst>
   <p:sldIdLst>
-    <p:sldId id="256" r:id="rId6"/>
-    <p:sldId id="257" r:id="rId7"/>
-    <p:sldId id="258" r:id="rId8"/>
-    <p:sldId id="259" r:id="rId9"/>
-    <p:sldId id="260" r:id="rId10"/>
-    <p:sldId id="261" r:id="rId11"/>
-    <p:sldId id="262" r:id="rId12"/>
-    <p:sldId id="263" r:id="rId13"/>
-    <p:sldId id="264" r:id="rId14"/>
-    <p:sldId id="265" r:id="rId15"/>
-    <p:sldId id="266" r:id="rId16"/>
-    <p:sldId id="267" r:id="rId17"/>
-    <p:sldId id="268" r:id="rId18"/>
+    <p:sldId id="256" r:id="rId2"/>
+    <p:sldId id="257" r:id="rId3"/>
+    <p:sldId id="258" r:id="rId4"/>
+    <p:sldId id="259" r:id="rId5"/>
+    <p:sldId id="260" r:id="rId6"/>
+    <p:sldId id="261" r:id="rId7"/>
+    <p:sldId id="262" r:id="rId8"/>
+    <p:sldId id="263" r:id="rId9"/>
+    <p:sldId id="264" r:id="rId10"/>
+    <p:sldId id="265" r:id="rId11"/>
+    <p:sldId id="266" r:id="rId12"/>
+    <p:sldId id="267" r:id="rId13"/>
+    <p:sldId id="268" r:id="rId14"/>
   </p:sldIdLst>
-  <p:sldSz cy="5143500" cx="9144000"/>
+  <p:sldSz cx="9144000" cy="5143500" type="screen16x9"/>
   <p:notesSz cx="6858000" cy="9144000"/>
   <p:defaultTextStyle>
-    <a:defPPr lvl="0" marR="0" rtl="0" algn="l">
+    <a:defPPr marR="0" lvl="0" algn="l" rtl="0">
       <a:lnSpc>
         <a:spcPct val="100000"/>
       </a:lnSpc>
@@ -36,7 +36,7 @@
         <a:spcPts val="0"/>
       </a:spcAft>
     </a:defPPr>
-    <a:lvl1pPr lvl="0" marR="0" rtl="0" algn="l">
+    <a:lvl1pPr marR="0" lvl="0" algn="l" rtl="0">
       <a:lnSpc>
         <a:spcPct val="100000"/>
       </a:lnSpc>
@@ -50,7 +50,7 @@
         <a:srgbClr val="000000"/>
       </a:buClr>
       <a:buFont typeface="Arial"/>
-      <a:defRPr b="0" i="0" sz="1400" u="none" cap="none" strike="noStrike">
+      <a:defRPr sz="1400" b="0" i="0" u="none" strike="noStrike" cap="none">
         <a:solidFill>
           <a:srgbClr val="000000"/>
         </a:solidFill>
@@ -60,7 +60,7 @@
         <a:sym typeface="Arial"/>
       </a:defRPr>
     </a:lvl1pPr>
-    <a:lvl2pPr lvl="1" marR="0" rtl="0" algn="l">
+    <a:lvl2pPr marR="0" lvl="1" algn="l" rtl="0">
       <a:lnSpc>
         <a:spcPct val="100000"/>
       </a:lnSpc>
@@ -74,7 +74,7 @@
         <a:srgbClr val="000000"/>
       </a:buClr>
       <a:buFont typeface="Arial"/>
-      <a:defRPr b="0" i="0" sz="1400" u="none" cap="none" strike="noStrike">
+      <a:defRPr sz="1400" b="0" i="0" u="none" strike="noStrike" cap="none">
         <a:solidFill>
           <a:srgbClr val="000000"/>
         </a:solidFill>
@@ -84,7 +84,7 @@
         <a:sym typeface="Arial"/>
       </a:defRPr>
     </a:lvl2pPr>
-    <a:lvl3pPr lvl="2" marR="0" rtl="0" algn="l">
+    <a:lvl3pPr marR="0" lvl="2" algn="l" rtl="0">
       <a:lnSpc>
         <a:spcPct val="100000"/>
       </a:lnSpc>
@@ -98,7 +98,7 @@
         <a:srgbClr val="000000"/>
       </a:buClr>
       <a:buFont typeface="Arial"/>
-      <a:defRPr b="0" i="0" sz="1400" u="none" cap="none" strike="noStrike">
+      <a:defRPr sz="1400" b="0" i="0" u="none" strike="noStrike" cap="none">
         <a:solidFill>
           <a:srgbClr val="000000"/>
         </a:solidFill>
@@ -108,7 +108,7 @@
         <a:sym typeface="Arial"/>
       </a:defRPr>
     </a:lvl3pPr>
-    <a:lvl4pPr lvl="3" marR="0" rtl="0" algn="l">
+    <a:lvl4pPr marR="0" lvl="3" algn="l" rtl="0">
       <a:lnSpc>
         <a:spcPct val="100000"/>
       </a:lnSpc>
@@ -122,7 +122,7 @@
         <a:srgbClr val="000000"/>
       </a:buClr>
       <a:buFont typeface="Arial"/>
-      <a:defRPr b="0" i="0" sz="1400" u="none" cap="none" strike="noStrike">
+      <a:defRPr sz="1400" b="0" i="0" u="none" strike="noStrike" cap="none">
         <a:solidFill>
           <a:srgbClr val="000000"/>
         </a:solidFill>
@@ -132,7 +132,7 @@
         <a:sym typeface="Arial"/>
       </a:defRPr>
     </a:lvl4pPr>
-    <a:lvl5pPr lvl="4" marR="0" rtl="0" algn="l">
+    <a:lvl5pPr marR="0" lvl="4" algn="l" rtl="0">
       <a:lnSpc>
         <a:spcPct val="100000"/>
       </a:lnSpc>
@@ -146,7 +146,7 @@
         <a:srgbClr val="000000"/>
       </a:buClr>
       <a:buFont typeface="Arial"/>
-      <a:defRPr b="0" i="0" sz="1400" u="none" cap="none" strike="noStrike">
+      <a:defRPr sz="1400" b="0" i="0" u="none" strike="noStrike" cap="none">
         <a:solidFill>
           <a:srgbClr val="000000"/>
         </a:solidFill>
@@ -156,7 +156,7 @@
         <a:sym typeface="Arial"/>
       </a:defRPr>
     </a:lvl5pPr>
-    <a:lvl6pPr lvl="5" marR="0" rtl="0" algn="l">
+    <a:lvl6pPr marR="0" lvl="5" algn="l" rtl="0">
       <a:lnSpc>
         <a:spcPct val="100000"/>
       </a:lnSpc>
@@ -170,7 +170,7 @@
         <a:srgbClr val="000000"/>
       </a:buClr>
       <a:buFont typeface="Arial"/>
-      <a:defRPr b="0" i="0" sz="1400" u="none" cap="none" strike="noStrike">
+      <a:defRPr sz="1400" b="0" i="0" u="none" strike="noStrike" cap="none">
         <a:solidFill>
           <a:srgbClr val="000000"/>
         </a:solidFill>
@@ -180,7 +180,7 @@
         <a:sym typeface="Arial"/>
       </a:defRPr>
     </a:lvl6pPr>
-    <a:lvl7pPr lvl="6" marR="0" rtl="0" algn="l">
+    <a:lvl7pPr marR="0" lvl="6" algn="l" rtl="0">
       <a:lnSpc>
         <a:spcPct val="100000"/>
       </a:lnSpc>
@@ -194,7 +194,7 @@
         <a:srgbClr val="000000"/>
       </a:buClr>
       <a:buFont typeface="Arial"/>
-      <a:defRPr b="0" i="0" sz="1400" u="none" cap="none" strike="noStrike">
+      <a:defRPr sz="1400" b="0" i="0" u="none" strike="noStrike" cap="none">
         <a:solidFill>
           <a:srgbClr val="000000"/>
         </a:solidFill>
@@ -204,7 +204,7 @@
         <a:sym typeface="Arial"/>
       </a:defRPr>
     </a:lvl7pPr>
-    <a:lvl8pPr lvl="7" marR="0" rtl="0" algn="l">
+    <a:lvl8pPr marR="0" lvl="7" algn="l" rtl="0">
       <a:lnSpc>
         <a:spcPct val="100000"/>
       </a:lnSpc>
@@ -218,7 +218,7 @@
         <a:srgbClr val="000000"/>
       </a:buClr>
       <a:buFont typeface="Arial"/>
-      <a:defRPr b="0" i="0" sz="1400" u="none" cap="none" strike="noStrike">
+      <a:defRPr sz="1400" b="0" i="0" u="none" strike="noStrike" cap="none">
         <a:solidFill>
           <a:srgbClr val="000000"/>
         </a:solidFill>
@@ -228,7 +228,7 @@
         <a:sym typeface="Arial"/>
       </a:defRPr>
     </a:lvl8pPr>
-    <a:lvl9pPr lvl="8" marR="0" rtl="0" algn="l">
+    <a:lvl9pPr marR="0" lvl="8" algn="l" rtl="0">
       <a:lnSpc>
         <a:spcPct val="100000"/>
       </a:lnSpc>
@@ -242,7 +242,7 @@
         <a:srgbClr val="000000"/>
       </a:buClr>
       <a:buFont typeface="Arial"/>
-      <a:defRPr b="0" i="0" sz="1400" u="none" cap="none" strike="noStrike">
+      <a:defRPr sz="1400" b="0" i="0" u="none" strike="noStrike" cap="none">
         <a:solidFill>
           <a:srgbClr val="000000"/>
         </a:solidFill>
@@ -255,7 +255,7 @@
   </p:defaultTextStyle>
   <p:extLst>
     <p:ext uri="{EFAFB233-063F-42B5-8137-9DF3F51BA10A}">
-      <p15:sldGuideLst>
+      <p15:sldGuideLst xmlns:p15="http://schemas.microsoft.com/office/powerpoint/2012/main">
         <p15:guide id="1" orient="horz" pos="1620">
           <p15:clr>
             <a:srgbClr val="A4A3A4"/>
@@ -273,11 +273,16 @@
 </file>
 
 <file path=ppt/notesMasters/notesMaster1.xml><?xml version="1.0" encoding="utf-8"?>
-<p:notesMaster xmlns:a="http://schemas.openxmlformats.org/drawingml/2006/main" xmlns:r="http://schemas.openxmlformats.org/officeDocument/2006/relationships" xmlns:mc="http://schemas.openxmlformats.org/markup-compatibility/2006" xmlns:mv="urn:schemas-microsoft-com:mac:vml" xmlns:p="http://schemas.openxmlformats.org/presentationml/2006/main" xmlns:c="http://schemas.openxmlformats.org/drawingml/2006/chart" xmlns:dgm="http://schemas.openxmlformats.org/drawingml/2006/diagram" xmlns:o="urn:schemas-microsoft-com:office:office" xmlns:v="urn:schemas-microsoft-com:vml" xmlns:pvml="urn:schemas-microsoft-com:office:powerpoint" xmlns:com="http://schemas.openxmlformats.org/drawingml/2006/compatibility" xmlns:p14="http://schemas.microsoft.com/office/powerpoint/2010/main" xmlns:p15="http://schemas.microsoft.com/office/powerpoint/2012/main" xmlns:ahyp="http://schemas.microsoft.com/office/drawing/2018/hyperlinkcolor">
+<p:notesMaster xmlns:a="http://schemas.openxmlformats.org/drawingml/2006/main" xmlns:r="http://schemas.openxmlformats.org/officeDocument/2006/relationships" xmlns:p="http://schemas.openxmlformats.org/presentationml/2006/main">
   <p:cSld>
+    <p:bg>
+      <p:bgRef idx="1001">
+        <a:schemeClr val="bg1"/>
+      </p:bgRef>
+    </p:bg>
     <p:spTree>
       <p:nvGrpSpPr>
-        <p:cNvPr id="2" name="Shape 2"/>
+        <p:cNvPr id="1" name="Shape 2"/>
         <p:cNvGrpSpPr/>
         <p:nvPr/>
       </p:nvGrpSpPr>
@@ -292,9 +297,11 @@
       <p:sp>
         <p:nvSpPr>
           <p:cNvPr id="3" name="Google Shape;3;n"/>
-          <p:cNvSpPr/>
+          <p:cNvSpPr>
+            <a:spLocks noGrp="1" noRot="1" noChangeAspect="1"/>
+          </p:cNvSpPr>
           <p:nvPr>
-            <p:ph idx="2" type="sldImg"/>
+            <p:ph type="sldImg" idx="2"/>
           </p:nvPr>
         </p:nvSpPr>
         <p:spPr>
@@ -303,9 +310,13 @@
             <a:ext cx="6096075" cy="3429000"/>
           </a:xfrm>
           <a:custGeom>
-            <a:rect b="b" l="l" r="r" t="t"/>
+            <a:avLst/>
+            <a:gdLst/>
+            <a:ahLst/>
+            <a:cxnLst/>
+            <a:rect l="l" t="t" r="r" b="b"/>
             <a:pathLst>
-              <a:path extrusionOk="0" h="120000" w="120000">
+              <a:path w="120000" h="120000" extrusionOk="0">
                 <a:moveTo>
                   <a:pt x="0" y="0"/>
                 </a:moveTo>
@@ -323,23 +334,25 @@
             </a:pathLst>
           </a:custGeom>
           <a:noFill/>
-          <a:ln cap="flat" cmpd="sng" w="9525">
+          <a:ln w="9525" cap="flat" cmpd="sng">
             <a:solidFill>
               <a:srgbClr val="000000"/>
             </a:solidFill>
             <a:prstDash val="solid"/>
             <a:round/>
-            <a:headEnd len="sm" w="sm" type="none"/>
-            <a:tailEnd len="sm" w="sm" type="none"/>
+            <a:headEnd type="none" w="sm" len="sm"/>
+            <a:tailEnd type="none" w="sm" len="sm"/>
           </a:ln>
         </p:spPr>
       </p:sp>
       <p:sp>
         <p:nvSpPr>
           <p:cNvPr id="4" name="Google Shape;4;n"/>
-          <p:cNvSpPr txBox="1"/>
+          <p:cNvSpPr txBox="1">
+            <a:spLocks noGrp="1"/>
+          </p:cNvSpPr>
           <p:nvPr>
-            <p:ph idx="1" type="body"/>
+            <p:ph type="body" idx="1"/>
           </p:nvPr>
         </p:nvSpPr>
         <p:spPr>
@@ -356,11 +369,11 @@
           </a:ln>
         </p:spPr>
         <p:txBody>
-          <a:bodyPr anchorCtr="0" anchor="t" bIns="91425" lIns="91425" spcFirstLastPara="1" rIns="91425" wrap="square" tIns="91425">
+          <a:bodyPr spcFirstLastPara="1" wrap="square" lIns="91425" tIns="91425" rIns="91425" bIns="91425" anchor="t" anchorCtr="0">
             <a:noAutofit/>
           </a:bodyPr>
           <a:lstStyle>
-            <a:lvl1pPr indent="-298450" lvl="0" marL="457200">
+            <a:lvl1pPr marL="457200" lvl="0" indent="-298450">
               <a:spcBef>
                 <a:spcPts val="0"/>
               </a:spcBef>
@@ -371,7 +384,7 @@
               <a:buChar char="●"/>
               <a:defRPr sz="1100"/>
             </a:lvl1pPr>
-            <a:lvl2pPr indent="-298450" lvl="1" marL="914400">
+            <a:lvl2pPr marL="914400" lvl="1" indent="-298450">
               <a:spcBef>
                 <a:spcPts val="0"/>
               </a:spcBef>
@@ -382,7 +395,7 @@
               <a:buChar char="○"/>
               <a:defRPr sz="1100"/>
             </a:lvl2pPr>
-            <a:lvl3pPr indent="-298450" lvl="2" marL="1371600">
+            <a:lvl3pPr marL="1371600" lvl="2" indent="-298450">
               <a:spcBef>
                 <a:spcPts val="0"/>
               </a:spcBef>
@@ -393,7 +406,7 @@
               <a:buChar char="■"/>
               <a:defRPr sz="1100"/>
             </a:lvl3pPr>
-            <a:lvl4pPr indent="-298450" lvl="3" marL="1828800">
+            <a:lvl4pPr marL="1828800" lvl="3" indent="-298450">
               <a:spcBef>
                 <a:spcPts val="0"/>
               </a:spcBef>
@@ -404,7 +417,7 @@
               <a:buChar char="●"/>
               <a:defRPr sz="1100"/>
             </a:lvl4pPr>
-            <a:lvl5pPr indent="-298450" lvl="4" marL="2286000">
+            <a:lvl5pPr marL="2286000" lvl="4" indent="-298450">
               <a:spcBef>
                 <a:spcPts val="0"/>
               </a:spcBef>
@@ -415,7 +428,7 @@
               <a:buChar char="○"/>
               <a:defRPr sz="1100"/>
             </a:lvl5pPr>
-            <a:lvl6pPr indent="-298450" lvl="5" marL="2743200">
+            <a:lvl6pPr marL="2743200" lvl="5" indent="-298450">
               <a:spcBef>
                 <a:spcPts val="0"/>
               </a:spcBef>
@@ -426,7 +439,7 @@
               <a:buChar char="■"/>
               <a:defRPr sz="1100"/>
             </a:lvl6pPr>
-            <a:lvl7pPr indent="-298450" lvl="6" marL="3200400">
+            <a:lvl7pPr marL="3200400" lvl="6" indent="-298450">
               <a:spcBef>
                 <a:spcPts val="0"/>
               </a:spcBef>
@@ -437,7 +450,7 @@
               <a:buChar char="●"/>
               <a:defRPr sz="1100"/>
             </a:lvl7pPr>
-            <a:lvl8pPr indent="-298450" lvl="7" marL="3657600">
+            <a:lvl8pPr marL="3657600" lvl="7" indent="-298450">
               <a:spcBef>
                 <a:spcPts val="0"/>
               </a:spcBef>
@@ -448,7 +461,7 @@
               <a:buChar char="○"/>
               <a:defRPr sz="1100"/>
             </a:lvl8pPr>
-            <a:lvl9pPr indent="-298450" lvl="8" marL="4114800">
+            <a:lvl9pPr marL="4114800" lvl="8" indent="-298450">
               <a:spcBef>
                 <a:spcPts val="0"/>
               </a:spcBef>
@@ -460,14 +473,16 @@
               <a:defRPr sz="1100"/>
             </a:lvl9pPr>
           </a:lstStyle>
-          <a:p/>
+          <a:p>
+            <a:endParaRPr/>
+          </a:p>
         </p:txBody>
       </p:sp>
     </p:spTree>
   </p:cSld>
-  <p:clrMap accent1="accent1" accent2="accent2" accent3="accent3" accent4="accent4" accent5="accent5" accent6="accent6" bg1="lt1" bg2="dk2" tx1="dk1" tx2="lt2" folHlink="folHlink" hlink="hlink"/>
+  <p:clrMap bg1="lt1" tx1="dk1" bg2="dk2" tx2="lt2" accent1="accent1" accent2="accent2" accent3="accent3" accent4="accent4" accent5="accent5" accent6="accent6" hlink="hlink" folHlink="folHlink"/>
   <p:notesStyle>
-    <a:defPPr lvl="0" marR="0" rtl="0" algn="l">
+    <a:defPPr marR="0" lvl="0" algn="l" rtl="0">
       <a:lnSpc>
         <a:spcPct val="100000"/>
       </a:lnSpc>
@@ -478,7 +493,7 @@
         <a:spcPts val="0"/>
       </a:spcAft>
     </a:defPPr>
-    <a:lvl1pPr lvl="0" marR="0" rtl="0" algn="l">
+    <a:lvl1pPr marR="0" lvl="0" algn="l" rtl="0">
       <a:lnSpc>
         <a:spcPct val="100000"/>
       </a:lnSpc>
@@ -492,7 +507,7 @@
         <a:srgbClr val="000000"/>
       </a:buClr>
       <a:buFont typeface="Arial"/>
-      <a:defRPr b="0" i="0" sz="1400" u="none" cap="none" strike="noStrike">
+      <a:defRPr sz="1400" b="0" i="0" u="none" strike="noStrike" cap="none">
         <a:solidFill>
           <a:srgbClr val="000000"/>
         </a:solidFill>
@@ -502,7 +517,7 @@
         <a:sym typeface="Arial"/>
       </a:defRPr>
     </a:lvl1pPr>
-    <a:lvl2pPr lvl="1" marR="0" rtl="0" algn="l">
+    <a:lvl2pPr marR="0" lvl="1" algn="l" rtl="0">
       <a:lnSpc>
         <a:spcPct val="100000"/>
       </a:lnSpc>
@@ -516,7 +531,7 @@
         <a:srgbClr val="000000"/>
       </a:buClr>
       <a:buFont typeface="Arial"/>
-      <a:defRPr b="0" i="0" sz="1400" u="none" cap="none" strike="noStrike">
+      <a:defRPr sz="1400" b="0" i="0" u="none" strike="noStrike" cap="none">
         <a:solidFill>
           <a:srgbClr val="000000"/>
         </a:solidFill>
@@ -526,7 +541,7 @@
         <a:sym typeface="Arial"/>
       </a:defRPr>
     </a:lvl2pPr>
-    <a:lvl3pPr lvl="2" marR="0" rtl="0" algn="l">
+    <a:lvl3pPr marR="0" lvl="2" algn="l" rtl="0">
       <a:lnSpc>
         <a:spcPct val="100000"/>
       </a:lnSpc>
@@ -540,7 +555,7 @@
         <a:srgbClr val="000000"/>
       </a:buClr>
       <a:buFont typeface="Arial"/>
-      <a:defRPr b="0" i="0" sz="1400" u="none" cap="none" strike="noStrike">
+      <a:defRPr sz="1400" b="0" i="0" u="none" strike="noStrike" cap="none">
         <a:solidFill>
           <a:srgbClr val="000000"/>
         </a:solidFill>
@@ -550,7 +565,7 @@
         <a:sym typeface="Arial"/>
       </a:defRPr>
     </a:lvl3pPr>
-    <a:lvl4pPr lvl="3" marR="0" rtl="0" algn="l">
+    <a:lvl4pPr marR="0" lvl="3" algn="l" rtl="0">
       <a:lnSpc>
         <a:spcPct val="100000"/>
       </a:lnSpc>
@@ -564,7 +579,7 @@
         <a:srgbClr val="000000"/>
       </a:buClr>
       <a:buFont typeface="Arial"/>
-      <a:defRPr b="0" i="0" sz="1400" u="none" cap="none" strike="noStrike">
+      <a:defRPr sz="1400" b="0" i="0" u="none" strike="noStrike" cap="none">
         <a:solidFill>
           <a:srgbClr val="000000"/>
         </a:solidFill>
@@ -574,7 +589,7 @@
         <a:sym typeface="Arial"/>
       </a:defRPr>
     </a:lvl4pPr>
-    <a:lvl5pPr lvl="4" marR="0" rtl="0" algn="l">
+    <a:lvl5pPr marR="0" lvl="4" algn="l" rtl="0">
       <a:lnSpc>
         <a:spcPct val="100000"/>
       </a:lnSpc>
@@ -588,7 +603,7 @@
         <a:srgbClr val="000000"/>
       </a:buClr>
       <a:buFont typeface="Arial"/>
-      <a:defRPr b="0" i="0" sz="1400" u="none" cap="none" strike="noStrike">
+      <a:defRPr sz="1400" b="0" i="0" u="none" strike="noStrike" cap="none">
         <a:solidFill>
           <a:srgbClr val="000000"/>
         </a:solidFill>
@@ -598,7 +613,7 @@
         <a:sym typeface="Arial"/>
       </a:defRPr>
     </a:lvl5pPr>
-    <a:lvl6pPr lvl="5" marR="0" rtl="0" algn="l">
+    <a:lvl6pPr marR="0" lvl="5" algn="l" rtl="0">
       <a:lnSpc>
         <a:spcPct val="100000"/>
       </a:lnSpc>
@@ -612,7 +627,7 @@
         <a:srgbClr val="000000"/>
       </a:buClr>
       <a:buFont typeface="Arial"/>
-      <a:defRPr b="0" i="0" sz="1400" u="none" cap="none" strike="noStrike">
+      <a:defRPr sz="1400" b="0" i="0" u="none" strike="noStrike" cap="none">
         <a:solidFill>
           <a:srgbClr val="000000"/>
         </a:solidFill>
@@ -622,7 +637,7 @@
         <a:sym typeface="Arial"/>
       </a:defRPr>
     </a:lvl6pPr>
-    <a:lvl7pPr lvl="6" marR="0" rtl="0" algn="l">
+    <a:lvl7pPr marR="0" lvl="6" algn="l" rtl="0">
       <a:lnSpc>
         <a:spcPct val="100000"/>
       </a:lnSpc>
@@ -636,7 +651,7 @@
         <a:srgbClr val="000000"/>
       </a:buClr>
       <a:buFont typeface="Arial"/>
-      <a:defRPr b="0" i="0" sz="1400" u="none" cap="none" strike="noStrike">
+      <a:defRPr sz="1400" b="0" i="0" u="none" strike="noStrike" cap="none">
         <a:solidFill>
           <a:srgbClr val="000000"/>
         </a:solidFill>
@@ -646,7 +661,7 @@
         <a:sym typeface="Arial"/>
       </a:defRPr>
     </a:lvl7pPr>
-    <a:lvl8pPr lvl="7" marR="0" rtl="0" algn="l">
+    <a:lvl8pPr marR="0" lvl="7" algn="l" rtl="0">
       <a:lnSpc>
         <a:spcPct val="100000"/>
       </a:lnSpc>
@@ -660,7 +675,7 @@
         <a:srgbClr val="000000"/>
       </a:buClr>
       <a:buFont typeface="Arial"/>
-      <a:defRPr b="0" i="0" sz="1400" u="none" cap="none" strike="noStrike">
+      <a:defRPr sz="1400" b="0" i="0" u="none" strike="noStrike" cap="none">
         <a:solidFill>
           <a:srgbClr val="000000"/>
         </a:solidFill>
@@ -670,7 +685,7 @@
         <a:sym typeface="Arial"/>
       </a:defRPr>
     </a:lvl8pPr>
-    <a:lvl9pPr lvl="8" marR="0" rtl="0" algn="l">
+    <a:lvl9pPr marR="0" lvl="8" algn="l" rtl="0">
       <a:lnSpc>
         <a:spcPct val="100000"/>
       </a:lnSpc>
@@ -684,7 +699,7 @@
         <a:srgbClr val="000000"/>
       </a:buClr>
       <a:buFont typeface="Arial"/>
-      <a:defRPr b="0" i="0" sz="1400" u="none" cap="none" strike="noStrike">
+      <a:defRPr sz="1400" b="0" i="0" u="none" strike="noStrike" cap="none">
         <a:solidFill>
           <a:srgbClr val="000000"/>
         </a:solidFill>
@@ -699,11 +714,11 @@
 </file>
 
 <file path=ppt/notesSlides/notesSlide1.xml><?xml version="1.0" encoding="utf-8"?>
-<p:notes xmlns:a="http://schemas.openxmlformats.org/drawingml/2006/main" xmlns:r="http://schemas.openxmlformats.org/officeDocument/2006/relationships" xmlns:mc="http://schemas.openxmlformats.org/markup-compatibility/2006" xmlns:mv="urn:schemas-microsoft-com:mac:vml" xmlns:p="http://schemas.openxmlformats.org/presentationml/2006/main" xmlns:c="http://schemas.openxmlformats.org/drawingml/2006/chart" xmlns:dgm="http://schemas.openxmlformats.org/drawingml/2006/diagram" xmlns:o="urn:schemas-microsoft-com:office:office" xmlns:v="urn:schemas-microsoft-com:vml" xmlns:pvml="urn:schemas-microsoft-com:office:powerpoint" xmlns:com="http://schemas.openxmlformats.org/drawingml/2006/compatibility" xmlns:p14="http://schemas.microsoft.com/office/powerpoint/2010/main" xmlns:p15="http://schemas.microsoft.com/office/powerpoint/2012/main" xmlns:ahyp="http://schemas.microsoft.com/office/drawing/2018/hyperlinkcolor" showMasterPhAnim="0" showMasterSp="0">
+<p:notes xmlns:a="http://schemas.openxmlformats.org/drawingml/2006/main" xmlns:r="http://schemas.openxmlformats.org/officeDocument/2006/relationships" xmlns:p="http://schemas.openxmlformats.org/presentationml/2006/main" showMasterSp="0" showMasterPhAnim="0">
   <p:cSld>
     <p:spTree>
       <p:nvGrpSpPr>
-        <p:cNvPr id="50" name="Shape 50"/>
+        <p:cNvPr id="1" name="Shape 50"/>
         <p:cNvGrpSpPr/>
         <p:nvPr/>
       </p:nvGrpSpPr>
@@ -718,9 +733,11 @@
       <p:sp>
         <p:nvSpPr>
           <p:cNvPr id="51" name="Google Shape;51;p:notes"/>
-          <p:cNvSpPr/>
+          <p:cNvSpPr>
+            <a:spLocks noGrp="1" noRot="1" noChangeAspect="1"/>
+          </p:cNvSpPr>
           <p:nvPr>
-            <p:ph idx="2" type="sldImg"/>
+            <p:ph type="sldImg" idx="2"/>
           </p:nvPr>
         </p:nvSpPr>
         <p:spPr>
@@ -729,9 +746,13 @@
             <a:ext cx="6096075" cy="3429000"/>
           </a:xfrm>
           <a:custGeom>
-            <a:rect b="b" l="l" r="r" t="t"/>
+            <a:avLst/>
+            <a:gdLst/>
+            <a:ahLst/>
+            <a:cxnLst/>
+            <a:rect l="l" t="t" r="r" b="b"/>
             <a:pathLst>
-              <a:path extrusionOk="0" h="120000" w="120000">
+              <a:path w="120000" h="120000" extrusionOk="0">
                 <a:moveTo>
                   <a:pt x="0" y="0"/>
                 </a:moveTo>
@@ -753,9 +774,11 @@
       <p:sp>
         <p:nvSpPr>
           <p:cNvPr id="52" name="Google Shape;52;p:notes"/>
-          <p:cNvSpPr txBox="1"/>
+          <p:cNvSpPr txBox="1">
+            <a:spLocks noGrp="1"/>
+          </p:cNvSpPr>
           <p:nvPr>
-            <p:ph idx="1" type="body"/>
+            <p:ph type="body" idx="1"/>
           </p:nvPr>
         </p:nvSpPr>
         <p:spPr>
@@ -768,12 +791,12 @@
           </a:prstGeom>
         </p:spPr>
         <p:txBody>
-          <a:bodyPr anchorCtr="0" anchor="t" bIns="91425" lIns="91425" spcFirstLastPara="1" rIns="91425" wrap="square" tIns="91425">
+          <a:bodyPr spcFirstLastPara="1" wrap="square" lIns="91425" tIns="91425" rIns="91425" bIns="91425" anchor="t" anchorCtr="0">
             <a:noAutofit/>
           </a:bodyPr>
           <a:lstStyle/>
           <a:p>
-            <a:pPr indent="0" lvl="0" marL="0" rtl="0" algn="l">
+            <a:pPr marL="0" lvl="0" indent="0" algn="l" rtl="0">
               <a:spcBef>
                 <a:spcPts val="0"/>
               </a:spcBef>
@@ -782,9 +805,6 @@
               </a:spcAft>
               <a:buNone/>
             </a:pPr>
-            <a:r>
-              <a:t/>
-            </a:r>
             <a:endParaRPr/>
           </a:p>
         </p:txBody>
@@ -798,11 +818,11 @@
 </file>
 
 <file path=ppt/notesSlides/notesSlide10.xml><?xml version="1.0" encoding="utf-8"?>
-<p:notes xmlns:a="http://schemas.openxmlformats.org/drawingml/2006/main" xmlns:r="http://schemas.openxmlformats.org/officeDocument/2006/relationships" xmlns:mc="http://schemas.openxmlformats.org/markup-compatibility/2006" xmlns:mv="urn:schemas-microsoft-com:mac:vml" xmlns:p="http://schemas.openxmlformats.org/presentationml/2006/main" xmlns:c="http://schemas.openxmlformats.org/drawingml/2006/chart" xmlns:dgm="http://schemas.openxmlformats.org/drawingml/2006/diagram" xmlns:o="urn:schemas-microsoft-com:office:office" xmlns:v="urn:schemas-microsoft-com:vml" xmlns:pvml="urn:schemas-microsoft-com:office:powerpoint" xmlns:com="http://schemas.openxmlformats.org/drawingml/2006/compatibility" xmlns:p14="http://schemas.microsoft.com/office/powerpoint/2010/main" xmlns:p15="http://schemas.microsoft.com/office/powerpoint/2012/main" xmlns:ahyp="http://schemas.microsoft.com/office/drawing/2018/hyperlinkcolor" showMasterPhAnim="0" showMasterSp="0">
+<p:notes xmlns:a="http://schemas.openxmlformats.org/drawingml/2006/main" xmlns:r="http://schemas.openxmlformats.org/officeDocument/2006/relationships" xmlns:p="http://schemas.openxmlformats.org/presentationml/2006/main" showMasterSp="0" showMasterPhAnim="0">
   <p:cSld>
     <p:spTree>
       <p:nvGrpSpPr>
-        <p:cNvPr id="107" name="Shape 107"/>
+        <p:cNvPr id="1" name="Shape 107"/>
         <p:cNvGrpSpPr/>
         <p:nvPr/>
       </p:nvGrpSpPr>
@@ -817,9 +837,11 @@
       <p:sp>
         <p:nvSpPr>
           <p:cNvPr id="108" name="Google Shape;108;gb728e6dda0_0_446:notes"/>
-          <p:cNvSpPr/>
+          <p:cNvSpPr>
+            <a:spLocks noGrp="1" noRot="1" noChangeAspect="1"/>
+          </p:cNvSpPr>
           <p:nvPr>
-            <p:ph idx="2" type="sldImg"/>
+            <p:ph type="sldImg" idx="2"/>
           </p:nvPr>
         </p:nvSpPr>
         <p:spPr>
@@ -828,9 +850,13 @@
             <a:ext cx="6096000" cy="3429000"/>
           </a:xfrm>
           <a:custGeom>
-            <a:rect b="b" l="l" r="r" t="t"/>
+            <a:avLst/>
+            <a:gdLst/>
+            <a:ahLst/>
+            <a:cxnLst/>
+            <a:rect l="l" t="t" r="r" b="b"/>
             <a:pathLst>
-              <a:path extrusionOk="0" h="120000" w="120000">
+              <a:path w="120000" h="120000" extrusionOk="0">
                 <a:moveTo>
                   <a:pt x="0" y="0"/>
                 </a:moveTo>
@@ -852,9 +878,11 @@
       <p:sp>
         <p:nvSpPr>
           <p:cNvPr id="109" name="Google Shape;109;gb728e6dda0_0_446:notes"/>
-          <p:cNvSpPr txBox="1"/>
+          <p:cNvSpPr txBox="1">
+            <a:spLocks noGrp="1"/>
+          </p:cNvSpPr>
           <p:nvPr>
-            <p:ph idx="1" type="body"/>
+            <p:ph type="body" idx="1"/>
           </p:nvPr>
         </p:nvSpPr>
         <p:spPr>
@@ -867,12 +895,12 @@
           </a:prstGeom>
         </p:spPr>
         <p:txBody>
-          <a:bodyPr anchorCtr="0" anchor="t" bIns="91425" lIns="91425" spcFirstLastPara="1" rIns="91425" wrap="square" tIns="91425">
+          <a:bodyPr spcFirstLastPara="1" wrap="square" lIns="91425" tIns="91425" rIns="91425" bIns="91425" anchor="t" anchorCtr="0">
             <a:noAutofit/>
           </a:bodyPr>
           <a:lstStyle/>
           <a:p>
-            <a:pPr indent="0" lvl="0" marL="0" rtl="0" algn="l">
+            <a:pPr marL="0" lvl="0" indent="0" algn="l" rtl="0">
               <a:spcBef>
                 <a:spcPts val="0"/>
               </a:spcBef>
@@ -881,9 +909,6 @@
               </a:spcAft>
               <a:buNone/>
             </a:pPr>
-            <a:r>
-              <a:t/>
-            </a:r>
             <a:endParaRPr/>
           </a:p>
         </p:txBody>
@@ -897,11 +922,11 @@
 </file>
 
 <file path=ppt/notesSlides/notesSlide11.xml><?xml version="1.0" encoding="utf-8"?>
-<p:notes xmlns:a="http://schemas.openxmlformats.org/drawingml/2006/main" xmlns:r="http://schemas.openxmlformats.org/officeDocument/2006/relationships" xmlns:mc="http://schemas.openxmlformats.org/markup-compatibility/2006" xmlns:mv="urn:schemas-microsoft-com:mac:vml" xmlns:p="http://schemas.openxmlformats.org/presentationml/2006/main" xmlns:c="http://schemas.openxmlformats.org/drawingml/2006/chart" xmlns:dgm="http://schemas.openxmlformats.org/drawingml/2006/diagram" xmlns:o="urn:schemas-microsoft-com:office:office" xmlns:v="urn:schemas-microsoft-com:vml" xmlns:pvml="urn:schemas-microsoft-com:office:powerpoint" xmlns:com="http://schemas.openxmlformats.org/drawingml/2006/compatibility" xmlns:p14="http://schemas.microsoft.com/office/powerpoint/2010/main" xmlns:p15="http://schemas.microsoft.com/office/powerpoint/2012/main" xmlns:ahyp="http://schemas.microsoft.com/office/drawing/2018/hyperlinkcolor" showMasterPhAnim="0" showMasterSp="0">
+<p:notes xmlns:a="http://schemas.openxmlformats.org/drawingml/2006/main" xmlns:r="http://schemas.openxmlformats.org/officeDocument/2006/relationships" xmlns:p="http://schemas.openxmlformats.org/presentationml/2006/main" showMasterSp="0" showMasterPhAnim="0">
   <p:cSld>
     <p:spTree>
       <p:nvGrpSpPr>
-        <p:cNvPr id="113" name="Shape 113"/>
+        <p:cNvPr id="1" name="Shape 113"/>
         <p:cNvGrpSpPr/>
         <p:nvPr/>
       </p:nvGrpSpPr>
@@ -916,9 +941,11 @@
       <p:sp>
         <p:nvSpPr>
           <p:cNvPr id="114" name="Google Shape;114;gb728e6dda0_0_451:notes"/>
-          <p:cNvSpPr/>
+          <p:cNvSpPr>
+            <a:spLocks noGrp="1" noRot="1" noChangeAspect="1"/>
+          </p:cNvSpPr>
           <p:nvPr>
-            <p:ph idx="2" type="sldImg"/>
+            <p:ph type="sldImg" idx="2"/>
           </p:nvPr>
         </p:nvSpPr>
         <p:spPr>
@@ -927,9 +954,13 @@
             <a:ext cx="6096000" cy="3429000"/>
           </a:xfrm>
           <a:custGeom>
-            <a:rect b="b" l="l" r="r" t="t"/>
+            <a:avLst/>
+            <a:gdLst/>
+            <a:ahLst/>
+            <a:cxnLst/>
+            <a:rect l="l" t="t" r="r" b="b"/>
             <a:pathLst>
-              <a:path extrusionOk="0" h="120000" w="120000">
+              <a:path w="120000" h="120000" extrusionOk="0">
                 <a:moveTo>
                   <a:pt x="0" y="0"/>
                 </a:moveTo>
@@ -951,9 +982,11 @@
       <p:sp>
         <p:nvSpPr>
           <p:cNvPr id="115" name="Google Shape;115;gb728e6dda0_0_451:notes"/>
-          <p:cNvSpPr txBox="1"/>
+          <p:cNvSpPr txBox="1">
+            <a:spLocks noGrp="1"/>
+          </p:cNvSpPr>
           <p:nvPr>
-            <p:ph idx="1" type="body"/>
+            <p:ph type="body" idx="1"/>
           </p:nvPr>
         </p:nvSpPr>
         <p:spPr>
@@ -966,12 +999,12 @@
           </a:prstGeom>
         </p:spPr>
         <p:txBody>
-          <a:bodyPr anchorCtr="0" anchor="t" bIns="91425" lIns="91425" spcFirstLastPara="1" rIns="91425" wrap="square" tIns="91425">
+          <a:bodyPr spcFirstLastPara="1" wrap="square" lIns="91425" tIns="91425" rIns="91425" bIns="91425" anchor="t" anchorCtr="0">
             <a:noAutofit/>
           </a:bodyPr>
           <a:lstStyle/>
           <a:p>
-            <a:pPr indent="0" lvl="0" marL="0" rtl="0" algn="l">
+            <a:pPr marL="0" lvl="0" indent="0" algn="l" rtl="0">
               <a:spcBef>
                 <a:spcPts val="0"/>
               </a:spcBef>
@@ -980,9 +1013,6 @@
               </a:spcAft>
               <a:buNone/>
             </a:pPr>
-            <a:r>
-              <a:t/>
-            </a:r>
             <a:endParaRPr/>
           </a:p>
         </p:txBody>
@@ -996,11 +1026,11 @@
 </file>
 
 <file path=ppt/notesSlides/notesSlide12.xml><?xml version="1.0" encoding="utf-8"?>
-<p:notes xmlns:a="http://schemas.openxmlformats.org/drawingml/2006/main" xmlns:r="http://schemas.openxmlformats.org/officeDocument/2006/relationships" xmlns:mc="http://schemas.openxmlformats.org/markup-compatibility/2006" xmlns:mv="urn:schemas-microsoft-com:mac:vml" xmlns:p="http://schemas.openxmlformats.org/presentationml/2006/main" xmlns:c="http://schemas.openxmlformats.org/drawingml/2006/chart" xmlns:dgm="http://schemas.openxmlformats.org/drawingml/2006/diagram" xmlns:o="urn:schemas-microsoft-com:office:office" xmlns:v="urn:schemas-microsoft-com:vml" xmlns:pvml="urn:schemas-microsoft-com:office:powerpoint" xmlns:com="http://schemas.openxmlformats.org/drawingml/2006/compatibility" xmlns:p14="http://schemas.microsoft.com/office/powerpoint/2010/main" xmlns:p15="http://schemas.microsoft.com/office/powerpoint/2012/main" xmlns:ahyp="http://schemas.microsoft.com/office/drawing/2018/hyperlinkcolor" showMasterPhAnim="0" showMasterSp="0">
+<p:notes xmlns:a="http://schemas.openxmlformats.org/drawingml/2006/main" xmlns:r="http://schemas.openxmlformats.org/officeDocument/2006/relationships" xmlns:p="http://schemas.openxmlformats.org/presentationml/2006/main" showMasterSp="0" showMasterPhAnim="0">
   <p:cSld>
     <p:spTree>
       <p:nvGrpSpPr>
-        <p:cNvPr id="118" name="Shape 118"/>
+        <p:cNvPr id="1" name="Shape 118"/>
         <p:cNvGrpSpPr/>
         <p:nvPr/>
       </p:nvGrpSpPr>
@@ -1015,9 +1045,11 @@
       <p:sp>
         <p:nvSpPr>
           <p:cNvPr id="119" name="Google Shape;119;gb728e6dda0_0_458:notes"/>
-          <p:cNvSpPr/>
+          <p:cNvSpPr>
+            <a:spLocks noGrp="1" noRot="1" noChangeAspect="1"/>
+          </p:cNvSpPr>
           <p:nvPr>
-            <p:ph idx="2" type="sldImg"/>
+            <p:ph type="sldImg" idx="2"/>
           </p:nvPr>
         </p:nvSpPr>
         <p:spPr>
@@ -1026,9 +1058,13 @@
             <a:ext cx="6096000" cy="3429000"/>
           </a:xfrm>
           <a:custGeom>
-            <a:rect b="b" l="l" r="r" t="t"/>
+            <a:avLst/>
+            <a:gdLst/>
+            <a:ahLst/>
+            <a:cxnLst/>
+            <a:rect l="l" t="t" r="r" b="b"/>
             <a:pathLst>
-              <a:path extrusionOk="0" h="120000" w="120000">
+              <a:path w="120000" h="120000" extrusionOk="0">
                 <a:moveTo>
                   <a:pt x="0" y="0"/>
                 </a:moveTo>
@@ -1050,9 +1086,11 @@
       <p:sp>
         <p:nvSpPr>
           <p:cNvPr id="120" name="Google Shape;120;gb728e6dda0_0_458:notes"/>
-          <p:cNvSpPr txBox="1"/>
+          <p:cNvSpPr txBox="1">
+            <a:spLocks noGrp="1"/>
+          </p:cNvSpPr>
           <p:nvPr>
-            <p:ph idx="1" type="body"/>
+            <p:ph type="body" idx="1"/>
           </p:nvPr>
         </p:nvSpPr>
         <p:spPr>
@@ -1065,12 +1103,12 @@
           </a:prstGeom>
         </p:spPr>
         <p:txBody>
-          <a:bodyPr anchorCtr="0" anchor="t" bIns="91425" lIns="91425" spcFirstLastPara="1" rIns="91425" wrap="square" tIns="91425">
+          <a:bodyPr spcFirstLastPara="1" wrap="square" lIns="91425" tIns="91425" rIns="91425" bIns="91425" anchor="t" anchorCtr="0">
             <a:noAutofit/>
           </a:bodyPr>
           <a:lstStyle/>
           <a:p>
-            <a:pPr indent="0" lvl="0" marL="0" rtl="0" algn="l">
+            <a:pPr marL="0" lvl="0" indent="0" algn="l" rtl="0">
               <a:spcBef>
                 <a:spcPts val="0"/>
               </a:spcBef>
@@ -1079,9 +1117,6 @@
               </a:spcAft>
               <a:buNone/>
             </a:pPr>
-            <a:r>
-              <a:t/>
-            </a:r>
             <a:endParaRPr/>
           </a:p>
         </p:txBody>
@@ -1095,11 +1130,11 @@
 </file>
 
 <file path=ppt/notesSlides/notesSlide13.xml><?xml version="1.0" encoding="utf-8"?>
-<p:notes xmlns:a="http://schemas.openxmlformats.org/drawingml/2006/main" xmlns:r="http://schemas.openxmlformats.org/officeDocument/2006/relationships" xmlns:mc="http://schemas.openxmlformats.org/markup-compatibility/2006" xmlns:mv="urn:schemas-microsoft-com:mac:vml" xmlns:p="http://schemas.openxmlformats.org/presentationml/2006/main" xmlns:c="http://schemas.openxmlformats.org/drawingml/2006/chart" xmlns:dgm="http://schemas.openxmlformats.org/drawingml/2006/diagram" xmlns:o="urn:schemas-microsoft-com:office:office" xmlns:v="urn:schemas-microsoft-com:vml" xmlns:pvml="urn:schemas-microsoft-com:office:powerpoint" xmlns:com="http://schemas.openxmlformats.org/drawingml/2006/compatibility" xmlns:p14="http://schemas.microsoft.com/office/powerpoint/2010/main" xmlns:p15="http://schemas.microsoft.com/office/powerpoint/2012/main" xmlns:ahyp="http://schemas.microsoft.com/office/drawing/2018/hyperlinkcolor" showMasterPhAnim="0" showMasterSp="0">
+<p:notes xmlns:a="http://schemas.openxmlformats.org/drawingml/2006/main" xmlns:r="http://schemas.openxmlformats.org/officeDocument/2006/relationships" xmlns:p="http://schemas.openxmlformats.org/presentationml/2006/main" showMasterSp="0" showMasterPhAnim="0">
   <p:cSld>
     <p:spTree>
       <p:nvGrpSpPr>
-        <p:cNvPr id="126" name="Shape 126"/>
+        <p:cNvPr id="1" name="Shape 126"/>
         <p:cNvGrpSpPr/>
         <p:nvPr/>
       </p:nvGrpSpPr>
@@ -1114,9 +1149,11 @@
       <p:sp>
         <p:nvSpPr>
           <p:cNvPr id="127" name="Google Shape;127;gb728e6dda0_0_473:notes"/>
-          <p:cNvSpPr/>
+          <p:cNvSpPr>
+            <a:spLocks noGrp="1" noRot="1" noChangeAspect="1"/>
+          </p:cNvSpPr>
           <p:nvPr>
-            <p:ph idx="2" type="sldImg"/>
+            <p:ph type="sldImg" idx="2"/>
           </p:nvPr>
         </p:nvSpPr>
         <p:spPr>
@@ -1125,9 +1162,13 @@
             <a:ext cx="6096000" cy="3429000"/>
           </a:xfrm>
           <a:custGeom>
-            <a:rect b="b" l="l" r="r" t="t"/>
+            <a:avLst/>
+            <a:gdLst/>
+            <a:ahLst/>
+            <a:cxnLst/>
+            <a:rect l="l" t="t" r="r" b="b"/>
             <a:pathLst>
-              <a:path extrusionOk="0" h="120000" w="120000">
+              <a:path w="120000" h="120000" extrusionOk="0">
                 <a:moveTo>
                   <a:pt x="0" y="0"/>
                 </a:moveTo>
@@ -1149,9 +1190,11 @@
       <p:sp>
         <p:nvSpPr>
           <p:cNvPr id="128" name="Google Shape;128;gb728e6dda0_0_473:notes"/>
-          <p:cNvSpPr txBox="1"/>
+          <p:cNvSpPr txBox="1">
+            <a:spLocks noGrp="1"/>
+          </p:cNvSpPr>
           <p:nvPr>
-            <p:ph idx="1" type="body"/>
+            <p:ph type="body" idx="1"/>
           </p:nvPr>
         </p:nvSpPr>
         <p:spPr>
@@ -1164,12 +1207,12 @@
           </a:prstGeom>
         </p:spPr>
         <p:txBody>
-          <a:bodyPr anchorCtr="0" anchor="t" bIns="91425" lIns="91425" spcFirstLastPara="1" rIns="91425" wrap="square" tIns="91425">
+          <a:bodyPr spcFirstLastPara="1" wrap="square" lIns="91425" tIns="91425" rIns="91425" bIns="91425" anchor="t" anchorCtr="0">
             <a:noAutofit/>
           </a:bodyPr>
           <a:lstStyle/>
           <a:p>
-            <a:pPr indent="0" lvl="0" marL="0" rtl="0" algn="l">
+            <a:pPr marL="0" lvl="0" indent="0" algn="l" rtl="0">
               <a:spcBef>
                 <a:spcPts val="0"/>
               </a:spcBef>
@@ -1178,9 +1221,6 @@
               </a:spcAft>
               <a:buNone/>
             </a:pPr>
-            <a:r>
-              <a:t/>
-            </a:r>
             <a:endParaRPr/>
           </a:p>
         </p:txBody>
@@ -1194,11 +1234,11 @@
 </file>
 
 <file path=ppt/notesSlides/notesSlide2.xml><?xml version="1.0" encoding="utf-8"?>
-<p:notes xmlns:a="http://schemas.openxmlformats.org/drawingml/2006/main" xmlns:r="http://schemas.openxmlformats.org/officeDocument/2006/relationships" xmlns:mc="http://schemas.openxmlformats.org/markup-compatibility/2006" xmlns:mv="urn:schemas-microsoft-com:mac:vml" xmlns:p="http://schemas.openxmlformats.org/presentationml/2006/main" xmlns:c="http://schemas.openxmlformats.org/drawingml/2006/chart" xmlns:dgm="http://schemas.openxmlformats.org/drawingml/2006/diagram" xmlns:o="urn:schemas-microsoft-com:office:office" xmlns:v="urn:schemas-microsoft-com:vml" xmlns:pvml="urn:schemas-microsoft-com:office:powerpoint" xmlns:com="http://schemas.openxmlformats.org/drawingml/2006/compatibility" xmlns:p14="http://schemas.microsoft.com/office/powerpoint/2010/main" xmlns:p15="http://schemas.microsoft.com/office/powerpoint/2012/main" xmlns:ahyp="http://schemas.microsoft.com/office/drawing/2018/hyperlinkcolor" showMasterPhAnim="0" showMasterSp="0">
+<p:notes xmlns:a="http://schemas.openxmlformats.org/drawingml/2006/main" xmlns:r="http://schemas.openxmlformats.org/officeDocument/2006/relationships" xmlns:p="http://schemas.openxmlformats.org/presentationml/2006/main" showMasterSp="0" showMasterPhAnim="0">
   <p:cSld>
     <p:spTree>
       <p:nvGrpSpPr>
-        <p:cNvPr id="57" name="Shape 57"/>
+        <p:cNvPr id="1" name="Shape 57"/>
         <p:cNvGrpSpPr/>
         <p:nvPr/>
       </p:nvGrpSpPr>
@@ -1213,9 +1253,11 @@
       <p:sp>
         <p:nvSpPr>
           <p:cNvPr id="58" name="Google Shape;58;gb728e6dda0_0_3:notes"/>
-          <p:cNvSpPr/>
+          <p:cNvSpPr>
+            <a:spLocks noGrp="1" noRot="1" noChangeAspect="1"/>
+          </p:cNvSpPr>
           <p:nvPr>
-            <p:ph idx="2" type="sldImg"/>
+            <p:ph type="sldImg" idx="2"/>
           </p:nvPr>
         </p:nvSpPr>
         <p:spPr>
@@ -1224,9 +1266,13 @@
             <a:ext cx="6096000" cy="3429000"/>
           </a:xfrm>
           <a:custGeom>
-            <a:rect b="b" l="l" r="r" t="t"/>
+            <a:avLst/>
+            <a:gdLst/>
+            <a:ahLst/>
+            <a:cxnLst/>
+            <a:rect l="l" t="t" r="r" b="b"/>
             <a:pathLst>
-              <a:path extrusionOk="0" h="120000" w="120000">
+              <a:path w="120000" h="120000" extrusionOk="0">
                 <a:moveTo>
                   <a:pt x="0" y="0"/>
                 </a:moveTo>
@@ -1248,9 +1294,11 @@
       <p:sp>
         <p:nvSpPr>
           <p:cNvPr id="59" name="Google Shape;59;gb728e6dda0_0_3:notes"/>
-          <p:cNvSpPr txBox="1"/>
+          <p:cNvSpPr txBox="1">
+            <a:spLocks noGrp="1"/>
+          </p:cNvSpPr>
           <p:nvPr>
-            <p:ph idx="1" type="body"/>
+            <p:ph type="body" idx="1"/>
           </p:nvPr>
         </p:nvSpPr>
         <p:spPr>
@@ -1263,12 +1311,12 @@
           </a:prstGeom>
         </p:spPr>
         <p:txBody>
-          <a:bodyPr anchorCtr="0" anchor="t" bIns="91425" lIns="91425" spcFirstLastPara="1" rIns="91425" wrap="square" tIns="91425">
+          <a:bodyPr spcFirstLastPara="1" wrap="square" lIns="91425" tIns="91425" rIns="91425" bIns="91425" anchor="t" anchorCtr="0">
             <a:noAutofit/>
           </a:bodyPr>
           <a:lstStyle/>
           <a:p>
-            <a:pPr indent="0" lvl="0" marL="0" rtl="0" algn="l">
+            <a:pPr marL="0" lvl="0" indent="0" algn="l" rtl="0">
               <a:spcBef>
                 <a:spcPts val="0"/>
               </a:spcBef>
@@ -1277,9 +1325,6 @@
               </a:spcAft>
               <a:buNone/>
             </a:pPr>
-            <a:r>
-              <a:t/>
-            </a:r>
             <a:endParaRPr/>
           </a:p>
         </p:txBody>
@@ -1293,11 +1338,11 @@
 </file>
 
 <file path=ppt/notesSlides/notesSlide3.xml><?xml version="1.0" encoding="utf-8"?>
-<p:notes xmlns:a="http://schemas.openxmlformats.org/drawingml/2006/main" xmlns:r="http://schemas.openxmlformats.org/officeDocument/2006/relationships" xmlns:mc="http://schemas.openxmlformats.org/markup-compatibility/2006" xmlns:mv="urn:schemas-microsoft-com:mac:vml" xmlns:p="http://schemas.openxmlformats.org/presentationml/2006/main" xmlns:c="http://schemas.openxmlformats.org/drawingml/2006/chart" xmlns:dgm="http://schemas.openxmlformats.org/drawingml/2006/diagram" xmlns:o="urn:schemas-microsoft-com:office:office" xmlns:v="urn:schemas-microsoft-com:vml" xmlns:pvml="urn:schemas-microsoft-com:office:powerpoint" xmlns:com="http://schemas.openxmlformats.org/drawingml/2006/compatibility" xmlns:p14="http://schemas.microsoft.com/office/powerpoint/2010/main" xmlns:p15="http://schemas.microsoft.com/office/powerpoint/2012/main" xmlns:ahyp="http://schemas.microsoft.com/office/drawing/2018/hyperlinkcolor" showMasterPhAnim="0" showMasterSp="0">
+<p:notes xmlns:a="http://schemas.openxmlformats.org/drawingml/2006/main" xmlns:r="http://schemas.openxmlformats.org/officeDocument/2006/relationships" xmlns:p="http://schemas.openxmlformats.org/presentationml/2006/main" showMasterSp="0" showMasterPhAnim="0">
   <p:cSld>
     <p:spTree>
       <p:nvGrpSpPr>
-        <p:cNvPr id="63" name="Shape 63"/>
+        <p:cNvPr id="1" name="Shape 63"/>
         <p:cNvGrpSpPr/>
         <p:nvPr/>
       </p:nvGrpSpPr>
@@ -1312,9 +1357,11 @@
       <p:sp>
         <p:nvSpPr>
           <p:cNvPr id="64" name="Google Shape;64;gb728e6dda0_0_407:notes"/>
-          <p:cNvSpPr/>
+          <p:cNvSpPr>
+            <a:spLocks noGrp="1" noRot="1" noChangeAspect="1"/>
+          </p:cNvSpPr>
           <p:nvPr>
-            <p:ph idx="2" type="sldImg"/>
+            <p:ph type="sldImg" idx="2"/>
           </p:nvPr>
         </p:nvSpPr>
         <p:spPr>
@@ -1323,9 +1370,13 @@
             <a:ext cx="6096000" cy="3429000"/>
           </a:xfrm>
           <a:custGeom>
-            <a:rect b="b" l="l" r="r" t="t"/>
+            <a:avLst/>
+            <a:gdLst/>
+            <a:ahLst/>
+            <a:cxnLst/>
+            <a:rect l="l" t="t" r="r" b="b"/>
             <a:pathLst>
-              <a:path extrusionOk="0" h="120000" w="120000">
+              <a:path w="120000" h="120000" extrusionOk="0">
                 <a:moveTo>
                   <a:pt x="0" y="0"/>
                 </a:moveTo>
@@ -1347,9 +1398,11 @@
       <p:sp>
         <p:nvSpPr>
           <p:cNvPr id="65" name="Google Shape;65;gb728e6dda0_0_407:notes"/>
-          <p:cNvSpPr txBox="1"/>
+          <p:cNvSpPr txBox="1">
+            <a:spLocks noGrp="1"/>
+          </p:cNvSpPr>
           <p:nvPr>
-            <p:ph idx="1" type="body"/>
+            <p:ph type="body" idx="1"/>
           </p:nvPr>
         </p:nvSpPr>
         <p:spPr>
@@ -1362,12 +1415,12 @@
           </a:prstGeom>
         </p:spPr>
         <p:txBody>
-          <a:bodyPr anchorCtr="0" anchor="t" bIns="91425" lIns="91425" spcFirstLastPara="1" rIns="91425" wrap="square" tIns="91425">
+          <a:bodyPr spcFirstLastPara="1" wrap="square" lIns="91425" tIns="91425" rIns="91425" bIns="91425" anchor="t" anchorCtr="0">
             <a:noAutofit/>
           </a:bodyPr>
           <a:lstStyle/>
           <a:p>
-            <a:pPr indent="0" lvl="0" marL="0" rtl="0" algn="l">
+            <a:pPr marL="0" lvl="0" indent="0" algn="l" rtl="0">
               <a:spcBef>
                 <a:spcPts val="0"/>
               </a:spcBef>
@@ -1376,9 +1429,6 @@
               </a:spcAft>
               <a:buNone/>
             </a:pPr>
-            <a:r>
-              <a:t/>
-            </a:r>
             <a:endParaRPr/>
           </a:p>
         </p:txBody>
@@ -1392,11 +1442,11 @@
 </file>
 
 <file path=ppt/notesSlides/notesSlide4.xml><?xml version="1.0" encoding="utf-8"?>
-<p:notes xmlns:a="http://schemas.openxmlformats.org/drawingml/2006/main" xmlns:r="http://schemas.openxmlformats.org/officeDocument/2006/relationships" xmlns:mc="http://schemas.openxmlformats.org/markup-compatibility/2006" xmlns:mv="urn:schemas-microsoft-com:mac:vml" xmlns:p="http://schemas.openxmlformats.org/presentationml/2006/main" xmlns:c="http://schemas.openxmlformats.org/drawingml/2006/chart" xmlns:dgm="http://schemas.openxmlformats.org/drawingml/2006/diagram" xmlns:o="urn:schemas-microsoft-com:office:office" xmlns:v="urn:schemas-microsoft-com:vml" xmlns:pvml="urn:schemas-microsoft-com:office:powerpoint" xmlns:com="http://schemas.openxmlformats.org/drawingml/2006/compatibility" xmlns:p14="http://schemas.microsoft.com/office/powerpoint/2010/main" xmlns:p15="http://schemas.microsoft.com/office/powerpoint/2012/main" xmlns:ahyp="http://schemas.microsoft.com/office/drawing/2018/hyperlinkcolor" showMasterPhAnim="0" showMasterSp="0">
+<p:notes xmlns:a="http://schemas.openxmlformats.org/drawingml/2006/main" xmlns:r="http://schemas.openxmlformats.org/officeDocument/2006/relationships" xmlns:p="http://schemas.openxmlformats.org/presentationml/2006/main" showMasterSp="0" showMasterPhAnim="0">
   <p:cSld>
     <p:spTree>
       <p:nvGrpSpPr>
-        <p:cNvPr id="70" name="Shape 70"/>
+        <p:cNvPr id="1" name="Shape 70"/>
         <p:cNvGrpSpPr/>
         <p:nvPr/>
       </p:nvGrpSpPr>
@@ -1411,20 +1461,26 @@
       <p:sp>
         <p:nvSpPr>
           <p:cNvPr id="71" name="Google Shape;71;gb728e6dda0_0_418:notes"/>
-          <p:cNvSpPr/>
+          <p:cNvSpPr>
+            <a:spLocks noGrp="1" noRot="1" noChangeAspect="1"/>
+          </p:cNvSpPr>
           <p:nvPr>
-            <p:ph idx="2" type="sldImg"/>
+            <p:ph type="sldImg" idx="2"/>
           </p:nvPr>
         </p:nvSpPr>
         <p:spPr>
           <a:xfrm>
-            <a:off x="381300" y="685800"/>
+            <a:off x="381000" y="685800"/>
             <a:ext cx="6096000" cy="3429000"/>
           </a:xfrm>
           <a:custGeom>
-            <a:rect b="b" l="l" r="r" t="t"/>
+            <a:avLst/>
+            <a:gdLst/>
+            <a:ahLst/>
+            <a:cxnLst/>
+            <a:rect l="l" t="t" r="r" b="b"/>
             <a:pathLst>
-              <a:path extrusionOk="0" h="120000" w="120000">
+              <a:path w="120000" h="120000" extrusionOk="0">
                 <a:moveTo>
                   <a:pt x="0" y="0"/>
                 </a:moveTo>
@@ -1446,9 +1502,11 @@
       <p:sp>
         <p:nvSpPr>
           <p:cNvPr id="72" name="Google Shape;72;gb728e6dda0_0_418:notes"/>
-          <p:cNvSpPr txBox="1"/>
+          <p:cNvSpPr txBox="1">
+            <a:spLocks noGrp="1"/>
+          </p:cNvSpPr>
           <p:nvPr>
-            <p:ph idx="1" type="body"/>
+            <p:ph type="body" idx="1"/>
           </p:nvPr>
         </p:nvSpPr>
         <p:spPr>
@@ -1461,12 +1519,12 @@
           </a:prstGeom>
         </p:spPr>
         <p:txBody>
-          <a:bodyPr anchorCtr="0" anchor="t" bIns="91425" lIns="91425" spcFirstLastPara="1" rIns="91425" wrap="square" tIns="91425">
+          <a:bodyPr spcFirstLastPara="1" wrap="square" lIns="91425" tIns="91425" rIns="91425" bIns="91425" anchor="t" anchorCtr="0">
             <a:noAutofit/>
           </a:bodyPr>
           <a:lstStyle/>
           <a:p>
-            <a:pPr indent="0" lvl="0" marL="0" rtl="0" algn="l">
+            <a:pPr marL="0" lvl="0" indent="0" algn="l" rtl="0">
               <a:spcBef>
                 <a:spcPts val="0"/>
               </a:spcBef>
@@ -1475,9 +1533,6 @@
               </a:spcAft>
               <a:buNone/>
             </a:pPr>
-            <a:r>
-              <a:t/>
-            </a:r>
             <a:endParaRPr/>
           </a:p>
         </p:txBody>
@@ -1491,11 +1546,11 @@
 </file>
 
 <file path=ppt/notesSlides/notesSlide5.xml><?xml version="1.0" encoding="utf-8"?>
-<p:notes xmlns:a="http://schemas.openxmlformats.org/drawingml/2006/main" xmlns:r="http://schemas.openxmlformats.org/officeDocument/2006/relationships" xmlns:mc="http://schemas.openxmlformats.org/markup-compatibility/2006" xmlns:mv="urn:schemas-microsoft-com:mac:vml" xmlns:p="http://schemas.openxmlformats.org/presentationml/2006/main" xmlns:c="http://schemas.openxmlformats.org/drawingml/2006/chart" xmlns:dgm="http://schemas.openxmlformats.org/drawingml/2006/diagram" xmlns:o="urn:schemas-microsoft-com:office:office" xmlns:v="urn:schemas-microsoft-com:vml" xmlns:pvml="urn:schemas-microsoft-com:office:powerpoint" xmlns:com="http://schemas.openxmlformats.org/drawingml/2006/compatibility" xmlns:p14="http://schemas.microsoft.com/office/powerpoint/2010/main" xmlns:p15="http://schemas.microsoft.com/office/powerpoint/2012/main" xmlns:ahyp="http://schemas.microsoft.com/office/drawing/2018/hyperlinkcolor" showMasterPhAnim="0" showMasterSp="0">
+<p:notes xmlns:a="http://schemas.openxmlformats.org/drawingml/2006/main" xmlns:r="http://schemas.openxmlformats.org/officeDocument/2006/relationships" xmlns:p="http://schemas.openxmlformats.org/presentationml/2006/main" showMasterSp="0" showMasterPhAnim="0">
   <p:cSld>
     <p:spTree>
       <p:nvGrpSpPr>
-        <p:cNvPr id="77" name="Shape 77"/>
+        <p:cNvPr id="1" name="Shape 77"/>
         <p:cNvGrpSpPr/>
         <p:nvPr/>
       </p:nvGrpSpPr>
@@ -1510,9 +1565,11 @@
       <p:sp>
         <p:nvSpPr>
           <p:cNvPr id="78" name="Google Shape;78;gb728e6dda0_0_412:notes"/>
-          <p:cNvSpPr/>
+          <p:cNvSpPr>
+            <a:spLocks noGrp="1" noRot="1" noChangeAspect="1"/>
+          </p:cNvSpPr>
           <p:nvPr>
-            <p:ph idx="2" type="sldImg"/>
+            <p:ph type="sldImg" idx="2"/>
           </p:nvPr>
         </p:nvSpPr>
         <p:spPr>
@@ -1521,9 +1578,13 @@
             <a:ext cx="6096000" cy="3429000"/>
           </a:xfrm>
           <a:custGeom>
-            <a:rect b="b" l="l" r="r" t="t"/>
+            <a:avLst/>
+            <a:gdLst/>
+            <a:ahLst/>
+            <a:cxnLst/>
+            <a:rect l="l" t="t" r="r" b="b"/>
             <a:pathLst>
-              <a:path extrusionOk="0" h="120000" w="120000">
+              <a:path w="120000" h="120000" extrusionOk="0">
                 <a:moveTo>
                   <a:pt x="0" y="0"/>
                 </a:moveTo>
@@ -1545,9 +1606,11 @@
       <p:sp>
         <p:nvSpPr>
           <p:cNvPr id="79" name="Google Shape;79;gb728e6dda0_0_412:notes"/>
-          <p:cNvSpPr txBox="1"/>
+          <p:cNvSpPr txBox="1">
+            <a:spLocks noGrp="1"/>
+          </p:cNvSpPr>
           <p:nvPr>
-            <p:ph idx="1" type="body"/>
+            <p:ph type="body" idx="1"/>
           </p:nvPr>
         </p:nvSpPr>
         <p:spPr>
@@ -1560,12 +1623,12 @@
           </a:prstGeom>
         </p:spPr>
         <p:txBody>
-          <a:bodyPr anchorCtr="0" anchor="t" bIns="91425" lIns="91425" spcFirstLastPara="1" rIns="91425" wrap="square" tIns="91425">
+          <a:bodyPr spcFirstLastPara="1" wrap="square" lIns="91425" tIns="91425" rIns="91425" bIns="91425" anchor="t" anchorCtr="0">
             <a:noAutofit/>
           </a:bodyPr>
           <a:lstStyle/>
           <a:p>
-            <a:pPr indent="0" lvl="0" marL="0" rtl="0" algn="l">
+            <a:pPr marL="0" lvl="0" indent="0" algn="l" rtl="0">
               <a:spcBef>
                 <a:spcPts val="0"/>
               </a:spcBef>
@@ -1574,9 +1637,6 @@
               </a:spcAft>
               <a:buNone/>
             </a:pPr>
-            <a:r>
-              <a:t/>
-            </a:r>
             <a:endParaRPr/>
           </a:p>
         </p:txBody>
@@ -1590,11 +1650,11 @@
 </file>
 
 <file path=ppt/notesSlides/notesSlide6.xml><?xml version="1.0" encoding="utf-8"?>
-<p:notes xmlns:a="http://schemas.openxmlformats.org/drawingml/2006/main" xmlns:r="http://schemas.openxmlformats.org/officeDocument/2006/relationships" xmlns:mc="http://schemas.openxmlformats.org/markup-compatibility/2006" xmlns:mv="urn:schemas-microsoft-com:mac:vml" xmlns:p="http://schemas.openxmlformats.org/presentationml/2006/main" xmlns:c="http://schemas.openxmlformats.org/drawingml/2006/chart" xmlns:dgm="http://schemas.openxmlformats.org/drawingml/2006/diagram" xmlns:o="urn:schemas-microsoft-com:office:office" xmlns:v="urn:schemas-microsoft-com:vml" xmlns:pvml="urn:schemas-microsoft-com:office:powerpoint" xmlns:com="http://schemas.openxmlformats.org/drawingml/2006/compatibility" xmlns:p14="http://schemas.microsoft.com/office/powerpoint/2010/main" xmlns:p15="http://schemas.microsoft.com/office/powerpoint/2012/main" xmlns:ahyp="http://schemas.microsoft.com/office/drawing/2018/hyperlinkcolor" showMasterPhAnim="0" showMasterSp="0">
+<p:notes xmlns:a="http://schemas.openxmlformats.org/drawingml/2006/main" xmlns:r="http://schemas.openxmlformats.org/officeDocument/2006/relationships" xmlns:p="http://schemas.openxmlformats.org/presentationml/2006/main" showMasterSp="0" showMasterPhAnim="0">
   <p:cSld>
     <p:spTree>
       <p:nvGrpSpPr>
-        <p:cNvPr id="83" name="Shape 83"/>
+        <p:cNvPr id="1" name="Shape 83"/>
         <p:cNvGrpSpPr/>
         <p:nvPr/>
       </p:nvGrpSpPr>
@@ -1609,9 +1669,11 @@
       <p:sp>
         <p:nvSpPr>
           <p:cNvPr id="84" name="Google Shape;84;gb728e6dda0_0_424:notes"/>
-          <p:cNvSpPr/>
+          <p:cNvSpPr>
+            <a:spLocks noGrp="1" noRot="1" noChangeAspect="1"/>
+          </p:cNvSpPr>
           <p:nvPr>
-            <p:ph idx="2" type="sldImg"/>
+            <p:ph type="sldImg" idx="2"/>
           </p:nvPr>
         </p:nvSpPr>
         <p:spPr>
@@ -1620,9 +1682,13 @@
             <a:ext cx="6096000" cy="3429000"/>
           </a:xfrm>
           <a:custGeom>
-            <a:rect b="b" l="l" r="r" t="t"/>
+            <a:avLst/>
+            <a:gdLst/>
+            <a:ahLst/>
+            <a:cxnLst/>
+            <a:rect l="l" t="t" r="r" b="b"/>
             <a:pathLst>
-              <a:path extrusionOk="0" h="120000" w="120000">
+              <a:path w="120000" h="120000" extrusionOk="0">
                 <a:moveTo>
                   <a:pt x="0" y="0"/>
                 </a:moveTo>
@@ -1644,9 +1710,11 @@
       <p:sp>
         <p:nvSpPr>
           <p:cNvPr id="85" name="Google Shape;85;gb728e6dda0_0_424:notes"/>
-          <p:cNvSpPr txBox="1"/>
+          <p:cNvSpPr txBox="1">
+            <a:spLocks noGrp="1"/>
+          </p:cNvSpPr>
           <p:nvPr>
-            <p:ph idx="1" type="body"/>
+            <p:ph type="body" idx="1"/>
           </p:nvPr>
         </p:nvSpPr>
         <p:spPr>
@@ -1659,12 +1727,12 @@
           </a:prstGeom>
         </p:spPr>
         <p:txBody>
-          <a:bodyPr anchorCtr="0" anchor="t" bIns="91425" lIns="91425" spcFirstLastPara="1" rIns="91425" wrap="square" tIns="91425">
+          <a:bodyPr spcFirstLastPara="1" wrap="square" lIns="91425" tIns="91425" rIns="91425" bIns="91425" anchor="t" anchorCtr="0">
             <a:noAutofit/>
           </a:bodyPr>
           <a:lstStyle/>
           <a:p>
-            <a:pPr indent="0" lvl="0" marL="0" rtl="0" algn="l">
+            <a:pPr marL="0" lvl="0" indent="0" algn="l" rtl="0">
               <a:spcBef>
                 <a:spcPts val="0"/>
               </a:spcBef>
@@ -1673,9 +1741,6 @@
               </a:spcAft>
               <a:buNone/>
             </a:pPr>
-            <a:r>
-              <a:t/>
-            </a:r>
             <a:endParaRPr/>
           </a:p>
         </p:txBody>
@@ -1689,11 +1754,11 @@
 </file>
 
 <file path=ppt/notesSlides/notesSlide7.xml><?xml version="1.0" encoding="utf-8"?>
-<p:notes xmlns:a="http://schemas.openxmlformats.org/drawingml/2006/main" xmlns:r="http://schemas.openxmlformats.org/officeDocument/2006/relationships" xmlns:mc="http://schemas.openxmlformats.org/markup-compatibility/2006" xmlns:mv="urn:schemas-microsoft-com:mac:vml" xmlns:p="http://schemas.openxmlformats.org/presentationml/2006/main" xmlns:c="http://schemas.openxmlformats.org/drawingml/2006/chart" xmlns:dgm="http://schemas.openxmlformats.org/drawingml/2006/diagram" xmlns:o="urn:schemas-microsoft-com:office:office" xmlns:v="urn:schemas-microsoft-com:vml" xmlns:pvml="urn:schemas-microsoft-com:office:powerpoint" xmlns:com="http://schemas.openxmlformats.org/drawingml/2006/compatibility" xmlns:p14="http://schemas.microsoft.com/office/powerpoint/2010/main" xmlns:p15="http://schemas.microsoft.com/office/powerpoint/2012/main" xmlns:ahyp="http://schemas.microsoft.com/office/drawing/2018/hyperlinkcolor" showMasterPhAnim="0" showMasterSp="0">
+<p:notes xmlns:a="http://schemas.openxmlformats.org/drawingml/2006/main" xmlns:r="http://schemas.openxmlformats.org/officeDocument/2006/relationships" xmlns:p="http://schemas.openxmlformats.org/presentationml/2006/main" showMasterSp="0" showMasterPhAnim="0">
   <p:cSld>
     <p:spTree>
       <p:nvGrpSpPr>
-        <p:cNvPr id="89" name="Shape 89"/>
+        <p:cNvPr id="1" name="Shape 89"/>
         <p:cNvGrpSpPr/>
         <p:nvPr/>
       </p:nvGrpSpPr>
@@ -1708,9 +1773,11 @@
       <p:sp>
         <p:nvSpPr>
           <p:cNvPr id="90" name="Google Shape;90;gb728e6dda0_0_429:notes"/>
-          <p:cNvSpPr/>
+          <p:cNvSpPr>
+            <a:spLocks noGrp="1" noRot="1" noChangeAspect="1"/>
+          </p:cNvSpPr>
           <p:nvPr>
-            <p:ph idx="2" type="sldImg"/>
+            <p:ph type="sldImg" idx="2"/>
           </p:nvPr>
         </p:nvSpPr>
         <p:spPr>
@@ -1719,9 +1786,13 @@
             <a:ext cx="6096000" cy="3429000"/>
           </a:xfrm>
           <a:custGeom>
-            <a:rect b="b" l="l" r="r" t="t"/>
+            <a:avLst/>
+            <a:gdLst/>
+            <a:ahLst/>
+            <a:cxnLst/>
+            <a:rect l="l" t="t" r="r" b="b"/>
             <a:pathLst>
-              <a:path extrusionOk="0" h="120000" w="120000">
+              <a:path w="120000" h="120000" extrusionOk="0">
                 <a:moveTo>
                   <a:pt x="0" y="0"/>
                 </a:moveTo>
@@ -1743,9 +1814,11 @@
       <p:sp>
         <p:nvSpPr>
           <p:cNvPr id="91" name="Google Shape;91;gb728e6dda0_0_429:notes"/>
-          <p:cNvSpPr txBox="1"/>
+          <p:cNvSpPr txBox="1">
+            <a:spLocks noGrp="1"/>
+          </p:cNvSpPr>
           <p:nvPr>
-            <p:ph idx="1" type="body"/>
+            <p:ph type="body" idx="1"/>
           </p:nvPr>
         </p:nvSpPr>
         <p:spPr>
@@ -1758,12 +1831,12 @@
           </a:prstGeom>
         </p:spPr>
         <p:txBody>
-          <a:bodyPr anchorCtr="0" anchor="t" bIns="91425" lIns="91425" spcFirstLastPara="1" rIns="91425" wrap="square" tIns="91425">
+          <a:bodyPr spcFirstLastPara="1" wrap="square" lIns="91425" tIns="91425" rIns="91425" bIns="91425" anchor="t" anchorCtr="0">
             <a:noAutofit/>
           </a:bodyPr>
           <a:lstStyle/>
           <a:p>
-            <a:pPr indent="0" lvl="0" marL="0" rtl="0" algn="l">
+            <a:pPr marL="0" lvl="0" indent="0" algn="l" rtl="0">
               <a:spcBef>
                 <a:spcPts val="0"/>
               </a:spcBef>
@@ -1772,9 +1845,6 @@
               </a:spcAft>
               <a:buNone/>
             </a:pPr>
-            <a:r>
-              <a:t/>
-            </a:r>
             <a:endParaRPr/>
           </a:p>
         </p:txBody>
@@ -1788,11 +1858,11 @@
 </file>
 
 <file path=ppt/notesSlides/notesSlide8.xml><?xml version="1.0" encoding="utf-8"?>
-<p:notes xmlns:a="http://schemas.openxmlformats.org/drawingml/2006/main" xmlns:r="http://schemas.openxmlformats.org/officeDocument/2006/relationships" xmlns:mc="http://schemas.openxmlformats.org/markup-compatibility/2006" xmlns:mv="urn:schemas-microsoft-com:mac:vml" xmlns:p="http://schemas.openxmlformats.org/presentationml/2006/main" xmlns:c="http://schemas.openxmlformats.org/drawingml/2006/chart" xmlns:dgm="http://schemas.openxmlformats.org/drawingml/2006/diagram" xmlns:o="urn:schemas-microsoft-com:office:office" xmlns:v="urn:schemas-microsoft-com:vml" xmlns:pvml="urn:schemas-microsoft-com:office:powerpoint" xmlns:com="http://schemas.openxmlformats.org/drawingml/2006/compatibility" xmlns:p14="http://schemas.microsoft.com/office/powerpoint/2010/main" xmlns:p15="http://schemas.microsoft.com/office/powerpoint/2012/main" xmlns:ahyp="http://schemas.microsoft.com/office/drawing/2018/hyperlinkcolor" showMasterPhAnim="0" showMasterSp="0">
+<p:notes xmlns:a="http://schemas.openxmlformats.org/drawingml/2006/main" xmlns:r="http://schemas.openxmlformats.org/officeDocument/2006/relationships" xmlns:p="http://schemas.openxmlformats.org/presentationml/2006/main" showMasterSp="0" showMasterPhAnim="0">
   <p:cSld>
     <p:spTree>
       <p:nvGrpSpPr>
-        <p:cNvPr id="95" name="Shape 95"/>
+        <p:cNvPr id="1" name="Shape 95"/>
         <p:cNvGrpSpPr/>
         <p:nvPr/>
       </p:nvGrpSpPr>
@@ -1807,9 +1877,11 @@
       <p:sp>
         <p:nvSpPr>
           <p:cNvPr id="96" name="Google Shape;96;gb728e6dda0_0_434:notes"/>
-          <p:cNvSpPr/>
+          <p:cNvSpPr>
+            <a:spLocks noGrp="1" noRot="1" noChangeAspect="1"/>
+          </p:cNvSpPr>
           <p:nvPr>
-            <p:ph idx="2" type="sldImg"/>
+            <p:ph type="sldImg" idx="2"/>
           </p:nvPr>
         </p:nvSpPr>
         <p:spPr>
@@ -1818,9 +1890,13 @@
             <a:ext cx="6096000" cy="3429000"/>
           </a:xfrm>
           <a:custGeom>
-            <a:rect b="b" l="l" r="r" t="t"/>
+            <a:avLst/>
+            <a:gdLst/>
+            <a:ahLst/>
+            <a:cxnLst/>
+            <a:rect l="l" t="t" r="r" b="b"/>
             <a:pathLst>
-              <a:path extrusionOk="0" h="120000" w="120000">
+              <a:path w="120000" h="120000" extrusionOk="0">
                 <a:moveTo>
                   <a:pt x="0" y="0"/>
                 </a:moveTo>
@@ -1842,9 +1918,11 @@
       <p:sp>
         <p:nvSpPr>
           <p:cNvPr id="97" name="Google Shape;97;gb728e6dda0_0_434:notes"/>
-          <p:cNvSpPr txBox="1"/>
+          <p:cNvSpPr txBox="1">
+            <a:spLocks noGrp="1"/>
+          </p:cNvSpPr>
           <p:nvPr>
-            <p:ph idx="1" type="body"/>
+            <p:ph type="body" idx="1"/>
           </p:nvPr>
         </p:nvSpPr>
         <p:spPr>
@@ -1857,12 +1935,12 @@
           </a:prstGeom>
         </p:spPr>
         <p:txBody>
-          <a:bodyPr anchorCtr="0" anchor="t" bIns="91425" lIns="91425" spcFirstLastPara="1" rIns="91425" wrap="square" tIns="91425">
+          <a:bodyPr spcFirstLastPara="1" wrap="square" lIns="91425" tIns="91425" rIns="91425" bIns="91425" anchor="t" anchorCtr="0">
             <a:noAutofit/>
           </a:bodyPr>
           <a:lstStyle/>
           <a:p>
-            <a:pPr indent="0" lvl="0" marL="0" rtl="0" algn="l">
+            <a:pPr marL="0" lvl="0" indent="0" algn="l" rtl="0">
               <a:spcBef>
                 <a:spcPts val="0"/>
               </a:spcBef>
@@ -1871,9 +1949,6 @@
               </a:spcAft>
               <a:buNone/>
             </a:pPr>
-            <a:r>
-              <a:t/>
-            </a:r>
             <a:endParaRPr/>
           </a:p>
         </p:txBody>
@@ -1887,11 +1962,11 @@
 </file>
 
 <file path=ppt/notesSlides/notesSlide9.xml><?xml version="1.0" encoding="utf-8"?>
-<p:notes xmlns:a="http://schemas.openxmlformats.org/drawingml/2006/main" xmlns:r="http://schemas.openxmlformats.org/officeDocument/2006/relationships" xmlns:mc="http://schemas.openxmlformats.org/markup-compatibility/2006" xmlns:mv="urn:schemas-microsoft-com:mac:vml" xmlns:p="http://schemas.openxmlformats.org/presentationml/2006/main" xmlns:c="http://schemas.openxmlformats.org/drawingml/2006/chart" xmlns:dgm="http://schemas.openxmlformats.org/drawingml/2006/diagram" xmlns:o="urn:schemas-microsoft-com:office:office" xmlns:v="urn:schemas-microsoft-com:vml" xmlns:pvml="urn:schemas-microsoft-com:office:powerpoint" xmlns:com="http://schemas.openxmlformats.org/drawingml/2006/compatibility" xmlns:p14="http://schemas.microsoft.com/office/powerpoint/2010/main" xmlns:p15="http://schemas.microsoft.com/office/powerpoint/2012/main" xmlns:ahyp="http://schemas.microsoft.com/office/drawing/2018/hyperlinkcolor" showMasterPhAnim="0" showMasterSp="0">
+<p:notes xmlns:a="http://schemas.openxmlformats.org/drawingml/2006/main" xmlns:r="http://schemas.openxmlformats.org/officeDocument/2006/relationships" xmlns:p="http://schemas.openxmlformats.org/presentationml/2006/main" showMasterSp="0" showMasterPhAnim="0">
   <p:cSld>
     <p:spTree>
       <p:nvGrpSpPr>
-        <p:cNvPr id="101" name="Shape 101"/>
+        <p:cNvPr id="1" name="Shape 101"/>
         <p:cNvGrpSpPr/>
         <p:nvPr/>
       </p:nvGrpSpPr>
@@ -1906,9 +1981,11 @@
       <p:sp>
         <p:nvSpPr>
           <p:cNvPr id="102" name="Google Shape;102;gb728e6dda0_0_440:notes"/>
-          <p:cNvSpPr/>
+          <p:cNvSpPr>
+            <a:spLocks noGrp="1" noRot="1" noChangeAspect="1"/>
+          </p:cNvSpPr>
           <p:nvPr>
-            <p:ph idx="2" type="sldImg"/>
+            <p:ph type="sldImg" idx="2"/>
           </p:nvPr>
         </p:nvSpPr>
         <p:spPr>
@@ -1917,9 +1994,13 @@
             <a:ext cx="6096000" cy="3429000"/>
           </a:xfrm>
           <a:custGeom>
-            <a:rect b="b" l="l" r="r" t="t"/>
+            <a:avLst/>
+            <a:gdLst/>
+            <a:ahLst/>
+            <a:cxnLst/>
+            <a:rect l="l" t="t" r="r" b="b"/>
             <a:pathLst>
-              <a:path extrusionOk="0" h="120000" w="120000">
+              <a:path w="120000" h="120000" extrusionOk="0">
                 <a:moveTo>
                   <a:pt x="0" y="0"/>
                 </a:moveTo>
@@ -1941,9 +2022,11 @@
       <p:sp>
         <p:nvSpPr>
           <p:cNvPr id="103" name="Google Shape;103;gb728e6dda0_0_440:notes"/>
-          <p:cNvSpPr txBox="1"/>
+          <p:cNvSpPr txBox="1">
+            <a:spLocks noGrp="1"/>
+          </p:cNvSpPr>
           <p:nvPr>
-            <p:ph idx="1" type="body"/>
+            <p:ph type="body" idx="1"/>
           </p:nvPr>
         </p:nvSpPr>
         <p:spPr>
@@ -1956,12 +2039,12 @@
           </a:prstGeom>
         </p:spPr>
         <p:txBody>
-          <a:bodyPr anchorCtr="0" anchor="t" bIns="91425" lIns="91425" spcFirstLastPara="1" rIns="91425" wrap="square" tIns="91425">
+          <a:bodyPr spcFirstLastPara="1" wrap="square" lIns="91425" tIns="91425" rIns="91425" bIns="91425" anchor="t" anchorCtr="0">
             <a:noAutofit/>
           </a:bodyPr>
           <a:lstStyle/>
           <a:p>
-            <a:pPr indent="0" lvl="0" marL="0" rtl="0" algn="l">
+            <a:pPr marL="0" lvl="0" indent="0" algn="l" rtl="0">
               <a:spcBef>
                 <a:spcPts val="0"/>
               </a:spcBef>
@@ -1970,9 +2053,6 @@
               </a:spcAft>
               <a:buNone/>
             </a:pPr>
-            <a:r>
-              <a:t/>
-            </a:r>
             <a:endParaRPr/>
           </a:p>
         </p:txBody>
@@ -1986,11 +2066,11 @@
 </file>
 
 <file path=ppt/slideLayouts/slideLayout1.xml><?xml version="1.0" encoding="utf-8"?>
-<p:sldLayout xmlns:a="http://schemas.openxmlformats.org/drawingml/2006/main" xmlns:r="http://schemas.openxmlformats.org/officeDocument/2006/relationships" xmlns:mc="http://schemas.openxmlformats.org/markup-compatibility/2006" xmlns:mv="urn:schemas-microsoft-com:mac:vml" xmlns:p="http://schemas.openxmlformats.org/presentationml/2006/main" xmlns:c="http://schemas.openxmlformats.org/drawingml/2006/chart" xmlns:dgm="http://schemas.openxmlformats.org/drawingml/2006/diagram" xmlns:o="urn:schemas-microsoft-com:office:office" xmlns:v="urn:schemas-microsoft-com:vml" xmlns:pvml="urn:schemas-microsoft-com:office:powerpoint" xmlns:com="http://schemas.openxmlformats.org/drawingml/2006/compatibility" xmlns:p14="http://schemas.microsoft.com/office/powerpoint/2010/main" xmlns:p15="http://schemas.microsoft.com/office/powerpoint/2012/main" xmlns:ahyp="http://schemas.microsoft.com/office/drawing/2018/hyperlinkcolor" matchingName="Title slide" type="title">
+<p:sldLayout xmlns:a="http://schemas.openxmlformats.org/drawingml/2006/main" xmlns:r="http://schemas.openxmlformats.org/officeDocument/2006/relationships" xmlns:p="http://schemas.openxmlformats.org/presentationml/2006/main" matchingName="Title slide" type="title">
   <p:cSld name="TITLE">
     <p:spTree>
       <p:nvGrpSpPr>
-        <p:cNvPr id="9" name="Shape 9"/>
+        <p:cNvPr id="1" name="Shape 9"/>
         <p:cNvGrpSpPr/>
         <p:nvPr/>
       </p:nvGrpSpPr>
@@ -2005,7 +2085,9 @@
       <p:sp>
         <p:nvSpPr>
           <p:cNvPr id="10" name="Google Shape;10;p2"/>
-          <p:cNvSpPr txBox="1"/>
+          <p:cNvSpPr txBox="1">
+            <a:spLocks noGrp="1"/>
+          </p:cNvSpPr>
           <p:nvPr>
             <p:ph type="ctrTitle"/>
           </p:nvPr>
@@ -2020,7 +2102,7 @@
           </a:prstGeom>
         </p:spPr>
         <p:txBody>
-          <a:bodyPr anchorCtr="0" anchor="b" bIns="91425" lIns="91425" spcFirstLastPara="1" rIns="91425" wrap="square" tIns="91425">
+          <a:bodyPr spcFirstLastPara="1" wrap="square" lIns="91425" tIns="91425" rIns="91425" bIns="91425" anchor="b" anchorCtr="0">
             <a:normAutofit/>
           </a:bodyPr>
           <a:lstStyle>
@@ -2124,15 +2206,19 @@
               <a:defRPr sz="5200"/>
             </a:lvl9pPr>
           </a:lstStyle>
-          <a:p/>
+          <a:p>
+            <a:endParaRPr/>
+          </a:p>
         </p:txBody>
       </p:sp>
       <p:sp>
         <p:nvSpPr>
           <p:cNvPr id="11" name="Google Shape;11;p2"/>
-          <p:cNvSpPr txBox="1"/>
+          <p:cNvSpPr txBox="1">
+            <a:spLocks noGrp="1"/>
+          </p:cNvSpPr>
           <p:nvPr>
-            <p:ph idx="1" type="subTitle"/>
+            <p:ph type="subTitle" idx="1"/>
           </p:nvPr>
         </p:nvSpPr>
         <p:spPr>
@@ -2145,7 +2231,7 @@
           </a:prstGeom>
         </p:spPr>
         <p:txBody>
-          <a:bodyPr anchorCtr="0" anchor="t" bIns="91425" lIns="91425" spcFirstLastPara="1" rIns="91425" wrap="square" tIns="91425">
+          <a:bodyPr spcFirstLastPara="1" wrap="square" lIns="91425" tIns="91425" rIns="91425" bIns="91425" anchor="t" anchorCtr="0">
             <a:normAutofit/>
           </a:bodyPr>
           <a:lstStyle>
@@ -2276,15 +2362,19 @@
               <a:defRPr sz="2800"/>
             </a:lvl9pPr>
           </a:lstStyle>
-          <a:p/>
+          <a:p>
+            <a:endParaRPr/>
+          </a:p>
         </p:txBody>
       </p:sp>
       <p:sp>
         <p:nvSpPr>
           <p:cNvPr id="12" name="Google Shape;12;p2"/>
-          <p:cNvSpPr txBox="1"/>
+          <p:cNvSpPr txBox="1">
+            <a:spLocks noGrp="1"/>
+          </p:cNvSpPr>
           <p:nvPr>
-            <p:ph idx="12" type="sldNum"/>
+            <p:ph type="sldNum" idx="12"/>
           </p:nvPr>
         </p:nvSpPr>
         <p:spPr>
@@ -2297,7 +2387,7 @@
           </a:prstGeom>
         </p:spPr>
         <p:txBody>
-          <a:bodyPr anchorCtr="0" anchor="ctr" bIns="91425" lIns="91425" spcFirstLastPara="1" rIns="91425" wrap="square" tIns="91425">
+          <a:bodyPr spcFirstLastPara="1" wrap="square" lIns="91425" tIns="91425" rIns="91425" bIns="91425" anchor="ctr" anchorCtr="0">
             <a:normAutofit/>
           </a:bodyPr>
           <a:lstStyle>
@@ -2339,7 +2429,7 @@
             </a:lvl9pPr>
           </a:lstStyle>
           <a:p>
-            <a:pPr indent="0" lvl="0" marL="0" rtl="0" algn="r">
+            <a:pPr marL="0" lvl="0" indent="0" algn="r" rtl="0">
               <a:spcBef>
                 <a:spcPts val="0"/>
               </a:spcBef>
@@ -2365,11 +2455,11 @@
 </file>
 
 <file path=ppt/slideLayouts/slideLayout10.xml><?xml version="1.0" encoding="utf-8"?>
-<p:sldLayout xmlns:a="http://schemas.openxmlformats.org/drawingml/2006/main" xmlns:r="http://schemas.openxmlformats.org/officeDocument/2006/relationships" xmlns:mc="http://schemas.openxmlformats.org/markup-compatibility/2006" xmlns:mv="urn:schemas-microsoft-com:mac:vml" xmlns:p="http://schemas.openxmlformats.org/presentationml/2006/main" xmlns:c="http://schemas.openxmlformats.org/drawingml/2006/chart" xmlns:dgm="http://schemas.openxmlformats.org/drawingml/2006/diagram" xmlns:o="urn:schemas-microsoft-com:office:office" xmlns:v="urn:schemas-microsoft-com:vml" xmlns:pvml="urn:schemas-microsoft-com:office:powerpoint" xmlns:com="http://schemas.openxmlformats.org/drawingml/2006/compatibility" xmlns:p14="http://schemas.microsoft.com/office/powerpoint/2010/main" xmlns:p15="http://schemas.microsoft.com/office/powerpoint/2012/main" xmlns:ahyp="http://schemas.microsoft.com/office/drawing/2018/hyperlinkcolor" matchingName="Big number">
+<p:sldLayout xmlns:a="http://schemas.openxmlformats.org/drawingml/2006/main" xmlns:r="http://schemas.openxmlformats.org/officeDocument/2006/relationships" xmlns:p="http://schemas.openxmlformats.org/presentationml/2006/main" matchingName="Big number">
   <p:cSld name="BIG_NUMBER">
     <p:spTree>
       <p:nvGrpSpPr>
-        <p:cNvPr id="44" name="Shape 44"/>
+        <p:cNvPr id="1" name="Shape 44"/>
         <p:cNvGrpSpPr/>
         <p:nvPr/>
       </p:nvGrpSpPr>
@@ -2384,9 +2474,11 @@
       <p:sp>
         <p:nvSpPr>
           <p:cNvPr id="45" name="Google Shape;45;p11"/>
-          <p:cNvSpPr txBox="1"/>
+          <p:cNvSpPr txBox="1">
+            <a:spLocks noGrp="1"/>
+          </p:cNvSpPr>
           <p:nvPr>
-            <p:ph hasCustomPrompt="1" type="title"/>
+            <p:ph type="title" hasCustomPrompt="1"/>
           </p:nvPr>
         </p:nvSpPr>
         <p:spPr>
@@ -2399,7 +2491,7 @@
           </a:prstGeom>
         </p:spPr>
         <p:txBody>
-          <a:bodyPr anchorCtr="0" anchor="b" bIns="91425" lIns="91425" spcFirstLastPara="1" rIns="91425" wrap="square" tIns="91425">
+          <a:bodyPr spcFirstLastPara="1" wrap="square" lIns="91425" tIns="91425" rIns="91425" bIns="91425" anchor="b" anchorCtr="0">
             <a:normAutofit/>
           </a:bodyPr>
           <a:lstStyle>
@@ -2513,9 +2605,11 @@
       <p:sp>
         <p:nvSpPr>
           <p:cNvPr id="46" name="Google Shape;46;p11"/>
-          <p:cNvSpPr txBox="1"/>
+          <p:cNvSpPr txBox="1">
+            <a:spLocks noGrp="1"/>
+          </p:cNvSpPr>
           <p:nvPr>
-            <p:ph idx="1" type="body"/>
+            <p:ph type="body" idx="1"/>
           </p:nvPr>
         </p:nvSpPr>
         <p:spPr>
@@ -2528,11 +2622,11 @@
           </a:prstGeom>
         </p:spPr>
         <p:txBody>
-          <a:bodyPr anchorCtr="0" anchor="t" bIns="91425" lIns="91425" spcFirstLastPara="1" rIns="91425" wrap="square" tIns="91425">
+          <a:bodyPr spcFirstLastPara="1" wrap="square" lIns="91425" tIns="91425" rIns="91425" bIns="91425" anchor="t" anchorCtr="0">
             <a:normAutofit/>
           </a:bodyPr>
           <a:lstStyle>
-            <a:lvl1pPr indent="-342900" lvl="0" marL="457200" algn="ctr">
+            <a:lvl1pPr marL="457200" lvl="0" indent="-342900" algn="ctr">
               <a:spcBef>
                 <a:spcPts val="0"/>
               </a:spcBef>
@@ -2543,7 +2637,7 @@
               <a:buChar char="●"/>
               <a:defRPr/>
             </a:lvl1pPr>
-            <a:lvl2pPr indent="-317500" lvl="1" marL="914400" algn="ctr">
+            <a:lvl2pPr marL="914400" lvl="1" indent="-317500" algn="ctr">
               <a:spcBef>
                 <a:spcPts val="0"/>
               </a:spcBef>
@@ -2554,7 +2648,7 @@
               <a:buChar char="○"/>
               <a:defRPr/>
             </a:lvl2pPr>
-            <a:lvl3pPr indent="-317500" lvl="2" marL="1371600" algn="ctr">
+            <a:lvl3pPr marL="1371600" lvl="2" indent="-317500" algn="ctr">
               <a:spcBef>
                 <a:spcPts val="0"/>
               </a:spcBef>
@@ -2565,7 +2659,7 @@
               <a:buChar char="■"/>
               <a:defRPr/>
             </a:lvl3pPr>
-            <a:lvl4pPr indent="-317500" lvl="3" marL="1828800" algn="ctr">
+            <a:lvl4pPr marL="1828800" lvl="3" indent="-317500" algn="ctr">
               <a:spcBef>
                 <a:spcPts val="0"/>
               </a:spcBef>
@@ -2576,7 +2670,7 @@
               <a:buChar char="●"/>
               <a:defRPr/>
             </a:lvl4pPr>
-            <a:lvl5pPr indent="-317500" lvl="4" marL="2286000" algn="ctr">
+            <a:lvl5pPr marL="2286000" lvl="4" indent="-317500" algn="ctr">
               <a:spcBef>
                 <a:spcPts val="0"/>
               </a:spcBef>
@@ -2587,7 +2681,7 @@
               <a:buChar char="○"/>
               <a:defRPr/>
             </a:lvl5pPr>
-            <a:lvl6pPr indent="-317500" lvl="5" marL="2743200" algn="ctr">
+            <a:lvl6pPr marL="2743200" lvl="5" indent="-317500" algn="ctr">
               <a:spcBef>
                 <a:spcPts val="0"/>
               </a:spcBef>
@@ -2598,7 +2692,7 @@
               <a:buChar char="■"/>
               <a:defRPr/>
             </a:lvl6pPr>
-            <a:lvl7pPr indent="-317500" lvl="6" marL="3200400" algn="ctr">
+            <a:lvl7pPr marL="3200400" lvl="6" indent="-317500" algn="ctr">
               <a:spcBef>
                 <a:spcPts val="0"/>
               </a:spcBef>
@@ -2609,7 +2703,7 @@
               <a:buChar char="●"/>
               <a:defRPr/>
             </a:lvl7pPr>
-            <a:lvl8pPr indent="-317500" lvl="7" marL="3657600" algn="ctr">
+            <a:lvl8pPr marL="3657600" lvl="7" indent="-317500" algn="ctr">
               <a:spcBef>
                 <a:spcPts val="0"/>
               </a:spcBef>
@@ -2620,7 +2714,7 @@
               <a:buChar char="○"/>
               <a:defRPr/>
             </a:lvl8pPr>
-            <a:lvl9pPr indent="-317500" lvl="8" marL="4114800" algn="ctr">
+            <a:lvl9pPr marL="4114800" lvl="8" indent="-317500" algn="ctr">
               <a:spcBef>
                 <a:spcPts val="0"/>
               </a:spcBef>
@@ -2632,15 +2726,19 @@
               <a:defRPr/>
             </a:lvl9pPr>
           </a:lstStyle>
-          <a:p/>
+          <a:p>
+            <a:endParaRPr/>
+          </a:p>
         </p:txBody>
       </p:sp>
       <p:sp>
         <p:nvSpPr>
           <p:cNvPr id="47" name="Google Shape;47;p11"/>
-          <p:cNvSpPr txBox="1"/>
+          <p:cNvSpPr txBox="1">
+            <a:spLocks noGrp="1"/>
+          </p:cNvSpPr>
           <p:nvPr>
-            <p:ph idx="12" type="sldNum"/>
+            <p:ph type="sldNum" idx="12"/>
           </p:nvPr>
         </p:nvSpPr>
         <p:spPr>
@@ -2653,7 +2751,7 @@
           </a:prstGeom>
         </p:spPr>
         <p:txBody>
-          <a:bodyPr anchorCtr="0" anchor="ctr" bIns="91425" lIns="91425" spcFirstLastPara="1" rIns="91425" wrap="square" tIns="91425">
+          <a:bodyPr spcFirstLastPara="1" wrap="square" lIns="91425" tIns="91425" rIns="91425" bIns="91425" anchor="ctr" anchorCtr="0">
             <a:normAutofit/>
           </a:bodyPr>
           <a:lstStyle>
@@ -2695,7 +2793,7 @@
             </a:lvl9pPr>
           </a:lstStyle>
           <a:p>
-            <a:pPr indent="0" lvl="0" marL="0" rtl="0" algn="r">
+            <a:pPr marL="0" lvl="0" indent="0" algn="r" rtl="0">
               <a:spcBef>
                 <a:spcPts val="0"/>
               </a:spcBef>
@@ -2721,11 +2819,11 @@
 </file>
 
 <file path=ppt/slideLayouts/slideLayout11.xml><?xml version="1.0" encoding="utf-8"?>
-<p:sldLayout xmlns:a="http://schemas.openxmlformats.org/drawingml/2006/main" xmlns:r="http://schemas.openxmlformats.org/officeDocument/2006/relationships" xmlns:mc="http://schemas.openxmlformats.org/markup-compatibility/2006" xmlns:mv="urn:schemas-microsoft-com:mac:vml" xmlns:p="http://schemas.openxmlformats.org/presentationml/2006/main" xmlns:c="http://schemas.openxmlformats.org/drawingml/2006/chart" xmlns:dgm="http://schemas.openxmlformats.org/drawingml/2006/diagram" xmlns:o="urn:schemas-microsoft-com:office:office" xmlns:v="urn:schemas-microsoft-com:vml" xmlns:pvml="urn:schemas-microsoft-com:office:powerpoint" xmlns:com="http://schemas.openxmlformats.org/drawingml/2006/compatibility" xmlns:p14="http://schemas.microsoft.com/office/powerpoint/2010/main" xmlns:p15="http://schemas.microsoft.com/office/powerpoint/2012/main" xmlns:ahyp="http://schemas.microsoft.com/office/drawing/2018/hyperlinkcolor" matchingName="Blank" type="blank">
+<p:sldLayout xmlns:a="http://schemas.openxmlformats.org/drawingml/2006/main" xmlns:r="http://schemas.openxmlformats.org/officeDocument/2006/relationships" xmlns:p="http://schemas.openxmlformats.org/presentationml/2006/main" matchingName="Blank" type="blank">
   <p:cSld name="BLANK">
     <p:spTree>
       <p:nvGrpSpPr>
-        <p:cNvPr id="48" name="Shape 48"/>
+        <p:cNvPr id="1" name="Shape 48"/>
         <p:cNvGrpSpPr/>
         <p:nvPr/>
       </p:nvGrpSpPr>
@@ -2740,9 +2838,11 @@
       <p:sp>
         <p:nvSpPr>
           <p:cNvPr id="49" name="Google Shape;49;p12"/>
-          <p:cNvSpPr txBox="1"/>
+          <p:cNvSpPr txBox="1">
+            <a:spLocks noGrp="1"/>
+          </p:cNvSpPr>
           <p:nvPr>
-            <p:ph idx="12" type="sldNum"/>
+            <p:ph type="sldNum" idx="12"/>
           </p:nvPr>
         </p:nvSpPr>
         <p:spPr>
@@ -2755,7 +2855,7 @@
           </a:prstGeom>
         </p:spPr>
         <p:txBody>
-          <a:bodyPr anchorCtr="0" anchor="ctr" bIns="91425" lIns="91425" spcFirstLastPara="1" rIns="91425" wrap="square" tIns="91425">
+          <a:bodyPr spcFirstLastPara="1" wrap="square" lIns="91425" tIns="91425" rIns="91425" bIns="91425" anchor="ctr" anchorCtr="0">
             <a:normAutofit/>
           </a:bodyPr>
           <a:lstStyle>
@@ -2797,7 +2897,7 @@
             </a:lvl9pPr>
           </a:lstStyle>
           <a:p>
-            <a:pPr indent="0" lvl="0" marL="0" rtl="0" algn="r">
+            <a:pPr marL="0" lvl="0" indent="0" algn="r" rtl="0">
               <a:spcBef>
                 <a:spcPts val="0"/>
               </a:spcBef>
@@ -2823,11 +2923,11 @@
 </file>
 
 <file path=ppt/slideLayouts/slideLayout2.xml><?xml version="1.0" encoding="utf-8"?>
-<p:sldLayout xmlns:a="http://schemas.openxmlformats.org/drawingml/2006/main" xmlns:r="http://schemas.openxmlformats.org/officeDocument/2006/relationships" xmlns:mc="http://schemas.openxmlformats.org/markup-compatibility/2006" xmlns:mv="urn:schemas-microsoft-com:mac:vml" xmlns:p="http://schemas.openxmlformats.org/presentationml/2006/main" xmlns:c="http://schemas.openxmlformats.org/drawingml/2006/chart" xmlns:dgm="http://schemas.openxmlformats.org/drawingml/2006/diagram" xmlns:o="urn:schemas-microsoft-com:office:office" xmlns:v="urn:schemas-microsoft-com:vml" xmlns:pvml="urn:schemas-microsoft-com:office:powerpoint" xmlns:com="http://schemas.openxmlformats.org/drawingml/2006/compatibility" xmlns:p14="http://schemas.microsoft.com/office/powerpoint/2010/main" xmlns:p15="http://schemas.microsoft.com/office/powerpoint/2012/main" xmlns:ahyp="http://schemas.microsoft.com/office/drawing/2018/hyperlinkcolor" matchingName="Section header" type="secHead">
+<p:sldLayout xmlns:a="http://schemas.openxmlformats.org/drawingml/2006/main" xmlns:r="http://schemas.openxmlformats.org/officeDocument/2006/relationships" xmlns:p="http://schemas.openxmlformats.org/presentationml/2006/main" matchingName="Section header" type="secHead">
   <p:cSld name="SECTION_HEADER">
     <p:spTree>
       <p:nvGrpSpPr>
-        <p:cNvPr id="13" name="Shape 13"/>
+        <p:cNvPr id="1" name="Shape 13"/>
         <p:cNvGrpSpPr/>
         <p:nvPr/>
       </p:nvGrpSpPr>
@@ -2842,7 +2942,9 @@
       <p:sp>
         <p:nvSpPr>
           <p:cNvPr id="14" name="Google Shape;14;p3"/>
-          <p:cNvSpPr txBox="1"/>
+          <p:cNvSpPr txBox="1">
+            <a:spLocks noGrp="1"/>
+          </p:cNvSpPr>
           <p:nvPr>
             <p:ph type="title"/>
           </p:nvPr>
@@ -2857,7 +2959,7 @@
           </a:prstGeom>
         </p:spPr>
         <p:txBody>
-          <a:bodyPr anchorCtr="0" anchor="ctr" bIns="91425" lIns="91425" spcFirstLastPara="1" rIns="91425" wrap="square" tIns="91425">
+          <a:bodyPr spcFirstLastPara="1" wrap="square" lIns="91425" tIns="91425" rIns="91425" bIns="91425" anchor="ctr" anchorCtr="0">
             <a:normAutofit/>
           </a:bodyPr>
           <a:lstStyle>
@@ -2961,15 +3063,19 @@
               <a:defRPr sz="3600"/>
             </a:lvl9pPr>
           </a:lstStyle>
-          <a:p/>
+          <a:p>
+            <a:endParaRPr/>
+          </a:p>
         </p:txBody>
       </p:sp>
       <p:sp>
         <p:nvSpPr>
           <p:cNvPr id="15" name="Google Shape;15;p3"/>
-          <p:cNvSpPr txBox="1"/>
+          <p:cNvSpPr txBox="1">
+            <a:spLocks noGrp="1"/>
+          </p:cNvSpPr>
           <p:nvPr>
-            <p:ph idx="12" type="sldNum"/>
+            <p:ph type="sldNum" idx="12"/>
           </p:nvPr>
         </p:nvSpPr>
         <p:spPr>
@@ -2982,7 +3088,7 @@
           </a:prstGeom>
         </p:spPr>
         <p:txBody>
-          <a:bodyPr anchorCtr="0" anchor="ctr" bIns="91425" lIns="91425" spcFirstLastPara="1" rIns="91425" wrap="square" tIns="91425">
+          <a:bodyPr spcFirstLastPara="1" wrap="square" lIns="91425" tIns="91425" rIns="91425" bIns="91425" anchor="ctr" anchorCtr="0">
             <a:normAutofit/>
           </a:bodyPr>
           <a:lstStyle>
@@ -3024,7 +3130,7 @@
             </a:lvl9pPr>
           </a:lstStyle>
           <a:p>
-            <a:pPr indent="0" lvl="0" marL="0" rtl="0" algn="r">
+            <a:pPr marL="0" lvl="0" indent="0" algn="r" rtl="0">
               <a:spcBef>
                 <a:spcPts val="0"/>
               </a:spcBef>
@@ -3050,11 +3156,11 @@
 </file>
 
 <file path=ppt/slideLayouts/slideLayout3.xml><?xml version="1.0" encoding="utf-8"?>
-<p:sldLayout xmlns:a="http://schemas.openxmlformats.org/drawingml/2006/main" xmlns:r="http://schemas.openxmlformats.org/officeDocument/2006/relationships" xmlns:mc="http://schemas.openxmlformats.org/markup-compatibility/2006" xmlns:mv="urn:schemas-microsoft-com:mac:vml" xmlns:p="http://schemas.openxmlformats.org/presentationml/2006/main" xmlns:c="http://schemas.openxmlformats.org/drawingml/2006/chart" xmlns:dgm="http://schemas.openxmlformats.org/drawingml/2006/diagram" xmlns:o="urn:schemas-microsoft-com:office:office" xmlns:v="urn:schemas-microsoft-com:vml" xmlns:pvml="urn:schemas-microsoft-com:office:powerpoint" xmlns:com="http://schemas.openxmlformats.org/drawingml/2006/compatibility" xmlns:p14="http://schemas.microsoft.com/office/powerpoint/2010/main" xmlns:p15="http://schemas.microsoft.com/office/powerpoint/2012/main" xmlns:ahyp="http://schemas.microsoft.com/office/drawing/2018/hyperlinkcolor" matchingName="Title and body" type="tx">
+<p:sldLayout xmlns:a="http://schemas.openxmlformats.org/drawingml/2006/main" xmlns:r="http://schemas.openxmlformats.org/officeDocument/2006/relationships" xmlns:p="http://schemas.openxmlformats.org/presentationml/2006/main" matchingName="Title and body" type="tx">
   <p:cSld name="TITLE_AND_BODY">
     <p:spTree>
       <p:nvGrpSpPr>
-        <p:cNvPr id="16" name="Shape 16"/>
+        <p:cNvPr id="1" name="Shape 16"/>
         <p:cNvGrpSpPr/>
         <p:nvPr/>
       </p:nvGrpSpPr>
@@ -3069,7 +3175,9 @@
       <p:sp>
         <p:nvSpPr>
           <p:cNvPr id="17" name="Google Shape;17;p4"/>
-          <p:cNvSpPr txBox="1"/>
+          <p:cNvSpPr txBox="1">
+            <a:spLocks noGrp="1"/>
+          </p:cNvSpPr>
           <p:nvPr>
             <p:ph type="title"/>
           </p:nvPr>
@@ -3084,7 +3192,7 @@
           </a:prstGeom>
         </p:spPr>
         <p:txBody>
-          <a:bodyPr anchorCtr="0" anchor="t" bIns="91425" lIns="91425" spcFirstLastPara="1" rIns="91425" wrap="square" tIns="91425">
+          <a:bodyPr spcFirstLastPara="1" wrap="square" lIns="91425" tIns="91425" rIns="91425" bIns="91425" anchor="t" anchorCtr="0">
             <a:normAutofit/>
           </a:bodyPr>
           <a:lstStyle>
@@ -3188,15 +3296,19 @@
               <a:defRPr/>
             </a:lvl9pPr>
           </a:lstStyle>
-          <a:p/>
+          <a:p>
+            <a:endParaRPr/>
+          </a:p>
         </p:txBody>
       </p:sp>
       <p:sp>
         <p:nvSpPr>
           <p:cNvPr id="18" name="Google Shape;18;p4"/>
-          <p:cNvSpPr txBox="1"/>
+          <p:cNvSpPr txBox="1">
+            <a:spLocks noGrp="1"/>
+          </p:cNvSpPr>
           <p:nvPr>
-            <p:ph idx="1" type="body"/>
+            <p:ph type="body" idx="1"/>
           </p:nvPr>
         </p:nvSpPr>
         <p:spPr>
@@ -3209,11 +3321,11 @@
           </a:prstGeom>
         </p:spPr>
         <p:txBody>
-          <a:bodyPr anchorCtr="0" anchor="t" bIns="91425" lIns="91425" spcFirstLastPara="1" rIns="91425" wrap="square" tIns="91425">
+          <a:bodyPr spcFirstLastPara="1" wrap="square" lIns="91425" tIns="91425" rIns="91425" bIns="91425" anchor="t" anchorCtr="0">
             <a:normAutofit/>
           </a:bodyPr>
           <a:lstStyle>
-            <a:lvl1pPr indent="-342900" lvl="0" marL="457200">
+            <a:lvl1pPr marL="457200" lvl="0" indent="-342900">
               <a:spcBef>
                 <a:spcPts val="0"/>
               </a:spcBef>
@@ -3224,7 +3336,7 @@
               <a:buChar char="●"/>
               <a:defRPr/>
             </a:lvl1pPr>
-            <a:lvl2pPr indent="-317500" lvl="1" marL="914400">
+            <a:lvl2pPr marL="914400" lvl="1" indent="-317500">
               <a:spcBef>
                 <a:spcPts val="0"/>
               </a:spcBef>
@@ -3235,7 +3347,7 @@
               <a:buChar char="○"/>
               <a:defRPr/>
             </a:lvl2pPr>
-            <a:lvl3pPr indent="-317500" lvl="2" marL="1371600">
+            <a:lvl3pPr marL="1371600" lvl="2" indent="-317500">
               <a:spcBef>
                 <a:spcPts val="0"/>
               </a:spcBef>
@@ -3246,7 +3358,7 @@
               <a:buChar char="■"/>
               <a:defRPr/>
             </a:lvl3pPr>
-            <a:lvl4pPr indent="-317500" lvl="3" marL="1828800">
+            <a:lvl4pPr marL="1828800" lvl="3" indent="-317500">
               <a:spcBef>
                 <a:spcPts val="0"/>
               </a:spcBef>
@@ -3257,7 +3369,7 @@
               <a:buChar char="●"/>
               <a:defRPr/>
             </a:lvl4pPr>
-            <a:lvl5pPr indent="-317500" lvl="4" marL="2286000">
+            <a:lvl5pPr marL="2286000" lvl="4" indent="-317500">
               <a:spcBef>
                 <a:spcPts val="0"/>
               </a:spcBef>
@@ -3268,7 +3380,7 @@
               <a:buChar char="○"/>
               <a:defRPr/>
             </a:lvl5pPr>
-            <a:lvl6pPr indent="-317500" lvl="5" marL="2743200">
+            <a:lvl6pPr marL="2743200" lvl="5" indent="-317500">
               <a:spcBef>
                 <a:spcPts val="0"/>
               </a:spcBef>
@@ -3279,7 +3391,7 @@
               <a:buChar char="■"/>
               <a:defRPr/>
             </a:lvl6pPr>
-            <a:lvl7pPr indent="-317500" lvl="6" marL="3200400">
+            <a:lvl7pPr marL="3200400" lvl="6" indent="-317500">
               <a:spcBef>
                 <a:spcPts val="0"/>
               </a:spcBef>
@@ -3290,7 +3402,7 @@
               <a:buChar char="●"/>
               <a:defRPr/>
             </a:lvl7pPr>
-            <a:lvl8pPr indent="-317500" lvl="7" marL="3657600">
+            <a:lvl8pPr marL="3657600" lvl="7" indent="-317500">
               <a:spcBef>
                 <a:spcPts val="0"/>
               </a:spcBef>
@@ -3301,7 +3413,7 @@
               <a:buChar char="○"/>
               <a:defRPr/>
             </a:lvl8pPr>
-            <a:lvl9pPr indent="-317500" lvl="8" marL="4114800">
+            <a:lvl9pPr marL="4114800" lvl="8" indent="-317500">
               <a:spcBef>
                 <a:spcPts val="0"/>
               </a:spcBef>
@@ -3313,15 +3425,19 @@
               <a:defRPr/>
             </a:lvl9pPr>
           </a:lstStyle>
-          <a:p/>
+          <a:p>
+            <a:endParaRPr/>
+          </a:p>
         </p:txBody>
       </p:sp>
       <p:sp>
         <p:nvSpPr>
           <p:cNvPr id="19" name="Google Shape;19;p4"/>
-          <p:cNvSpPr txBox="1"/>
+          <p:cNvSpPr txBox="1">
+            <a:spLocks noGrp="1"/>
+          </p:cNvSpPr>
           <p:nvPr>
-            <p:ph idx="12" type="sldNum"/>
+            <p:ph type="sldNum" idx="12"/>
           </p:nvPr>
         </p:nvSpPr>
         <p:spPr>
@@ -3334,7 +3450,7 @@
           </a:prstGeom>
         </p:spPr>
         <p:txBody>
-          <a:bodyPr anchorCtr="0" anchor="ctr" bIns="91425" lIns="91425" spcFirstLastPara="1" rIns="91425" wrap="square" tIns="91425">
+          <a:bodyPr spcFirstLastPara="1" wrap="square" lIns="91425" tIns="91425" rIns="91425" bIns="91425" anchor="ctr" anchorCtr="0">
             <a:normAutofit/>
           </a:bodyPr>
           <a:lstStyle>
@@ -3376,7 +3492,7 @@
             </a:lvl9pPr>
           </a:lstStyle>
           <a:p>
-            <a:pPr indent="0" lvl="0" marL="0" rtl="0" algn="r">
+            <a:pPr marL="0" lvl="0" indent="0" algn="r" rtl="0">
               <a:spcBef>
                 <a:spcPts val="0"/>
               </a:spcBef>
@@ -3402,11 +3518,11 @@
 </file>
 
 <file path=ppt/slideLayouts/slideLayout4.xml><?xml version="1.0" encoding="utf-8"?>
-<p:sldLayout xmlns:a="http://schemas.openxmlformats.org/drawingml/2006/main" xmlns:r="http://schemas.openxmlformats.org/officeDocument/2006/relationships" xmlns:mc="http://schemas.openxmlformats.org/markup-compatibility/2006" xmlns:mv="urn:schemas-microsoft-com:mac:vml" xmlns:p="http://schemas.openxmlformats.org/presentationml/2006/main" xmlns:c="http://schemas.openxmlformats.org/drawingml/2006/chart" xmlns:dgm="http://schemas.openxmlformats.org/drawingml/2006/diagram" xmlns:o="urn:schemas-microsoft-com:office:office" xmlns:v="urn:schemas-microsoft-com:vml" xmlns:pvml="urn:schemas-microsoft-com:office:powerpoint" xmlns:com="http://schemas.openxmlformats.org/drawingml/2006/compatibility" xmlns:p14="http://schemas.microsoft.com/office/powerpoint/2010/main" xmlns:p15="http://schemas.microsoft.com/office/powerpoint/2012/main" xmlns:ahyp="http://schemas.microsoft.com/office/drawing/2018/hyperlinkcolor" matchingName="Title and two columns" type="twoColTx">
+<p:sldLayout xmlns:a="http://schemas.openxmlformats.org/drawingml/2006/main" xmlns:r="http://schemas.openxmlformats.org/officeDocument/2006/relationships" xmlns:p="http://schemas.openxmlformats.org/presentationml/2006/main" matchingName="Title and two columns" type="twoColTx">
   <p:cSld name="TITLE_AND_TWO_COLUMNS">
     <p:spTree>
       <p:nvGrpSpPr>
-        <p:cNvPr id="20" name="Shape 20"/>
+        <p:cNvPr id="1" name="Shape 20"/>
         <p:cNvGrpSpPr/>
         <p:nvPr/>
       </p:nvGrpSpPr>
@@ -3421,7 +3537,9 @@
       <p:sp>
         <p:nvSpPr>
           <p:cNvPr id="21" name="Google Shape;21;p5"/>
-          <p:cNvSpPr txBox="1"/>
+          <p:cNvSpPr txBox="1">
+            <a:spLocks noGrp="1"/>
+          </p:cNvSpPr>
           <p:nvPr>
             <p:ph type="title"/>
           </p:nvPr>
@@ -3436,7 +3554,7 @@
           </a:prstGeom>
         </p:spPr>
         <p:txBody>
-          <a:bodyPr anchorCtr="0" anchor="t" bIns="91425" lIns="91425" spcFirstLastPara="1" rIns="91425" wrap="square" tIns="91425">
+          <a:bodyPr spcFirstLastPara="1" wrap="square" lIns="91425" tIns="91425" rIns="91425" bIns="91425" anchor="t" anchorCtr="0">
             <a:normAutofit/>
           </a:bodyPr>
           <a:lstStyle>
@@ -3540,15 +3658,19 @@
               <a:defRPr/>
             </a:lvl9pPr>
           </a:lstStyle>
-          <a:p/>
+          <a:p>
+            <a:endParaRPr/>
+          </a:p>
         </p:txBody>
       </p:sp>
       <p:sp>
         <p:nvSpPr>
           <p:cNvPr id="22" name="Google Shape;22;p5"/>
-          <p:cNvSpPr txBox="1"/>
+          <p:cNvSpPr txBox="1">
+            <a:spLocks noGrp="1"/>
+          </p:cNvSpPr>
           <p:nvPr>
-            <p:ph idx="1" type="body"/>
+            <p:ph type="body" idx="1"/>
           </p:nvPr>
         </p:nvSpPr>
         <p:spPr>
@@ -3561,11 +3683,11 @@
           </a:prstGeom>
         </p:spPr>
         <p:txBody>
-          <a:bodyPr anchorCtr="0" anchor="t" bIns="91425" lIns="91425" spcFirstLastPara="1" rIns="91425" wrap="square" tIns="91425">
+          <a:bodyPr spcFirstLastPara="1" wrap="square" lIns="91425" tIns="91425" rIns="91425" bIns="91425" anchor="t" anchorCtr="0">
             <a:normAutofit/>
           </a:bodyPr>
           <a:lstStyle>
-            <a:lvl1pPr indent="-317500" lvl="0" marL="457200">
+            <a:lvl1pPr marL="457200" lvl="0" indent="-317500">
               <a:spcBef>
                 <a:spcPts val="0"/>
               </a:spcBef>
@@ -3576,7 +3698,7 @@
               <a:buChar char="●"/>
               <a:defRPr sz="1400"/>
             </a:lvl1pPr>
-            <a:lvl2pPr indent="-304800" lvl="1" marL="914400">
+            <a:lvl2pPr marL="914400" lvl="1" indent="-304800">
               <a:spcBef>
                 <a:spcPts val="0"/>
               </a:spcBef>
@@ -3587,7 +3709,7 @@
               <a:buChar char="○"/>
               <a:defRPr sz="1200"/>
             </a:lvl2pPr>
-            <a:lvl3pPr indent="-304800" lvl="2" marL="1371600">
+            <a:lvl3pPr marL="1371600" lvl="2" indent="-304800">
               <a:spcBef>
                 <a:spcPts val="0"/>
               </a:spcBef>
@@ -3598,7 +3720,7 @@
               <a:buChar char="■"/>
               <a:defRPr sz="1200"/>
             </a:lvl3pPr>
-            <a:lvl4pPr indent="-304800" lvl="3" marL="1828800">
+            <a:lvl4pPr marL="1828800" lvl="3" indent="-304800">
               <a:spcBef>
                 <a:spcPts val="0"/>
               </a:spcBef>
@@ -3609,7 +3731,7 @@
               <a:buChar char="●"/>
               <a:defRPr sz="1200"/>
             </a:lvl4pPr>
-            <a:lvl5pPr indent="-304800" lvl="4" marL="2286000">
+            <a:lvl5pPr marL="2286000" lvl="4" indent="-304800">
               <a:spcBef>
                 <a:spcPts val="0"/>
               </a:spcBef>
@@ -3620,7 +3742,7 @@
               <a:buChar char="○"/>
               <a:defRPr sz="1200"/>
             </a:lvl5pPr>
-            <a:lvl6pPr indent="-304800" lvl="5" marL="2743200">
+            <a:lvl6pPr marL="2743200" lvl="5" indent="-304800">
               <a:spcBef>
                 <a:spcPts val="0"/>
               </a:spcBef>
@@ -3631,7 +3753,7 @@
               <a:buChar char="■"/>
               <a:defRPr sz="1200"/>
             </a:lvl6pPr>
-            <a:lvl7pPr indent="-304800" lvl="6" marL="3200400">
+            <a:lvl7pPr marL="3200400" lvl="6" indent="-304800">
               <a:spcBef>
                 <a:spcPts val="0"/>
               </a:spcBef>
@@ -3642,7 +3764,7 @@
               <a:buChar char="●"/>
               <a:defRPr sz="1200"/>
             </a:lvl7pPr>
-            <a:lvl8pPr indent="-304800" lvl="7" marL="3657600">
+            <a:lvl8pPr marL="3657600" lvl="7" indent="-304800">
               <a:spcBef>
                 <a:spcPts val="0"/>
               </a:spcBef>
@@ -3653,7 +3775,7 @@
               <a:buChar char="○"/>
               <a:defRPr sz="1200"/>
             </a:lvl8pPr>
-            <a:lvl9pPr indent="-304800" lvl="8" marL="4114800">
+            <a:lvl9pPr marL="4114800" lvl="8" indent="-304800">
               <a:spcBef>
                 <a:spcPts val="0"/>
               </a:spcBef>
@@ -3665,15 +3787,19 @@
               <a:defRPr sz="1200"/>
             </a:lvl9pPr>
           </a:lstStyle>
-          <a:p/>
+          <a:p>
+            <a:endParaRPr/>
+          </a:p>
         </p:txBody>
       </p:sp>
       <p:sp>
         <p:nvSpPr>
           <p:cNvPr id="23" name="Google Shape;23;p5"/>
-          <p:cNvSpPr txBox="1"/>
+          <p:cNvSpPr txBox="1">
+            <a:spLocks noGrp="1"/>
+          </p:cNvSpPr>
           <p:nvPr>
-            <p:ph idx="2" type="body"/>
+            <p:ph type="body" idx="2"/>
           </p:nvPr>
         </p:nvSpPr>
         <p:spPr>
@@ -3686,11 +3812,11 @@
           </a:prstGeom>
         </p:spPr>
         <p:txBody>
-          <a:bodyPr anchorCtr="0" anchor="t" bIns="91425" lIns="91425" spcFirstLastPara="1" rIns="91425" wrap="square" tIns="91425">
+          <a:bodyPr spcFirstLastPara="1" wrap="square" lIns="91425" tIns="91425" rIns="91425" bIns="91425" anchor="t" anchorCtr="0">
             <a:normAutofit/>
           </a:bodyPr>
           <a:lstStyle>
-            <a:lvl1pPr indent="-317500" lvl="0" marL="457200">
+            <a:lvl1pPr marL="457200" lvl="0" indent="-317500">
               <a:spcBef>
                 <a:spcPts val="0"/>
               </a:spcBef>
@@ -3701,7 +3827,7 @@
               <a:buChar char="●"/>
               <a:defRPr sz="1400"/>
             </a:lvl1pPr>
-            <a:lvl2pPr indent="-304800" lvl="1" marL="914400">
+            <a:lvl2pPr marL="914400" lvl="1" indent="-304800">
               <a:spcBef>
                 <a:spcPts val="0"/>
               </a:spcBef>
@@ -3712,7 +3838,7 @@
               <a:buChar char="○"/>
               <a:defRPr sz="1200"/>
             </a:lvl2pPr>
-            <a:lvl3pPr indent="-304800" lvl="2" marL="1371600">
+            <a:lvl3pPr marL="1371600" lvl="2" indent="-304800">
               <a:spcBef>
                 <a:spcPts val="0"/>
               </a:spcBef>
@@ -3723,7 +3849,7 @@
               <a:buChar char="■"/>
               <a:defRPr sz="1200"/>
             </a:lvl3pPr>
-            <a:lvl4pPr indent="-304800" lvl="3" marL="1828800">
+            <a:lvl4pPr marL="1828800" lvl="3" indent="-304800">
               <a:spcBef>
                 <a:spcPts val="0"/>
               </a:spcBef>
@@ -3734,7 +3860,7 @@
               <a:buChar char="●"/>
               <a:defRPr sz="1200"/>
             </a:lvl4pPr>
-            <a:lvl5pPr indent="-304800" lvl="4" marL="2286000">
+            <a:lvl5pPr marL="2286000" lvl="4" indent="-304800">
               <a:spcBef>
                 <a:spcPts val="0"/>
               </a:spcBef>
@@ -3745,7 +3871,7 @@
               <a:buChar char="○"/>
               <a:defRPr sz="1200"/>
             </a:lvl5pPr>
-            <a:lvl6pPr indent="-304800" lvl="5" marL="2743200">
+            <a:lvl6pPr marL="2743200" lvl="5" indent="-304800">
               <a:spcBef>
                 <a:spcPts val="0"/>
               </a:spcBef>
@@ -3756,7 +3882,7 @@
               <a:buChar char="■"/>
               <a:defRPr sz="1200"/>
             </a:lvl6pPr>
-            <a:lvl7pPr indent="-304800" lvl="6" marL="3200400">
+            <a:lvl7pPr marL="3200400" lvl="6" indent="-304800">
               <a:spcBef>
                 <a:spcPts val="0"/>
               </a:spcBef>
@@ -3767,7 +3893,7 @@
               <a:buChar char="●"/>
               <a:defRPr sz="1200"/>
             </a:lvl7pPr>
-            <a:lvl8pPr indent="-304800" lvl="7" marL="3657600">
+            <a:lvl8pPr marL="3657600" lvl="7" indent="-304800">
               <a:spcBef>
                 <a:spcPts val="0"/>
               </a:spcBef>
@@ -3778,7 +3904,7 @@
               <a:buChar char="○"/>
               <a:defRPr sz="1200"/>
             </a:lvl8pPr>
-            <a:lvl9pPr indent="-304800" lvl="8" marL="4114800">
+            <a:lvl9pPr marL="4114800" lvl="8" indent="-304800">
               <a:spcBef>
                 <a:spcPts val="0"/>
               </a:spcBef>
@@ -3790,15 +3916,19 @@
               <a:defRPr sz="1200"/>
             </a:lvl9pPr>
           </a:lstStyle>
-          <a:p/>
+          <a:p>
+            <a:endParaRPr/>
+          </a:p>
         </p:txBody>
       </p:sp>
       <p:sp>
         <p:nvSpPr>
           <p:cNvPr id="24" name="Google Shape;24;p5"/>
-          <p:cNvSpPr txBox="1"/>
+          <p:cNvSpPr txBox="1">
+            <a:spLocks noGrp="1"/>
+          </p:cNvSpPr>
           <p:nvPr>
-            <p:ph idx="12" type="sldNum"/>
+            <p:ph type="sldNum" idx="12"/>
           </p:nvPr>
         </p:nvSpPr>
         <p:spPr>
@@ -3811,7 +3941,7 @@
           </a:prstGeom>
         </p:spPr>
         <p:txBody>
-          <a:bodyPr anchorCtr="0" anchor="ctr" bIns="91425" lIns="91425" spcFirstLastPara="1" rIns="91425" wrap="square" tIns="91425">
+          <a:bodyPr spcFirstLastPara="1" wrap="square" lIns="91425" tIns="91425" rIns="91425" bIns="91425" anchor="ctr" anchorCtr="0">
             <a:normAutofit/>
           </a:bodyPr>
           <a:lstStyle>
@@ -3853,7 +3983,7 @@
             </a:lvl9pPr>
           </a:lstStyle>
           <a:p>
-            <a:pPr indent="0" lvl="0" marL="0" rtl="0" algn="r">
+            <a:pPr marL="0" lvl="0" indent="0" algn="r" rtl="0">
               <a:spcBef>
                 <a:spcPts val="0"/>
               </a:spcBef>
@@ -3879,11 +4009,11 @@
 </file>
 
 <file path=ppt/slideLayouts/slideLayout5.xml><?xml version="1.0" encoding="utf-8"?>
-<p:sldLayout xmlns:a="http://schemas.openxmlformats.org/drawingml/2006/main" xmlns:r="http://schemas.openxmlformats.org/officeDocument/2006/relationships" xmlns:mc="http://schemas.openxmlformats.org/markup-compatibility/2006" xmlns:mv="urn:schemas-microsoft-com:mac:vml" xmlns:p="http://schemas.openxmlformats.org/presentationml/2006/main" xmlns:c="http://schemas.openxmlformats.org/drawingml/2006/chart" xmlns:dgm="http://schemas.openxmlformats.org/drawingml/2006/diagram" xmlns:o="urn:schemas-microsoft-com:office:office" xmlns:v="urn:schemas-microsoft-com:vml" xmlns:pvml="urn:schemas-microsoft-com:office:powerpoint" xmlns:com="http://schemas.openxmlformats.org/drawingml/2006/compatibility" xmlns:p14="http://schemas.microsoft.com/office/powerpoint/2010/main" xmlns:p15="http://schemas.microsoft.com/office/powerpoint/2012/main" xmlns:ahyp="http://schemas.microsoft.com/office/drawing/2018/hyperlinkcolor" matchingName="Title only" type="titleOnly">
+<p:sldLayout xmlns:a="http://schemas.openxmlformats.org/drawingml/2006/main" xmlns:r="http://schemas.openxmlformats.org/officeDocument/2006/relationships" xmlns:p="http://schemas.openxmlformats.org/presentationml/2006/main" matchingName="Title only" type="titleOnly">
   <p:cSld name="TITLE_ONLY">
     <p:spTree>
       <p:nvGrpSpPr>
-        <p:cNvPr id="25" name="Shape 25"/>
+        <p:cNvPr id="1" name="Shape 25"/>
         <p:cNvGrpSpPr/>
         <p:nvPr/>
       </p:nvGrpSpPr>
@@ -3898,7 +4028,9 @@
       <p:sp>
         <p:nvSpPr>
           <p:cNvPr id="26" name="Google Shape;26;p6"/>
-          <p:cNvSpPr txBox="1"/>
+          <p:cNvSpPr txBox="1">
+            <a:spLocks noGrp="1"/>
+          </p:cNvSpPr>
           <p:nvPr>
             <p:ph type="title"/>
           </p:nvPr>
@@ -3913,7 +4045,7 @@
           </a:prstGeom>
         </p:spPr>
         <p:txBody>
-          <a:bodyPr anchorCtr="0" anchor="t" bIns="91425" lIns="91425" spcFirstLastPara="1" rIns="91425" wrap="square" tIns="91425">
+          <a:bodyPr spcFirstLastPara="1" wrap="square" lIns="91425" tIns="91425" rIns="91425" bIns="91425" anchor="t" anchorCtr="0">
             <a:normAutofit/>
           </a:bodyPr>
           <a:lstStyle>
@@ -4017,15 +4149,19 @@
               <a:defRPr/>
             </a:lvl9pPr>
           </a:lstStyle>
-          <a:p/>
+          <a:p>
+            <a:endParaRPr/>
+          </a:p>
         </p:txBody>
       </p:sp>
       <p:sp>
         <p:nvSpPr>
           <p:cNvPr id="27" name="Google Shape;27;p6"/>
-          <p:cNvSpPr txBox="1"/>
+          <p:cNvSpPr txBox="1">
+            <a:spLocks noGrp="1"/>
+          </p:cNvSpPr>
           <p:nvPr>
-            <p:ph idx="12" type="sldNum"/>
+            <p:ph type="sldNum" idx="12"/>
           </p:nvPr>
         </p:nvSpPr>
         <p:spPr>
@@ -4038,7 +4174,7 @@
           </a:prstGeom>
         </p:spPr>
         <p:txBody>
-          <a:bodyPr anchorCtr="0" anchor="ctr" bIns="91425" lIns="91425" spcFirstLastPara="1" rIns="91425" wrap="square" tIns="91425">
+          <a:bodyPr spcFirstLastPara="1" wrap="square" lIns="91425" tIns="91425" rIns="91425" bIns="91425" anchor="ctr" anchorCtr="0">
             <a:normAutofit/>
           </a:bodyPr>
           <a:lstStyle>
@@ -4080,7 +4216,7 @@
             </a:lvl9pPr>
           </a:lstStyle>
           <a:p>
-            <a:pPr indent="0" lvl="0" marL="0" rtl="0" algn="r">
+            <a:pPr marL="0" lvl="0" indent="0" algn="r" rtl="0">
               <a:spcBef>
                 <a:spcPts val="0"/>
               </a:spcBef>
@@ -4106,11 +4242,11 @@
 </file>
 
 <file path=ppt/slideLayouts/slideLayout6.xml><?xml version="1.0" encoding="utf-8"?>
-<p:sldLayout xmlns:a="http://schemas.openxmlformats.org/drawingml/2006/main" xmlns:r="http://schemas.openxmlformats.org/officeDocument/2006/relationships" xmlns:mc="http://schemas.openxmlformats.org/markup-compatibility/2006" xmlns:mv="urn:schemas-microsoft-com:mac:vml" xmlns:p="http://schemas.openxmlformats.org/presentationml/2006/main" xmlns:c="http://schemas.openxmlformats.org/drawingml/2006/chart" xmlns:dgm="http://schemas.openxmlformats.org/drawingml/2006/diagram" xmlns:o="urn:schemas-microsoft-com:office:office" xmlns:v="urn:schemas-microsoft-com:vml" xmlns:pvml="urn:schemas-microsoft-com:office:powerpoint" xmlns:com="http://schemas.openxmlformats.org/drawingml/2006/compatibility" xmlns:p14="http://schemas.microsoft.com/office/powerpoint/2010/main" xmlns:p15="http://schemas.microsoft.com/office/powerpoint/2012/main" xmlns:ahyp="http://schemas.microsoft.com/office/drawing/2018/hyperlinkcolor" matchingName="One column text">
+<p:sldLayout xmlns:a="http://schemas.openxmlformats.org/drawingml/2006/main" xmlns:r="http://schemas.openxmlformats.org/officeDocument/2006/relationships" xmlns:p="http://schemas.openxmlformats.org/presentationml/2006/main" matchingName="One column text">
   <p:cSld name="ONE_COLUMN_TEXT">
     <p:spTree>
       <p:nvGrpSpPr>
-        <p:cNvPr id="28" name="Shape 28"/>
+        <p:cNvPr id="1" name="Shape 28"/>
         <p:cNvGrpSpPr/>
         <p:nvPr/>
       </p:nvGrpSpPr>
@@ -4125,7 +4261,9 @@
       <p:sp>
         <p:nvSpPr>
           <p:cNvPr id="29" name="Google Shape;29;p7"/>
-          <p:cNvSpPr txBox="1"/>
+          <p:cNvSpPr txBox="1">
+            <a:spLocks noGrp="1"/>
+          </p:cNvSpPr>
           <p:nvPr>
             <p:ph type="title"/>
           </p:nvPr>
@@ -4140,7 +4278,7 @@
           </a:prstGeom>
         </p:spPr>
         <p:txBody>
-          <a:bodyPr anchorCtr="0" anchor="b" bIns="91425" lIns="91425" spcFirstLastPara="1" rIns="91425" wrap="square" tIns="91425">
+          <a:bodyPr spcFirstLastPara="1" wrap="square" lIns="91425" tIns="91425" rIns="91425" bIns="91425" anchor="b" anchorCtr="0">
             <a:normAutofit/>
           </a:bodyPr>
           <a:lstStyle>
@@ -4244,15 +4382,19 @@
               <a:defRPr sz="2400"/>
             </a:lvl9pPr>
           </a:lstStyle>
-          <a:p/>
+          <a:p>
+            <a:endParaRPr/>
+          </a:p>
         </p:txBody>
       </p:sp>
       <p:sp>
         <p:nvSpPr>
           <p:cNvPr id="30" name="Google Shape;30;p7"/>
-          <p:cNvSpPr txBox="1"/>
+          <p:cNvSpPr txBox="1">
+            <a:spLocks noGrp="1"/>
+          </p:cNvSpPr>
           <p:nvPr>
-            <p:ph idx="1" type="body"/>
+            <p:ph type="body" idx="1"/>
           </p:nvPr>
         </p:nvSpPr>
         <p:spPr>
@@ -4265,11 +4407,11 @@
           </a:prstGeom>
         </p:spPr>
         <p:txBody>
-          <a:bodyPr anchorCtr="0" anchor="t" bIns="91425" lIns="91425" spcFirstLastPara="1" rIns="91425" wrap="square" tIns="91425">
+          <a:bodyPr spcFirstLastPara="1" wrap="square" lIns="91425" tIns="91425" rIns="91425" bIns="91425" anchor="t" anchorCtr="0">
             <a:normAutofit/>
           </a:bodyPr>
           <a:lstStyle>
-            <a:lvl1pPr indent="-304800" lvl="0" marL="457200">
+            <a:lvl1pPr marL="457200" lvl="0" indent="-304800">
               <a:spcBef>
                 <a:spcPts val="0"/>
               </a:spcBef>
@@ -4280,7 +4422,7 @@
               <a:buChar char="●"/>
               <a:defRPr sz="1200"/>
             </a:lvl1pPr>
-            <a:lvl2pPr indent="-304800" lvl="1" marL="914400">
+            <a:lvl2pPr marL="914400" lvl="1" indent="-304800">
               <a:spcBef>
                 <a:spcPts val="0"/>
               </a:spcBef>
@@ -4291,7 +4433,7 @@
               <a:buChar char="○"/>
               <a:defRPr sz="1200"/>
             </a:lvl2pPr>
-            <a:lvl3pPr indent="-304800" lvl="2" marL="1371600">
+            <a:lvl3pPr marL="1371600" lvl="2" indent="-304800">
               <a:spcBef>
                 <a:spcPts val="0"/>
               </a:spcBef>
@@ -4302,7 +4444,7 @@
               <a:buChar char="■"/>
               <a:defRPr sz="1200"/>
             </a:lvl3pPr>
-            <a:lvl4pPr indent="-304800" lvl="3" marL="1828800">
+            <a:lvl4pPr marL="1828800" lvl="3" indent="-304800">
               <a:spcBef>
                 <a:spcPts val="0"/>
               </a:spcBef>
@@ -4313,7 +4455,7 @@
               <a:buChar char="●"/>
               <a:defRPr sz="1200"/>
             </a:lvl4pPr>
-            <a:lvl5pPr indent="-304800" lvl="4" marL="2286000">
+            <a:lvl5pPr marL="2286000" lvl="4" indent="-304800">
               <a:spcBef>
                 <a:spcPts val="0"/>
               </a:spcBef>
@@ -4324,7 +4466,7 @@
               <a:buChar char="○"/>
               <a:defRPr sz="1200"/>
             </a:lvl5pPr>
-            <a:lvl6pPr indent="-304800" lvl="5" marL="2743200">
+            <a:lvl6pPr marL="2743200" lvl="5" indent="-304800">
               <a:spcBef>
                 <a:spcPts val="0"/>
               </a:spcBef>
@@ -4335,7 +4477,7 @@
               <a:buChar char="■"/>
               <a:defRPr sz="1200"/>
             </a:lvl6pPr>
-            <a:lvl7pPr indent="-304800" lvl="6" marL="3200400">
+            <a:lvl7pPr marL="3200400" lvl="6" indent="-304800">
               <a:spcBef>
                 <a:spcPts val="0"/>
               </a:spcBef>
@@ -4346,7 +4488,7 @@
               <a:buChar char="●"/>
               <a:defRPr sz="1200"/>
             </a:lvl7pPr>
-            <a:lvl8pPr indent="-304800" lvl="7" marL="3657600">
+            <a:lvl8pPr marL="3657600" lvl="7" indent="-304800">
               <a:spcBef>
                 <a:spcPts val="0"/>
               </a:spcBef>
@@ -4357,7 +4499,7 @@
               <a:buChar char="○"/>
               <a:defRPr sz="1200"/>
             </a:lvl8pPr>
-            <a:lvl9pPr indent="-304800" lvl="8" marL="4114800">
+            <a:lvl9pPr marL="4114800" lvl="8" indent="-304800">
               <a:spcBef>
                 <a:spcPts val="0"/>
               </a:spcBef>
@@ -4369,15 +4511,19 @@
               <a:defRPr sz="1200"/>
             </a:lvl9pPr>
           </a:lstStyle>
-          <a:p/>
+          <a:p>
+            <a:endParaRPr/>
+          </a:p>
         </p:txBody>
       </p:sp>
       <p:sp>
         <p:nvSpPr>
           <p:cNvPr id="31" name="Google Shape;31;p7"/>
-          <p:cNvSpPr txBox="1"/>
+          <p:cNvSpPr txBox="1">
+            <a:spLocks noGrp="1"/>
+          </p:cNvSpPr>
           <p:nvPr>
-            <p:ph idx="12" type="sldNum"/>
+            <p:ph type="sldNum" idx="12"/>
           </p:nvPr>
         </p:nvSpPr>
         <p:spPr>
@@ -4390,7 +4536,7 @@
           </a:prstGeom>
         </p:spPr>
         <p:txBody>
-          <a:bodyPr anchorCtr="0" anchor="ctr" bIns="91425" lIns="91425" spcFirstLastPara="1" rIns="91425" wrap="square" tIns="91425">
+          <a:bodyPr spcFirstLastPara="1" wrap="square" lIns="91425" tIns="91425" rIns="91425" bIns="91425" anchor="ctr" anchorCtr="0">
             <a:normAutofit/>
           </a:bodyPr>
           <a:lstStyle>
@@ -4432,7 +4578,7 @@
             </a:lvl9pPr>
           </a:lstStyle>
           <a:p>
-            <a:pPr indent="0" lvl="0" marL="0" rtl="0" algn="r">
+            <a:pPr marL="0" lvl="0" indent="0" algn="r" rtl="0">
               <a:spcBef>
                 <a:spcPts val="0"/>
               </a:spcBef>
@@ -4458,11 +4604,11 @@
 </file>
 
 <file path=ppt/slideLayouts/slideLayout7.xml><?xml version="1.0" encoding="utf-8"?>
-<p:sldLayout xmlns:a="http://schemas.openxmlformats.org/drawingml/2006/main" xmlns:r="http://schemas.openxmlformats.org/officeDocument/2006/relationships" xmlns:mc="http://schemas.openxmlformats.org/markup-compatibility/2006" xmlns:mv="urn:schemas-microsoft-com:mac:vml" xmlns:p="http://schemas.openxmlformats.org/presentationml/2006/main" xmlns:c="http://schemas.openxmlformats.org/drawingml/2006/chart" xmlns:dgm="http://schemas.openxmlformats.org/drawingml/2006/diagram" xmlns:o="urn:schemas-microsoft-com:office:office" xmlns:v="urn:schemas-microsoft-com:vml" xmlns:pvml="urn:schemas-microsoft-com:office:powerpoint" xmlns:com="http://schemas.openxmlformats.org/drawingml/2006/compatibility" xmlns:p14="http://schemas.microsoft.com/office/powerpoint/2010/main" xmlns:p15="http://schemas.microsoft.com/office/powerpoint/2012/main" xmlns:ahyp="http://schemas.microsoft.com/office/drawing/2018/hyperlinkcolor" matchingName="Main point">
+<p:sldLayout xmlns:a="http://schemas.openxmlformats.org/drawingml/2006/main" xmlns:r="http://schemas.openxmlformats.org/officeDocument/2006/relationships" xmlns:p="http://schemas.openxmlformats.org/presentationml/2006/main" matchingName="Main point">
   <p:cSld name="MAIN_POINT">
     <p:spTree>
       <p:nvGrpSpPr>
-        <p:cNvPr id="32" name="Shape 32"/>
+        <p:cNvPr id="1" name="Shape 32"/>
         <p:cNvGrpSpPr/>
         <p:nvPr/>
       </p:nvGrpSpPr>
@@ -4477,7 +4623,9 @@
       <p:sp>
         <p:nvSpPr>
           <p:cNvPr id="33" name="Google Shape;33;p8"/>
-          <p:cNvSpPr txBox="1"/>
+          <p:cNvSpPr txBox="1">
+            <a:spLocks noGrp="1"/>
+          </p:cNvSpPr>
           <p:nvPr>
             <p:ph type="title"/>
           </p:nvPr>
@@ -4492,7 +4640,7 @@
           </a:prstGeom>
         </p:spPr>
         <p:txBody>
-          <a:bodyPr anchorCtr="0" anchor="ctr" bIns="91425" lIns="91425" spcFirstLastPara="1" rIns="91425" wrap="square" tIns="91425">
+          <a:bodyPr spcFirstLastPara="1" wrap="square" lIns="91425" tIns="91425" rIns="91425" bIns="91425" anchor="ctr" anchorCtr="0">
             <a:normAutofit/>
           </a:bodyPr>
           <a:lstStyle>
@@ -4596,15 +4744,19 @@
               <a:defRPr sz="4800"/>
             </a:lvl9pPr>
           </a:lstStyle>
-          <a:p/>
+          <a:p>
+            <a:endParaRPr/>
+          </a:p>
         </p:txBody>
       </p:sp>
       <p:sp>
         <p:nvSpPr>
           <p:cNvPr id="34" name="Google Shape;34;p8"/>
-          <p:cNvSpPr txBox="1"/>
+          <p:cNvSpPr txBox="1">
+            <a:spLocks noGrp="1"/>
+          </p:cNvSpPr>
           <p:nvPr>
-            <p:ph idx="12" type="sldNum"/>
+            <p:ph type="sldNum" idx="12"/>
           </p:nvPr>
         </p:nvSpPr>
         <p:spPr>
@@ -4617,7 +4769,7 @@
           </a:prstGeom>
         </p:spPr>
         <p:txBody>
-          <a:bodyPr anchorCtr="0" anchor="ctr" bIns="91425" lIns="91425" spcFirstLastPara="1" rIns="91425" wrap="square" tIns="91425">
+          <a:bodyPr spcFirstLastPara="1" wrap="square" lIns="91425" tIns="91425" rIns="91425" bIns="91425" anchor="ctr" anchorCtr="0">
             <a:normAutofit/>
           </a:bodyPr>
           <a:lstStyle>
@@ -4659,7 +4811,7 @@
             </a:lvl9pPr>
           </a:lstStyle>
           <a:p>
-            <a:pPr indent="0" lvl="0" marL="0" rtl="0" algn="r">
+            <a:pPr marL="0" lvl="0" indent="0" algn="r" rtl="0">
               <a:spcBef>
                 <a:spcPts val="0"/>
               </a:spcBef>
@@ -4685,11 +4837,11 @@
 </file>
 
 <file path=ppt/slideLayouts/slideLayout8.xml><?xml version="1.0" encoding="utf-8"?>
-<p:sldLayout xmlns:a="http://schemas.openxmlformats.org/drawingml/2006/main" xmlns:r="http://schemas.openxmlformats.org/officeDocument/2006/relationships" xmlns:mc="http://schemas.openxmlformats.org/markup-compatibility/2006" xmlns:mv="urn:schemas-microsoft-com:mac:vml" xmlns:p="http://schemas.openxmlformats.org/presentationml/2006/main" xmlns:c="http://schemas.openxmlformats.org/drawingml/2006/chart" xmlns:dgm="http://schemas.openxmlformats.org/drawingml/2006/diagram" xmlns:o="urn:schemas-microsoft-com:office:office" xmlns:v="urn:schemas-microsoft-com:vml" xmlns:pvml="urn:schemas-microsoft-com:office:powerpoint" xmlns:com="http://schemas.openxmlformats.org/drawingml/2006/compatibility" xmlns:p14="http://schemas.microsoft.com/office/powerpoint/2010/main" xmlns:p15="http://schemas.microsoft.com/office/powerpoint/2012/main" xmlns:ahyp="http://schemas.microsoft.com/office/drawing/2018/hyperlinkcolor" matchingName="Section title and description">
+<p:sldLayout xmlns:a="http://schemas.openxmlformats.org/drawingml/2006/main" xmlns:r="http://schemas.openxmlformats.org/officeDocument/2006/relationships" xmlns:p="http://schemas.openxmlformats.org/presentationml/2006/main" matchingName="Section title and description">
   <p:cSld name="SECTION_TITLE_AND_DESCRIPTION">
     <p:spTree>
       <p:nvGrpSpPr>
-        <p:cNvPr id="35" name="Shape 35"/>
+        <p:cNvPr id="1" name="Shape 35"/>
         <p:cNvGrpSpPr/>
         <p:nvPr/>
       </p:nvGrpSpPr>
@@ -4723,12 +4875,12 @@
           </a:ln>
         </p:spPr>
         <p:txBody>
-          <a:bodyPr anchorCtr="0" anchor="ctr" bIns="91425" lIns="91425" spcFirstLastPara="1" rIns="91425" wrap="square" tIns="91425">
+          <a:bodyPr spcFirstLastPara="1" wrap="square" lIns="91425" tIns="91425" rIns="91425" bIns="91425" anchor="ctr" anchorCtr="0">
             <a:noAutofit/>
           </a:bodyPr>
           <a:lstStyle/>
           <a:p>
-            <a:pPr indent="0" lvl="0" marL="0" rtl="0" algn="l">
+            <a:pPr marL="0" lvl="0" indent="0" algn="l" rtl="0">
               <a:spcBef>
                 <a:spcPts val="0"/>
               </a:spcBef>
@@ -4737,9 +4889,6 @@
               </a:spcAft>
               <a:buNone/>
             </a:pPr>
-            <a:r>
-              <a:t/>
-            </a:r>
             <a:endParaRPr/>
           </a:p>
         </p:txBody>
@@ -4747,7 +4896,9 @@
       <p:sp>
         <p:nvSpPr>
           <p:cNvPr id="37" name="Google Shape;37;p9"/>
-          <p:cNvSpPr txBox="1"/>
+          <p:cNvSpPr txBox="1">
+            <a:spLocks noGrp="1"/>
+          </p:cNvSpPr>
           <p:nvPr>
             <p:ph type="title"/>
           </p:nvPr>
@@ -4762,7 +4913,7 @@
           </a:prstGeom>
         </p:spPr>
         <p:txBody>
-          <a:bodyPr anchorCtr="0" anchor="b" bIns="91425" lIns="91425" spcFirstLastPara="1" rIns="91425" wrap="square" tIns="91425">
+          <a:bodyPr spcFirstLastPara="1" wrap="square" lIns="91425" tIns="91425" rIns="91425" bIns="91425" anchor="b" anchorCtr="0">
             <a:normAutofit/>
           </a:bodyPr>
           <a:lstStyle>
@@ -4866,15 +5017,19 @@
               <a:defRPr sz="4200"/>
             </a:lvl9pPr>
           </a:lstStyle>
-          <a:p/>
+          <a:p>
+            <a:endParaRPr/>
+          </a:p>
         </p:txBody>
       </p:sp>
       <p:sp>
         <p:nvSpPr>
           <p:cNvPr id="38" name="Google Shape;38;p9"/>
-          <p:cNvSpPr txBox="1"/>
+          <p:cNvSpPr txBox="1">
+            <a:spLocks noGrp="1"/>
+          </p:cNvSpPr>
           <p:nvPr>
-            <p:ph idx="1" type="subTitle"/>
+            <p:ph type="subTitle" idx="1"/>
           </p:nvPr>
         </p:nvSpPr>
         <p:spPr>
@@ -4887,7 +5042,7 @@
           </a:prstGeom>
         </p:spPr>
         <p:txBody>
-          <a:bodyPr anchorCtr="0" anchor="t" bIns="91425" lIns="91425" spcFirstLastPara="1" rIns="91425" wrap="square" tIns="91425">
+          <a:bodyPr spcFirstLastPara="1" wrap="square" lIns="91425" tIns="91425" rIns="91425" bIns="91425" anchor="t" anchorCtr="0">
             <a:normAutofit/>
           </a:bodyPr>
           <a:lstStyle>
@@ -5018,15 +5173,19 @@
               <a:defRPr sz="2100"/>
             </a:lvl9pPr>
           </a:lstStyle>
-          <a:p/>
+          <a:p>
+            <a:endParaRPr/>
+          </a:p>
         </p:txBody>
       </p:sp>
       <p:sp>
         <p:nvSpPr>
           <p:cNvPr id="39" name="Google Shape;39;p9"/>
-          <p:cNvSpPr txBox="1"/>
+          <p:cNvSpPr txBox="1">
+            <a:spLocks noGrp="1"/>
+          </p:cNvSpPr>
           <p:nvPr>
-            <p:ph idx="2" type="body"/>
+            <p:ph type="body" idx="2"/>
           </p:nvPr>
         </p:nvSpPr>
         <p:spPr>
@@ -5039,11 +5198,11 @@
           </a:prstGeom>
         </p:spPr>
         <p:txBody>
-          <a:bodyPr anchorCtr="0" anchor="ctr" bIns="91425" lIns="91425" spcFirstLastPara="1" rIns="91425" wrap="square" tIns="91425">
+          <a:bodyPr spcFirstLastPara="1" wrap="square" lIns="91425" tIns="91425" rIns="91425" bIns="91425" anchor="ctr" anchorCtr="0">
             <a:normAutofit/>
           </a:bodyPr>
           <a:lstStyle>
-            <a:lvl1pPr indent="-342900" lvl="0" marL="457200">
+            <a:lvl1pPr marL="457200" lvl="0" indent="-342900">
               <a:spcBef>
                 <a:spcPts val="0"/>
               </a:spcBef>
@@ -5061,7 +5220,7 @@
                 </a:solidFill>
               </a:defRPr>
             </a:lvl1pPr>
-            <a:lvl2pPr indent="-317500" lvl="1" marL="914400">
+            <a:lvl2pPr marL="914400" lvl="1" indent="-317500">
               <a:spcBef>
                 <a:spcPts val="0"/>
               </a:spcBef>
@@ -5079,7 +5238,7 @@
                 </a:solidFill>
               </a:defRPr>
             </a:lvl2pPr>
-            <a:lvl3pPr indent="-317500" lvl="2" marL="1371600">
+            <a:lvl3pPr marL="1371600" lvl="2" indent="-317500">
               <a:spcBef>
                 <a:spcPts val="0"/>
               </a:spcBef>
@@ -5097,7 +5256,7 @@
                 </a:solidFill>
               </a:defRPr>
             </a:lvl3pPr>
-            <a:lvl4pPr indent="-317500" lvl="3" marL="1828800">
+            <a:lvl4pPr marL="1828800" lvl="3" indent="-317500">
               <a:spcBef>
                 <a:spcPts val="0"/>
               </a:spcBef>
@@ -5115,7 +5274,7 @@
                 </a:solidFill>
               </a:defRPr>
             </a:lvl4pPr>
-            <a:lvl5pPr indent="-317500" lvl="4" marL="2286000">
+            <a:lvl5pPr marL="2286000" lvl="4" indent="-317500">
               <a:spcBef>
                 <a:spcPts val="0"/>
               </a:spcBef>
@@ -5133,7 +5292,7 @@
                 </a:solidFill>
               </a:defRPr>
             </a:lvl5pPr>
-            <a:lvl6pPr indent="-317500" lvl="5" marL="2743200">
+            <a:lvl6pPr marL="2743200" lvl="5" indent="-317500">
               <a:spcBef>
                 <a:spcPts val="0"/>
               </a:spcBef>
@@ -5151,7 +5310,7 @@
                 </a:solidFill>
               </a:defRPr>
             </a:lvl6pPr>
-            <a:lvl7pPr indent="-317500" lvl="6" marL="3200400">
+            <a:lvl7pPr marL="3200400" lvl="6" indent="-317500">
               <a:spcBef>
                 <a:spcPts val="0"/>
               </a:spcBef>
@@ -5169,7 +5328,7 @@
                 </a:solidFill>
               </a:defRPr>
             </a:lvl7pPr>
-            <a:lvl8pPr indent="-317500" lvl="7" marL="3657600">
+            <a:lvl8pPr marL="3657600" lvl="7" indent="-317500">
               <a:spcBef>
                 <a:spcPts val="0"/>
               </a:spcBef>
@@ -5187,7 +5346,7 @@
                 </a:solidFill>
               </a:defRPr>
             </a:lvl8pPr>
-            <a:lvl9pPr indent="-317500" lvl="8" marL="4114800">
+            <a:lvl9pPr marL="4114800" lvl="8" indent="-317500">
               <a:spcBef>
                 <a:spcPts val="0"/>
               </a:spcBef>
@@ -5206,15 +5365,19 @@
               </a:defRPr>
             </a:lvl9pPr>
           </a:lstStyle>
-          <a:p/>
+          <a:p>
+            <a:endParaRPr/>
+          </a:p>
         </p:txBody>
       </p:sp>
       <p:sp>
         <p:nvSpPr>
           <p:cNvPr id="40" name="Google Shape;40;p9"/>
-          <p:cNvSpPr txBox="1"/>
+          <p:cNvSpPr txBox="1">
+            <a:spLocks noGrp="1"/>
+          </p:cNvSpPr>
           <p:nvPr>
-            <p:ph idx="12" type="sldNum"/>
+            <p:ph type="sldNum" idx="12"/>
           </p:nvPr>
         </p:nvSpPr>
         <p:spPr>
@@ -5227,7 +5390,7 @@
           </a:prstGeom>
         </p:spPr>
         <p:txBody>
-          <a:bodyPr anchorCtr="0" anchor="ctr" bIns="91425" lIns="91425" spcFirstLastPara="1" rIns="91425" wrap="square" tIns="91425">
+          <a:bodyPr spcFirstLastPara="1" wrap="square" lIns="91425" tIns="91425" rIns="91425" bIns="91425" anchor="ctr" anchorCtr="0">
             <a:normAutofit/>
           </a:bodyPr>
           <a:lstStyle>
@@ -5269,7 +5432,7 @@
             </a:lvl9pPr>
           </a:lstStyle>
           <a:p>
-            <a:pPr indent="0" lvl="0" marL="0" rtl="0" algn="r">
+            <a:pPr marL="0" lvl="0" indent="0" algn="r" rtl="0">
               <a:spcBef>
                 <a:spcPts val="0"/>
               </a:spcBef>
@@ -5295,11 +5458,11 @@
 </file>
 
 <file path=ppt/slideLayouts/slideLayout9.xml><?xml version="1.0" encoding="utf-8"?>
-<p:sldLayout xmlns:a="http://schemas.openxmlformats.org/drawingml/2006/main" xmlns:r="http://schemas.openxmlformats.org/officeDocument/2006/relationships" xmlns:mc="http://schemas.openxmlformats.org/markup-compatibility/2006" xmlns:mv="urn:schemas-microsoft-com:mac:vml" xmlns:p="http://schemas.openxmlformats.org/presentationml/2006/main" xmlns:c="http://schemas.openxmlformats.org/drawingml/2006/chart" xmlns:dgm="http://schemas.openxmlformats.org/drawingml/2006/diagram" xmlns:o="urn:schemas-microsoft-com:office:office" xmlns:v="urn:schemas-microsoft-com:vml" xmlns:pvml="urn:schemas-microsoft-com:office:powerpoint" xmlns:com="http://schemas.openxmlformats.org/drawingml/2006/compatibility" xmlns:p14="http://schemas.microsoft.com/office/powerpoint/2010/main" xmlns:p15="http://schemas.microsoft.com/office/powerpoint/2012/main" xmlns:ahyp="http://schemas.microsoft.com/office/drawing/2018/hyperlinkcolor" matchingName="Caption">
+<p:sldLayout xmlns:a="http://schemas.openxmlformats.org/drawingml/2006/main" xmlns:r="http://schemas.openxmlformats.org/officeDocument/2006/relationships" xmlns:p="http://schemas.openxmlformats.org/presentationml/2006/main" matchingName="Caption">
   <p:cSld name="CAPTION_ONLY">
     <p:spTree>
       <p:nvGrpSpPr>
-        <p:cNvPr id="41" name="Shape 41"/>
+        <p:cNvPr id="1" name="Shape 41"/>
         <p:cNvGrpSpPr/>
         <p:nvPr/>
       </p:nvGrpSpPr>
@@ -5314,9 +5477,11 @@
       <p:sp>
         <p:nvSpPr>
           <p:cNvPr id="42" name="Google Shape;42;p10"/>
-          <p:cNvSpPr txBox="1"/>
+          <p:cNvSpPr txBox="1">
+            <a:spLocks noGrp="1"/>
+          </p:cNvSpPr>
           <p:nvPr>
-            <p:ph idx="1" type="body"/>
+            <p:ph type="body" idx="1"/>
           </p:nvPr>
         </p:nvSpPr>
         <p:spPr>
@@ -5329,11 +5494,11 @@
           </a:prstGeom>
         </p:spPr>
         <p:txBody>
-          <a:bodyPr anchorCtr="0" anchor="ctr" bIns="91425" lIns="91425" spcFirstLastPara="1" rIns="91425" wrap="square" tIns="91425">
+          <a:bodyPr spcFirstLastPara="1" wrap="square" lIns="91425" tIns="91425" rIns="91425" bIns="91425" anchor="ctr" anchorCtr="0">
             <a:normAutofit/>
           </a:bodyPr>
           <a:lstStyle>
-            <a:lvl1pPr indent="-228600" lvl="0" marL="457200">
+            <a:lvl1pPr marL="457200" lvl="0" indent="-228600">
               <a:lnSpc>
                 <a:spcPct val="100000"/>
               </a:lnSpc>
@@ -5348,15 +5513,19 @@
               <a:defRPr/>
             </a:lvl1pPr>
           </a:lstStyle>
-          <a:p/>
+          <a:p>
+            <a:endParaRPr/>
+          </a:p>
         </p:txBody>
       </p:sp>
       <p:sp>
         <p:nvSpPr>
           <p:cNvPr id="43" name="Google Shape;43;p10"/>
-          <p:cNvSpPr txBox="1"/>
+          <p:cNvSpPr txBox="1">
+            <a:spLocks noGrp="1"/>
+          </p:cNvSpPr>
           <p:nvPr>
-            <p:ph idx="12" type="sldNum"/>
+            <p:ph type="sldNum" idx="12"/>
           </p:nvPr>
         </p:nvSpPr>
         <p:spPr>
@@ -5369,7 +5538,7 @@
           </a:prstGeom>
         </p:spPr>
         <p:txBody>
-          <a:bodyPr anchorCtr="0" anchor="ctr" bIns="91425" lIns="91425" spcFirstLastPara="1" rIns="91425" wrap="square" tIns="91425">
+          <a:bodyPr spcFirstLastPara="1" wrap="square" lIns="91425" tIns="91425" rIns="91425" bIns="91425" anchor="ctr" anchorCtr="0">
             <a:normAutofit/>
           </a:bodyPr>
           <a:lstStyle>
@@ -5411,7 +5580,7 @@
             </a:lvl9pPr>
           </a:lstStyle>
           <a:p>
-            <a:pPr indent="0" lvl="0" marL="0" rtl="0" algn="r">
+            <a:pPr marL="0" lvl="0" indent="0" algn="r" rtl="0">
               <a:spcBef>
                 <a:spcPts val="0"/>
               </a:spcBef>
@@ -5437,18 +5606,19 @@
 </file>
 
 <file path=ppt/slideMasters/slideMaster1.xml><?xml version="1.0" encoding="utf-8"?>
-<p:sldMaster xmlns:a="http://schemas.openxmlformats.org/drawingml/2006/main" xmlns:r="http://schemas.openxmlformats.org/officeDocument/2006/relationships" xmlns:mc="http://schemas.openxmlformats.org/markup-compatibility/2006" xmlns:mv="urn:schemas-microsoft-com:mac:vml" xmlns:p="http://schemas.openxmlformats.org/presentationml/2006/main" xmlns:c="http://schemas.openxmlformats.org/drawingml/2006/chart" xmlns:dgm="http://schemas.openxmlformats.org/drawingml/2006/diagram" xmlns:o="urn:schemas-microsoft-com:office:office" xmlns:v="urn:schemas-microsoft-com:vml" xmlns:pvml="urn:schemas-microsoft-com:office:powerpoint" xmlns:com="http://schemas.openxmlformats.org/drawingml/2006/compatibility" xmlns:p14="http://schemas.microsoft.com/office/powerpoint/2010/main" xmlns:p15="http://schemas.microsoft.com/office/powerpoint/2012/main" xmlns:ahyp="http://schemas.microsoft.com/office/drawing/2018/hyperlinkcolor">
+<p:sldMaster xmlns:a="http://schemas.openxmlformats.org/drawingml/2006/main" xmlns:r="http://schemas.openxmlformats.org/officeDocument/2006/relationships" xmlns:p="http://schemas.openxmlformats.org/presentationml/2006/main">
   <p:cSld name="simple-dark-2">
     <p:bg>
       <p:bgPr>
         <a:solidFill>
           <a:schemeClr val="lt1"/>
         </a:solidFill>
+        <a:effectLst/>
       </p:bgPr>
     </p:bg>
     <p:spTree>
       <p:nvGrpSpPr>
-        <p:cNvPr id="5" name="Shape 5"/>
+        <p:cNvPr id="1" name="Shape 5"/>
         <p:cNvGrpSpPr/>
         <p:nvPr/>
       </p:nvGrpSpPr>
@@ -5463,7 +5633,9 @@
       <p:sp>
         <p:nvSpPr>
           <p:cNvPr id="6" name="Google Shape;6;p1"/>
-          <p:cNvSpPr txBox="1"/>
+          <p:cNvSpPr txBox="1">
+            <a:spLocks noGrp="1"/>
+          </p:cNvSpPr>
           <p:nvPr>
             <p:ph type="title"/>
           </p:nvPr>
@@ -5482,7 +5654,7 @@
           </a:ln>
         </p:spPr>
         <p:txBody>
-          <a:bodyPr anchorCtr="0" anchor="t" bIns="91425" lIns="91425" spcFirstLastPara="1" rIns="91425" wrap="square" tIns="91425">
+          <a:bodyPr spcFirstLastPara="1" wrap="square" lIns="91425" tIns="91425" rIns="91425" bIns="91425" anchor="t" anchorCtr="0">
             <a:normAutofit/>
           </a:bodyPr>
           <a:lstStyle>
@@ -5649,15 +5821,19 @@
               </a:defRPr>
             </a:lvl9pPr>
           </a:lstStyle>
-          <a:p/>
+          <a:p>
+            <a:endParaRPr/>
+          </a:p>
         </p:txBody>
       </p:sp>
       <p:sp>
         <p:nvSpPr>
           <p:cNvPr id="7" name="Google Shape;7;p1"/>
-          <p:cNvSpPr txBox="1"/>
+          <p:cNvSpPr txBox="1">
+            <a:spLocks noGrp="1"/>
+          </p:cNvSpPr>
           <p:nvPr>
-            <p:ph idx="1" type="body"/>
+            <p:ph type="body" idx="1"/>
           </p:nvPr>
         </p:nvSpPr>
         <p:spPr>
@@ -5674,11 +5850,11 @@
           </a:ln>
         </p:spPr>
         <p:txBody>
-          <a:bodyPr anchorCtr="0" anchor="t" bIns="91425" lIns="91425" spcFirstLastPara="1" rIns="91425" wrap="square" tIns="91425">
+          <a:bodyPr spcFirstLastPara="1" wrap="square" lIns="91425" tIns="91425" rIns="91425" bIns="91425" anchor="t" anchorCtr="0">
             <a:normAutofit/>
           </a:bodyPr>
           <a:lstStyle>
-            <a:lvl1pPr indent="-342900" lvl="0" marL="457200">
+            <a:lvl1pPr marL="457200" lvl="0" indent="-342900">
               <a:lnSpc>
                 <a:spcPct val="115000"/>
               </a:lnSpc>
@@ -5699,7 +5875,7 @@
                 </a:solidFill>
               </a:defRPr>
             </a:lvl1pPr>
-            <a:lvl2pPr indent="-317500" lvl="1" marL="914400">
+            <a:lvl2pPr marL="914400" lvl="1" indent="-317500">
               <a:lnSpc>
                 <a:spcPct val="115000"/>
               </a:lnSpc>
@@ -5720,7 +5896,7 @@
                 </a:solidFill>
               </a:defRPr>
             </a:lvl2pPr>
-            <a:lvl3pPr indent="-317500" lvl="2" marL="1371600">
+            <a:lvl3pPr marL="1371600" lvl="2" indent="-317500">
               <a:lnSpc>
                 <a:spcPct val="115000"/>
               </a:lnSpc>
@@ -5741,7 +5917,7 @@
                 </a:solidFill>
               </a:defRPr>
             </a:lvl3pPr>
-            <a:lvl4pPr indent="-317500" lvl="3" marL="1828800">
+            <a:lvl4pPr marL="1828800" lvl="3" indent="-317500">
               <a:lnSpc>
                 <a:spcPct val="115000"/>
               </a:lnSpc>
@@ -5762,7 +5938,7 @@
                 </a:solidFill>
               </a:defRPr>
             </a:lvl4pPr>
-            <a:lvl5pPr indent="-317500" lvl="4" marL="2286000">
+            <a:lvl5pPr marL="2286000" lvl="4" indent="-317500">
               <a:lnSpc>
                 <a:spcPct val="115000"/>
               </a:lnSpc>
@@ -5783,7 +5959,7 @@
                 </a:solidFill>
               </a:defRPr>
             </a:lvl5pPr>
-            <a:lvl6pPr indent="-317500" lvl="5" marL="2743200">
+            <a:lvl6pPr marL="2743200" lvl="5" indent="-317500">
               <a:lnSpc>
                 <a:spcPct val="115000"/>
               </a:lnSpc>
@@ -5804,7 +5980,7 @@
                 </a:solidFill>
               </a:defRPr>
             </a:lvl6pPr>
-            <a:lvl7pPr indent="-317500" lvl="6" marL="3200400">
+            <a:lvl7pPr marL="3200400" lvl="6" indent="-317500">
               <a:lnSpc>
                 <a:spcPct val="115000"/>
               </a:lnSpc>
@@ -5825,7 +6001,7 @@
                 </a:solidFill>
               </a:defRPr>
             </a:lvl7pPr>
-            <a:lvl8pPr indent="-317500" lvl="7" marL="3657600">
+            <a:lvl8pPr marL="3657600" lvl="7" indent="-317500">
               <a:lnSpc>
                 <a:spcPct val="115000"/>
               </a:lnSpc>
@@ -5846,7 +6022,7 @@
                 </a:solidFill>
               </a:defRPr>
             </a:lvl8pPr>
-            <a:lvl9pPr indent="-317500" lvl="8" marL="4114800">
+            <a:lvl9pPr marL="4114800" lvl="8" indent="-317500">
               <a:lnSpc>
                 <a:spcPct val="115000"/>
               </a:lnSpc>
@@ -5868,15 +6044,19 @@
               </a:defRPr>
             </a:lvl9pPr>
           </a:lstStyle>
-          <a:p/>
+          <a:p>
+            <a:endParaRPr/>
+          </a:p>
         </p:txBody>
       </p:sp>
       <p:sp>
         <p:nvSpPr>
           <p:cNvPr id="8" name="Google Shape;8;p1"/>
-          <p:cNvSpPr txBox="1"/>
+          <p:cNvSpPr txBox="1">
+            <a:spLocks noGrp="1"/>
+          </p:cNvSpPr>
           <p:nvPr>
-            <p:ph idx="12" type="sldNum"/>
+            <p:ph type="sldNum" idx="12"/>
           </p:nvPr>
         </p:nvSpPr>
         <p:spPr>
@@ -5893,7 +6073,7 @@
           </a:ln>
         </p:spPr>
         <p:txBody>
-          <a:bodyPr anchorCtr="0" anchor="ctr" bIns="91425" lIns="91425" spcFirstLastPara="1" rIns="91425" wrap="square" tIns="91425">
+          <a:bodyPr spcFirstLastPara="1" wrap="square" lIns="91425" tIns="91425" rIns="91425" bIns="91425" anchor="ctr" anchorCtr="0">
             <a:normAutofit/>
           </a:bodyPr>
           <a:lstStyle>
@@ -5971,7 +6151,7 @@
             </a:lvl9pPr>
           </a:lstStyle>
           <a:p>
-            <a:pPr indent="0" lvl="0" marL="0" rtl="0" algn="r">
+            <a:pPr marL="0" lvl="0" indent="0" algn="r" rtl="0">
               <a:spcBef>
                 <a:spcPts val="0"/>
               </a:spcBef>
@@ -5990,7 +6170,7 @@
       </p:sp>
     </p:spTree>
   </p:cSld>
-  <p:clrMap accent1="accent1" accent2="accent2" accent3="accent3" accent4="accent4" accent5="accent5" accent6="accent6" bg1="lt1" bg2="dk2" tx1="dk1" tx2="lt2" folHlink="folHlink" hlink="hlink"/>
+  <p:clrMap bg1="lt1" tx1="dk1" bg2="dk2" tx2="lt2" accent1="accent1" accent2="accent2" accent3="accent3" accent4="accent4" accent5="accent5" accent6="accent6" hlink="hlink" folHlink="folHlink"/>
   <p:sldLayoutIdLst>
     <p:sldLayoutId id="2147483648" r:id="rId1"/>
     <p:sldLayoutId id="2147483649" r:id="rId2"/>
@@ -6004,10 +6184,10 @@
     <p:sldLayoutId id="2147483657" r:id="rId10"/>
     <p:sldLayoutId id="2147483658" r:id="rId11"/>
   </p:sldLayoutIdLst>
-  <p:hf dt="0" ftr="0" hdr="0" sldNum="0"/>
+  <p:hf sldNum="0" hdr="0" ftr="0" dt="0"/>
   <p:txStyles>
     <p:titleStyle>
-      <a:defPPr lvl="0" marR="0" rtl="0" algn="l">
+      <a:defPPr marR="0" lvl="0" algn="l" rtl="0">
         <a:lnSpc>
           <a:spcPct val="100000"/>
         </a:lnSpc>
@@ -6018,7 +6198,7 @@
           <a:spcPts val="0"/>
         </a:spcAft>
       </a:defPPr>
-      <a:lvl1pPr lvl="0" marR="0" rtl="0" algn="l">
+      <a:lvl1pPr marR="0" lvl="0" algn="l" rtl="0">
         <a:lnSpc>
           <a:spcPct val="100000"/>
         </a:lnSpc>
@@ -6032,7 +6212,7 @@
           <a:srgbClr val="000000"/>
         </a:buClr>
         <a:buFont typeface="Arial"/>
-        <a:defRPr b="0" i="0" sz="1400" u="none" cap="none" strike="noStrike">
+        <a:defRPr sz="1400" b="0" i="0" u="none" strike="noStrike" cap="none">
           <a:solidFill>
             <a:srgbClr val="000000"/>
           </a:solidFill>
@@ -6042,7 +6222,7 @@
           <a:sym typeface="Arial"/>
         </a:defRPr>
       </a:lvl1pPr>
-      <a:lvl2pPr lvl="1" marR="0" rtl="0" algn="l">
+      <a:lvl2pPr marR="0" lvl="1" algn="l" rtl="0">
         <a:lnSpc>
           <a:spcPct val="100000"/>
         </a:lnSpc>
@@ -6056,7 +6236,7 @@
           <a:srgbClr val="000000"/>
         </a:buClr>
         <a:buFont typeface="Arial"/>
-        <a:defRPr b="0" i="0" sz="1400" u="none" cap="none" strike="noStrike">
+        <a:defRPr sz="1400" b="0" i="0" u="none" strike="noStrike" cap="none">
           <a:solidFill>
             <a:srgbClr val="000000"/>
           </a:solidFill>
@@ -6066,7 +6246,7 @@
           <a:sym typeface="Arial"/>
         </a:defRPr>
       </a:lvl2pPr>
-      <a:lvl3pPr lvl="2" marR="0" rtl="0" algn="l">
+      <a:lvl3pPr marR="0" lvl="2" algn="l" rtl="0">
         <a:lnSpc>
           <a:spcPct val="100000"/>
         </a:lnSpc>
@@ -6080,7 +6260,7 @@
           <a:srgbClr val="000000"/>
         </a:buClr>
         <a:buFont typeface="Arial"/>
-        <a:defRPr b="0" i="0" sz="1400" u="none" cap="none" strike="noStrike">
+        <a:defRPr sz="1400" b="0" i="0" u="none" strike="noStrike" cap="none">
           <a:solidFill>
             <a:srgbClr val="000000"/>
           </a:solidFill>
@@ -6090,7 +6270,7 @@
           <a:sym typeface="Arial"/>
         </a:defRPr>
       </a:lvl3pPr>
-      <a:lvl4pPr lvl="3" marR="0" rtl="0" algn="l">
+      <a:lvl4pPr marR="0" lvl="3" algn="l" rtl="0">
         <a:lnSpc>
           <a:spcPct val="100000"/>
         </a:lnSpc>
@@ -6104,7 +6284,7 @@
           <a:srgbClr val="000000"/>
         </a:buClr>
         <a:buFont typeface="Arial"/>
-        <a:defRPr b="0" i="0" sz="1400" u="none" cap="none" strike="noStrike">
+        <a:defRPr sz="1400" b="0" i="0" u="none" strike="noStrike" cap="none">
           <a:solidFill>
             <a:srgbClr val="000000"/>
           </a:solidFill>
@@ -6114,7 +6294,7 @@
           <a:sym typeface="Arial"/>
         </a:defRPr>
       </a:lvl4pPr>
-      <a:lvl5pPr lvl="4" marR="0" rtl="0" algn="l">
+      <a:lvl5pPr marR="0" lvl="4" algn="l" rtl="0">
         <a:lnSpc>
           <a:spcPct val="100000"/>
         </a:lnSpc>
@@ -6128,7 +6308,7 @@
           <a:srgbClr val="000000"/>
         </a:buClr>
         <a:buFont typeface="Arial"/>
-        <a:defRPr b="0" i="0" sz="1400" u="none" cap="none" strike="noStrike">
+        <a:defRPr sz="1400" b="0" i="0" u="none" strike="noStrike" cap="none">
           <a:solidFill>
             <a:srgbClr val="000000"/>
           </a:solidFill>
@@ -6138,7 +6318,7 @@
           <a:sym typeface="Arial"/>
         </a:defRPr>
       </a:lvl5pPr>
-      <a:lvl6pPr lvl="5" marR="0" rtl="0" algn="l">
+      <a:lvl6pPr marR="0" lvl="5" algn="l" rtl="0">
         <a:lnSpc>
           <a:spcPct val="100000"/>
         </a:lnSpc>
@@ -6152,7 +6332,7 @@
           <a:srgbClr val="000000"/>
         </a:buClr>
         <a:buFont typeface="Arial"/>
-        <a:defRPr b="0" i="0" sz="1400" u="none" cap="none" strike="noStrike">
+        <a:defRPr sz="1400" b="0" i="0" u="none" strike="noStrike" cap="none">
           <a:solidFill>
             <a:srgbClr val="000000"/>
           </a:solidFill>
@@ -6162,7 +6342,7 @@
           <a:sym typeface="Arial"/>
         </a:defRPr>
       </a:lvl6pPr>
-      <a:lvl7pPr lvl="6" marR="0" rtl="0" algn="l">
+      <a:lvl7pPr marR="0" lvl="6" algn="l" rtl="0">
         <a:lnSpc>
           <a:spcPct val="100000"/>
         </a:lnSpc>
@@ -6176,7 +6356,7 @@
           <a:srgbClr val="000000"/>
         </a:buClr>
         <a:buFont typeface="Arial"/>
-        <a:defRPr b="0" i="0" sz="1400" u="none" cap="none" strike="noStrike">
+        <a:defRPr sz="1400" b="0" i="0" u="none" strike="noStrike" cap="none">
           <a:solidFill>
             <a:srgbClr val="000000"/>
           </a:solidFill>
@@ -6186,7 +6366,7 @@
           <a:sym typeface="Arial"/>
         </a:defRPr>
       </a:lvl7pPr>
-      <a:lvl8pPr lvl="7" marR="0" rtl="0" algn="l">
+      <a:lvl8pPr marR="0" lvl="7" algn="l" rtl="0">
         <a:lnSpc>
           <a:spcPct val="100000"/>
         </a:lnSpc>
@@ -6200,7 +6380,7 @@
           <a:srgbClr val="000000"/>
         </a:buClr>
         <a:buFont typeface="Arial"/>
-        <a:defRPr b="0" i="0" sz="1400" u="none" cap="none" strike="noStrike">
+        <a:defRPr sz="1400" b="0" i="0" u="none" strike="noStrike" cap="none">
           <a:solidFill>
             <a:srgbClr val="000000"/>
           </a:solidFill>
@@ -6210,7 +6390,7 @@
           <a:sym typeface="Arial"/>
         </a:defRPr>
       </a:lvl8pPr>
-      <a:lvl9pPr lvl="8" marR="0" rtl="0" algn="l">
+      <a:lvl9pPr marR="0" lvl="8" algn="l" rtl="0">
         <a:lnSpc>
           <a:spcPct val="100000"/>
         </a:lnSpc>
@@ -6224,7 +6404,7 @@
           <a:srgbClr val="000000"/>
         </a:buClr>
         <a:buFont typeface="Arial"/>
-        <a:defRPr b="0" i="0" sz="1400" u="none" cap="none" strike="noStrike">
+        <a:defRPr sz="1400" b="0" i="0" u="none" strike="noStrike" cap="none">
           <a:solidFill>
             <a:srgbClr val="000000"/>
           </a:solidFill>
@@ -6236,7 +6416,7 @@
       </a:lvl9pPr>
     </p:titleStyle>
     <p:bodyStyle>
-      <a:defPPr lvl="0" marR="0" rtl="0" algn="l">
+      <a:defPPr marR="0" lvl="0" algn="l" rtl="0">
         <a:lnSpc>
           <a:spcPct val="100000"/>
         </a:lnSpc>
@@ -6247,7 +6427,7 @@
           <a:spcPts val="0"/>
         </a:spcAft>
       </a:defPPr>
-      <a:lvl1pPr lvl="0" marR="0" rtl="0" algn="l">
+      <a:lvl1pPr marR="0" lvl="0" algn="l" rtl="0">
         <a:lnSpc>
           <a:spcPct val="100000"/>
         </a:lnSpc>
@@ -6261,7 +6441,7 @@
           <a:srgbClr val="000000"/>
         </a:buClr>
         <a:buFont typeface="Arial"/>
-        <a:defRPr b="0" i="0" sz="1400" u="none" cap="none" strike="noStrike">
+        <a:defRPr sz="1400" b="0" i="0" u="none" strike="noStrike" cap="none">
           <a:solidFill>
             <a:srgbClr val="000000"/>
           </a:solidFill>
@@ -6271,7 +6451,7 @@
           <a:sym typeface="Arial"/>
         </a:defRPr>
       </a:lvl1pPr>
-      <a:lvl2pPr lvl="1" marR="0" rtl="0" algn="l">
+      <a:lvl2pPr marR="0" lvl="1" algn="l" rtl="0">
         <a:lnSpc>
           <a:spcPct val="100000"/>
         </a:lnSpc>
@@ -6285,7 +6465,7 @@
           <a:srgbClr val="000000"/>
         </a:buClr>
         <a:buFont typeface="Arial"/>
-        <a:defRPr b="0" i="0" sz="1400" u="none" cap="none" strike="noStrike">
+        <a:defRPr sz="1400" b="0" i="0" u="none" strike="noStrike" cap="none">
           <a:solidFill>
             <a:srgbClr val="000000"/>
           </a:solidFill>
@@ -6295,7 +6475,7 @@
           <a:sym typeface="Arial"/>
         </a:defRPr>
       </a:lvl2pPr>
-      <a:lvl3pPr lvl="2" marR="0" rtl="0" algn="l">
+      <a:lvl3pPr marR="0" lvl="2" algn="l" rtl="0">
         <a:lnSpc>
           <a:spcPct val="100000"/>
         </a:lnSpc>
@@ -6309,7 +6489,7 @@
           <a:srgbClr val="000000"/>
         </a:buClr>
         <a:buFont typeface="Arial"/>
-        <a:defRPr b="0" i="0" sz="1400" u="none" cap="none" strike="noStrike">
+        <a:defRPr sz="1400" b="0" i="0" u="none" strike="noStrike" cap="none">
           <a:solidFill>
             <a:srgbClr val="000000"/>
           </a:solidFill>
@@ -6319,7 +6499,7 @@
           <a:sym typeface="Arial"/>
         </a:defRPr>
       </a:lvl3pPr>
-      <a:lvl4pPr lvl="3" marR="0" rtl="0" algn="l">
+      <a:lvl4pPr marR="0" lvl="3" algn="l" rtl="0">
         <a:lnSpc>
           <a:spcPct val="100000"/>
         </a:lnSpc>
@@ -6333,7 +6513,7 @@
           <a:srgbClr val="000000"/>
         </a:buClr>
         <a:buFont typeface="Arial"/>
-        <a:defRPr b="0" i="0" sz="1400" u="none" cap="none" strike="noStrike">
+        <a:defRPr sz="1400" b="0" i="0" u="none" strike="noStrike" cap="none">
           <a:solidFill>
             <a:srgbClr val="000000"/>
           </a:solidFill>
@@ -6343,7 +6523,7 @@
           <a:sym typeface="Arial"/>
         </a:defRPr>
       </a:lvl4pPr>
-      <a:lvl5pPr lvl="4" marR="0" rtl="0" algn="l">
+      <a:lvl5pPr marR="0" lvl="4" algn="l" rtl="0">
         <a:lnSpc>
           <a:spcPct val="100000"/>
         </a:lnSpc>
@@ -6357,7 +6537,7 @@
           <a:srgbClr val="000000"/>
         </a:buClr>
         <a:buFont typeface="Arial"/>
-        <a:defRPr b="0" i="0" sz="1400" u="none" cap="none" strike="noStrike">
+        <a:defRPr sz="1400" b="0" i="0" u="none" strike="noStrike" cap="none">
           <a:solidFill>
             <a:srgbClr val="000000"/>
           </a:solidFill>
@@ -6367,7 +6547,7 @@
           <a:sym typeface="Arial"/>
         </a:defRPr>
       </a:lvl5pPr>
-      <a:lvl6pPr lvl="5" marR="0" rtl="0" algn="l">
+      <a:lvl6pPr marR="0" lvl="5" algn="l" rtl="0">
         <a:lnSpc>
           <a:spcPct val="100000"/>
         </a:lnSpc>
@@ -6381,7 +6561,7 @@
           <a:srgbClr val="000000"/>
         </a:buClr>
         <a:buFont typeface="Arial"/>
-        <a:defRPr b="0" i="0" sz="1400" u="none" cap="none" strike="noStrike">
+        <a:defRPr sz="1400" b="0" i="0" u="none" strike="noStrike" cap="none">
           <a:solidFill>
             <a:srgbClr val="000000"/>
           </a:solidFill>
@@ -6391,7 +6571,7 @@
           <a:sym typeface="Arial"/>
         </a:defRPr>
       </a:lvl6pPr>
-      <a:lvl7pPr lvl="6" marR="0" rtl="0" algn="l">
+      <a:lvl7pPr marR="0" lvl="6" algn="l" rtl="0">
         <a:lnSpc>
           <a:spcPct val="100000"/>
         </a:lnSpc>
@@ -6405,7 +6585,7 @@
           <a:srgbClr val="000000"/>
         </a:buClr>
         <a:buFont typeface="Arial"/>
-        <a:defRPr b="0" i="0" sz="1400" u="none" cap="none" strike="noStrike">
+        <a:defRPr sz="1400" b="0" i="0" u="none" strike="noStrike" cap="none">
           <a:solidFill>
             <a:srgbClr val="000000"/>
           </a:solidFill>
@@ -6415,7 +6595,7 @@
           <a:sym typeface="Arial"/>
         </a:defRPr>
       </a:lvl7pPr>
-      <a:lvl8pPr lvl="7" marR="0" rtl="0" algn="l">
+      <a:lvl8pPr marR="0" lvl="7" algn="l" rtl="0">
         <a:lnSpc>
           <a:spcPct val="100000"/>
         </a:lnSpc>
@@ -6429,7 +6609,7 @@
           <a:srgbClr val="000000"/>
         </a:buClr>
         <a:buFont typeface="Arial"/>
-        <a:defRPr b="0" i="0" sz="1400" u="none" cap="none" strike="noStrike">
+        <a:defRPr sz="1400" b="0" i="0" u="none" strike="noStrike" cap="none">
           <a:solidFill>
             <a:srgbClr val="000000"/>
           </a:solidFill>
@@ -6439,7 +6619,7 @@
           <a:sym typeface="Arial"/>
         </a:defRPr>
       </a:lvl8pPr>
-      <a:lvl9pPr lvl="8" marR="0" rtl="0" algn="l">
+      <a:lvl9pPr marR="0" lvl="8" algn="l" rtl="0">
         <a:lnSpc>
           <a:spcPct val="100000"/>
         </a:lnSpc>
@@ -6453,7 +6633,7 @@
           <a:srgbClr val="000000"/>
         </a:buClr>
         <a:buFont typeface="Arial"/>
-        <a:defRPr b="0" i="0" sz="1400" u="none" cap="none" strike="noStrike">
+        <a:defRPr sz="1400" b="0" i="0" u="none" strike="noStrike" cap="none">
           <a:solidFill>
             <a:srgbClr val="000000"/>
           </a:solidFill>
@@ -6465,7 +6645,7 @@
       </a:lvl9pPr>
     </p:bodyStyle>
     <p:otherStyle>
-      <a:defPPr lvl="0" marR="0" rtl="0" algn="l">
+      <a:defPPr marR="0" lvl="0" algn="l" rtl="0">
         <a:lnSpc>
           <a:spcPct val="100000"/>
         </a:lnSpc>
@@ -6476,7 +6656,7 @@
           <a:spcPts val="0"/>
         </a:spcAft>
       </a:defPPr>
-      <a:lvl1pPr lvl="0" marR="0" rtl="0" algn="l">
+      <a:lvl1pPr marR="0" lvl="0" algn="l" rtl="0">
         <a:lnSpc>
           <a:spcPct val="100000"/>
         </a:lnSpc>
@@ -6490,7 +6670,7 @@
           <a:srgbClr val="000000"/>
         </a:buClr>
         <a:buFont typeface="Arial"/>
-        <a:defRPr b="0" i="0" sz="1400" u="none" cap="none" strike="noStrike">
+        <a:defRPr sz="1400" b="0" i="0" u="none" strike="noStrike" cap="none">
           <a:solidFill>
             <a:srgbClr val="000000"/>
           </a:solidFill>
@@ -6500,7 +6680,7 @@
           <a:sym typeface="Arial"/>
         </a:defRPr>
       </a:lvl1pPr>
-      <a:lvl2pPr lvl="1" marR="0" rtl="0" algn="l">
+      <a:lvl2pPr marR="0" lvl="1" algn="l" rtl="0">
         <a:lnSpc>
           <a:spcPct val="100000"/>
         </a:lnSpc>
@@ -6514,7 +6694,7 @@
           <a:srgbClr val="000000"/>
         </a:buClr>
         <a:buFont typeface="Arial"/>
-        <a:defRPr b="0" i="0" sz="1400" u="none" cap="none" strike="noStrike">
+        <a:defRPr sz="1400" b="0" i="0" u="none" strike="noStrike" cap="none">
           <a:solidFill>
             <a:srgbClr val="000000"/>
           </a:solidFill>
@@ -6524,7 +6704,7 @@
           <a:sym typeface="Arial"/>
         </a:defRPr>
       </a:lvl2pPr>
-      <a:lvl3pPr lvl="2" marR="0" rtl="0" algn="l">
+      <a:lvl3pPr marR="0" lvl="2" algn="l" rtl="0">
         <a:lnSpc>
           <a:spcPct val="100000"/>
         </a:lnSpc>
@@ -6538,7 +6718,7 @@
           <a:srgbClr val="000000"/>
         </a:buClr>
         <a:buFont typeface="Arial"/>
-        <a:defRPr b="0" i="0" sz="1400" u="none" cap="none" strike="noStrike">
+        <a:defRPr sz="1400" b="0" i="0" u="none" strike="noStrike" cap="none">
           <a:solidFill>
             <a:srgbClr val="000000"/>
           </a:solidFill>
@@ -6548,7 +6728,7 @@
           <a:sym typeface="Arial"/>
         </a:defRPr>
       </a:lvl3pPr>
-      <a:lvl4pPr lvl="3" marR="0" rtl="0" algn="l">
+      <a:lvl4pPr marR="0" lvl="3" algn="l" rtl="0">
         <a:lnSpc>
           <a:spcPct val="100000"/>
         </a:lnSpc>
@@ -6562,7 +6742,7 @@
           <a:srgbClr val="000000"/>
         </a:buClr>
         <a:buFont typeface="Arial"/>
-        <a:defRPr b="0" i="0" sz="1400" u="none" cap="none" strike="noStrike">
+        <a:defRPr sz="1400" b="0" i="0" u="none" strike="noStrike" cap="none">
           <a:solidFill>
             <a:srgbClr val="000000"/>
           </a:solidFill>
@@ -6572,7 +6752,7 @@
           <a:sym typeface="Arial"/>
         </a:defRPr>
       </a:lvl4pPr>
-      <a:lvl5pPr lvl="4" marR="0" rtl="0" algn="l">
+      <a:lvl5pPr marR="0" lvl="4" algn="l" rtl="0">
         <a:lnSpc>
           <a:spcPct val="100000"/>
         </a:lnSpc>
@@ -6586,7 +6766,7 @@
           <a:srgbClr val="000000"/>
         </a:buClr>
         <a:buFont typeface="Arial"/>
-        <a:defRPr b="0" i="0" sz="1400" u="none" cap="none" strike="noStrike">
+        <a:defRPr sz="1400" b="0" i="0" u="none" strike="noStrike" cap="none">
           <a:solidFill>
             <a:srgbClr val="000000"/>
           </a:solidFill>
@@ -6596,7 +6776,7 @@
           <a:sym typeface="Arial"/>
         </a:defRPr>
       </a:lvl5pPr>
-      <a:lvl6pPr lvl="5" marR="0" rtl="0" algn="l">
+      <a:lvl6pPr marR="0" lvl="5" algn="l" rtl="0">
         <a:lnSpc>
           <a:spcPct val="100000"/>
         </a:lnSpc>
@@ -6610,7 +6790,7 @@
           <a:srgbClr val="000000"/>
         </a:buClr>
         <a:buFont typeface="Arial"/>
-        <a:defRPr b="0" i="0" sz="1400" u="none" cap="none" strike="noStrike">
+        <a:defRPr sz="1400" b="0" i="0" u="none" strike="noStrike" cap="none">
           <a:solidFill>
             <a:srgbClr val="000000"/>
           </a:solidFill>
@@ -6620,7 +6800,7 @@
           <a:sym typeface="Arial"/>
         </a:defRPr>
       </a:lvl6pPr>
-      <a:lvl7pPr lvl="6" marR="0" rtl="0" algn="l">
+      <a:lvl7pPr marR="0" lvl="6" algn="l" rtl="0">
         <a:lnSpc>
           <a:spcPct val="100000"/>
         </a:lnSpc>
@@ -6634,7 +6814,7 @@
           <a:srgbClr val="000000"/>
         </a:buClr>
         <a:buFont typeface="Arial"/>
-        <a:defRPr b="0" i="0" sz="1400" u="none" cap="none" strike="noStrike">
+        <a:defRPr sz="1400" b="0" i="0" u="none" strike="noStrike" cap="none">
           <a:solidFill>
             <a:srgbClr val="000000"/>
           </a:solidFill>
@@ -6644,7 +6824,7 @@
           <a:sym typeface="Arial"/>
         </a:defRPr>
       </a:lvl7pPr>
-      <a:lvl8pPr lvl="7" marR="0" rtl="0" algn="l">
+      <a:lvl8pPr marR="0" lvl="7" algn="l" rtl="0">
         <a:lnSpc>
           <a:spcPct val="100000"/>
         </a:lnSpc>
@@ -6658,7 +6838,7 @@
           <a:srgbClr val="000000"/>
         </a:buClr>
         <a:buFont typeface="Arial"/>
-        <a:defRPr b="0" i="0" sz="1400" u="none" cap="none" strike="noStrike">
+        <a:defRPr sz="1400" b="0" i="0" u="none" strike="noStrike" cap="none">
           <a:solidFill>
             <a:srgbClr val="000000"/>
           </a:solidFill>
@@ -6668,7 +6848,7 @@
           <a:sym typeface="Arial"/>
         </a:defRPr>
       </a:lvl8pPr>
-      <a:lvl9pPr lvl="8" marR="0" rtl="0" algn="l">
+      <a:lvl9pPr marR="0" lvl="8" algn="l" rtl="0">
         <a:lnSpc>
           <a:spcPct val="100000"/>
         </a:lnSpc>
@@ -6682,7 +6862,7 @@
           <a:srgbClr val="000000"/>
         </a:buClr>
         <a:buFont typeface="Arial"/>
-        <a:defRPr b="0" i="0" sz="1400" u="none" cap="none" strike="noStrike">
+        <a:defRPr sz="1400" b="0" i="0" u="none" strike="noStrike" cap="none">
           <a:solidFill>
             <a:srgbClr val="000000"/>
           </a:solidFill>
@@ -6698,11 +6878,11 @@
 </file>
 
 <file path=ppt/slides/slide1.xml><?xml version="1.0" encoding="utf-8"?>
-<p:sld xmlns:a="http://schemas.openxmlformats.org/drawingml/2006/main" xmlns:r="http://schemas.openxmlformats.org/officeDocument/2006/relationships" xmlns:mc="http://schemas.openxmlformats.org/markup-compatibility/2006" xmlns:mv="urn:schemas-microsoft-com:mac:vml" xmlns:p="http://schemas.openxmlformats.org/presentationml/2006/main" xmlns:c="http://schemas.openxmlformats.org/drawingml/2006/chart" xmlns:dgm="http://schemas.openxmlformats.org/drawingml/2006/diagram" xmlns:o="urn:schemas-microsoft-com:office:office" xmlns:v="urn:schemas-microsoft-com:vml" xmlns:pvml="urn:schemas-microsoft-com:office:powerpoint" xmlns:com="http://schemas.openxmlformats.org/drawingml/2006/compatibility" xmlns:p14="http://schemas.microsoft.com/office/powerpoint/2010/main" xmlns:p15="http://schemas.microsoft.com/office/powerpoint/2012/main" xmlns:ahyp="http://schemas.microsoft.com/office/drawing/2018/hyperlinkcolor">
+<p:sld xmlns:a="http://schemas.openxmlformats.org/drawingml/2006/main" xmlns:r="http://schemas.openxmlformats.org/officeDocument/2006/relationships" xmlns:p="http://schemas.openxmlformats.org/presentationml/2006/main">
   <p:cSld>
     <p:spTree>
       <p:nvGrpSpPr>
-        <p:cNvPr id="53" name="Shape 53"/>
+        <p:cNvPr id="1" name="Shape 53"/>
         <p:cNvGrpSpPr/>
         <p:nvPr/>
       </p:nvGrpSpPr>
@@ -6717,7 +6897,9 @@
       <p:sp>
         <p:nvSpPr>
           <p:cNvPr id="54" name="Google Shape;54;p13"/>
-          <p:cNvSpPr txBox="1"/>
+          <p:cNvSpPr txBox="1">
+            <a:spLocks noGrp="1"/>
+          </p:cNvSpPr>
           <p:nvPr>
             <p:ph type="ctrTitle"/>
           </p:nvPr>
@@ -6732,12 +6914,12 @@
           </a:prstGeom>
         </p:spPr>
         <p:txBody>
-          <a:bodyPr anchorCtr="0" anchor="b" bIns="91425" lIns="91425" spcFirstLastPara="1" rIns="91425" wrap="square" tIns="91425">
+          <a:bodyPr spcFirstLastPara="1" wrap="square" lIns="91425" tIns="91425" rIns="91425" bIns="91425" anchor="b" anchorCtr="0">
             <a:normAutofit/>
           </a:bodyPr>
           <a:lstStyle/>
           <a:p>
-            <a:pPr indent="0" lvl="0" marL="0" rtl="0" algn="ctr">
+            <a:pPr marL="0" lvl="0" indent="0" algn="ctr" rtl="0">
               <a:spcBef>
                 <a:spcPts val="0"/>
               </a:spcBef>
@@ -6746,9 +6928,6 @@
               </a:spcAft>
               <a:buNone/>
             </a:pPr>
-            <a:r>
-              <a:t/>
-            </a:r>
             <a:endParaRPr/>
           </a:p>
         </p:txBody>
@@ -6763,7 +6942,7 @@
           <a:blip r:embed="rId3">
             <a:alphaModFix/>
           </a:blip>
-          <a:srcRect b="12333" l="0" r="0" t="12325"/>
+          <a:srcRect t="12325" b="12333"/>
           <a:stretch/>
         </p:blipFill>
         <p:spPr>
@@ -6800,12 +6979,12 @@
           </a:ln>
         </p:spPr>
         <p:txBody>
-          <a:bodyPr anchorCtr="0" anchor="t" bIns="91425" lIns="91425" spcFirstLastPara="1" rIns="91425" wrap="square" tIns="91425">
+          <a:bodyPr spcFirstLastPara="1" wrap="square" lIns="91425" tIns="91425" rIns="91425" bIns="91425" anchor="t" anchorCtr="0">
             <a:spAutoFit/>
           </a:bodyPr>
           <a:lstStyle/>
           <a:p>
-            <a:pPr indent="0" lvl="0" marL="0" rtl="0" algn="l">
+            <a:pPr marL="0" lvl="0" indent="0" algn="l" rtl="0">
               <a:spcBef>
                 <a:spcPts val="0"/>
               </a:spcBef>
@@ -6847,11 +7026,11 @@
 </file>
 
 <file path=ppt/slides/slide10.xml><?xml version="1.0" encoding="utf-8"?>
-<p:sld xmlns:a="http://schemas.openxmlformats.org/drawingml/2006/main" xmlns:r="http://schemas.openxmlformats.org/officeDocument/2006/relationships" xmlns:mc="http://schemas.openxmlformats.org/markup-compatibility/2006" xmlns:mv="urn:schemas-microsoft-com:mac:vml" xmlns:p="http://schemas.openxmlformats.org/presentationml/2006/main" xmlns:c="http://schemas.openxmlformats.org/drawingml/2006/chart" xmlns:dgm="http://schemas.openxmlformats.org/drawingml/2006/diagram" xmlns:o="urn:schemas-microsoft-com:office:office" xmlns:v="urn:schemas-microsoft-com:vml" xmlns:pvml="urn:schemas-microsoft-com:office:powerpoint" xmlns:com="http://schemas.openxmlformats.org/drawingml/2006/compatibility" xmlns:p14="http://schemas.microsoft.com/office/powerpoint/2010/main" xmlns:p15="http://schemas.microsoft.com/office/powerpoint/2012/main" xmlns:ahyp="http://schemas.microsoft.com/office/drawing/2018/hyperlinkcolor">
+<p:sld xmlns:a="http://schemas.openxmlformats.org/drawingml/2006/main" xmlns:r="http://schemas.openxmlformats.org/officeDocument/2006/relationships" xmlns:p="http://schemas.openxmlformats.org/presentationml/2006/main">
   <p:cSld>
     <p:spTree>
       <p:nvGrpSpPr>
-        <p:cNvPr id="110" name="Shape 110"/>
+        <p:cNvPr id="1" name="Shape 110"/>
         <p:cNvGrpSpPr/>
         <p:nvPr/>
       </p:nvGrpSpPr>
@@ -6866,7 +7045,9 @@
       <p:sp>
         <p:nvSpPr>
           <p:cNvPr id="111" name="Google Shape;111;p22"/>
-          <p:cNvSpPr txBox="1"/>
+          <p:cNvSpPr txBox="1">
+            <a:spLocks noGrp="1"/>
+          </p:cNvSpPr>
           <p:nvPr>
             <p:ph type="title"/>
           </p:nvPr>
@@ -6881,12 +7062,12 @@
           </a:prstGeom>
         </p:spPr>
         <p:txBody>
-          <a:bodyPr anchorCtr="0" anchor="t" bIns="91425" lIns="91425" spcFirstLastPara="1" rIns="91425" wrap="square" tIns="91425">
+          <a:bodyPr spcFirstLastPara="1" wrap="square" lIns="91425" tIns="91425" rIns="91425" bIns="91425" anchor="t" anchorCtr="0">
             <a:normAutofit fontScale="90000"/>
           </a:bodyPr>
           <a:lstStyle/>
           <a:p>
-            <a:pPr indent="0" lvl="0" marL="0" rtl="0" algn="l">
+            <a:pPr marL="0" lvl="0" indent="0" algn="l" rtl="0">
               <a:spcBef>
                 <a:spcPts val="0"/>
               </a:spcBef>
@@ -6906,9 +7087,11 @@
       <p:sp>
         <p:nvSpPr>
           <p:cNvPr id="112" name="Google Shape;112;p22"/>
-          <p:cNvSpPr txBox="1"/>
+          <p:cNvSpPr txBox="1">
+            <a:spLocks noGrp="1"/>
+          </p:cNvSpPr>
           <p:nvPr>
-            <p:ph idx="1" type="body"/>
+            <p:ph type="body" idx="1"/>
           </p:nvPr>
         </p:nvSpPr>
         <p:spPr>
@@ -6921,12 +7104,12 @@
           </a:prstGeom>
         </p:spPr>
         <p:txBody>
-          <a:bodyPr anchorCtr="0" anchor="t" bIns="91425" lIns="91425" spcFirstLastPara="1" rIns="91425" wrap="square" tIns="91425">
+          <a:bodyPr spcFirstLastPara="1" wrap="square" lIns="91425" tIns="91425" rIns="91425" bIns="91425" anchor="t" anchorCtr="0">
             <a:normAutofit/>
           </a:bodyPr>
           <a:lstStyle/>
           <a:p>
-            <a:pPr indent="0" lvl="0" marL="0" rtl="0" algn="l">
+            <a:pPr marL="0" lvl="0" indent="0" algn="l" rtl="0">
               <a:spcBef>
                 <a:spcPts val="0"/>
               </a:spcBef>
@@ -6952,7 +7135,7 @@
 </file>
 
 <file path=ppt/slides/slide11.xml><?xml version="1.0" encoding="utf-8"?>
-<p:sld xmlns:a="http://schemas.openxmlformats.org/drawingml/2006/main" xmlns:r="http://schemas.openxmlformats.org/officeDocument/2006/relationships" xmlns:mc="http://schemas.openxmlformats.org/markup-compatibility/2006" xmlns:mv="urn:schemas-microsoft-com:mac:vml" xmlns:p="http://schemas.openxmlformats.org/presentationml/2006/main" xmlns:c="http://schemas.openxmlformats.org/drawingml/2006/chart" xmlns:dgm="http://schemas.openxmlformats.org/drawingml/2006/diagram" xmlns:o="urn:schemas-microsoft-com:office:office" xmlns:v="urn:schemas-microsoft-com:vml" xmlns:pvml="urn:schemas-microsoft-com:office:powerpoint" xmlns:com="http://schemas.openxmlformats.org/drawingml/2006/compatibility" xmlns:p14="http://schemas.microsoft.com/office/powerpoint/2010/main" xmlns:p15="http://schemas.microsoft.com/office/powerpoint/2012/main" xmlns:ahyp="http://schemas.microsoft.com/office/drawing/2018/hyperlinkcolor">
+<p:sld xmlns:a="http://schemas.openxmlformats.org/drawingml/2006/main" xmlns:r="http://schemas.openxmlformats.org/officeDocument/2006/relationships" xmlns:p="http://schemas.openxmlformats.org/presentationml/2006/main">
   <p:cSld>
     <p:bg>
       <p:bgPr>
@@ -6964,11 +7147,12 @@
             <a:fillRect/>
           </a:stretch>
         </a:blipFill>
+        <a:effectLst/>
       </p:bgPr>
     </p:bg>
     <p:spTree>
       <p:nvGrpSpPr>
-        <p:cNvPr id="116" name="Shape 116"/>
+        <p:cNvPr id="1" name="Shape 116"/>
         <p:cNvGrpSpPr/>
         <p:nvPr/>
       </p:nvGrpSpPr>
@@ -6983,7 +7167,9 @@
       <p:sp>
         <p:nvSpPr>
           <p:cNvPr id="117" name="Google Shape;117;p23"/>
-          <p:cNvSpPr txBox="1"/>
+          <p:cNvSpPr txBox="1">
+            <a:spLocks noGrp="1"/>
+          </p:cNvSpPr>
           <p:nvPr>
             <p:ph type="title"/>
           </p:nvPr>
@@ -6998,12 +7184,12 @@
           </a:prstGeom>
         </p:spPr>
         <p:txBody>
-          <a:bodyPr anchorCtr="0" anchor="t" bIns="91425" lIns="91425" spcFirstLastPara="1" rIns="91425" wrap="square" tIns="91425">
+          <a:bodyPr spcFirstLastPara="1" wrap="square" lIns="91425" tIns="91425" rIns="91425" bIns="91425" anchor="t" anchorCtr="0">
             <a:normAutofit/>
           </a:bodyPr>
           <a:lstStyle/>
           <a:p>
-            <a:pPr indent="0" lvl="0" marL="0" rtl="0" algn="l">
+            <a:pPr marL="0" lvl="0" indent="0" algn="l" rtl="0">
               <a:spcBef>
                 <a:spcPts val="0"/>
               </a:spcBef>
@@ -7037,11 +7223,11 @@
 </file>
 
 <file path=ppt/slides/slide12.xml><?xml version="1.0" encoding="utf-8"?>
-<p:sld xmlns:a="http://schemas.openxmlformats.org/drawingml/2006/main" xmlns:r="http://schemas.openxmlformats.org/officeDocument/2006/relationships" xmlns:mc="http://schemas.openxmlformats.org/markup-compatibility/2006" xmlns:mv="urn:schemas-microsoft-com:mac:vml" xmlns:p="http://schemas.openxmlformats.org/presentationml/2006/main" xmlns:c="http://schemas.openxmlformats.org/drawingml/2006/chart" xmlns:dgm="http://schemas.openxmlformats.org/drawingml/2006/diagram" xmlns:o="urn:schemas-microsoft-com:office:office" xmlns:v="urn:schemas-microsoft-com:vml" xmlns:pvml="urn:schemas-microsoft-com:office:powerpoint" xmlns:com="http://schemas.openxmlformats.org/drawingml/2006/compatibility" xmlns:p14="http://schemas.microsoft.com/office/powerpoint/2010/main" xmlns:p15="http://schemas.microsoft.com/office/powerpoint/2012/main" xmlns:ahyp="http://schemas.microsoft.com/office/drawing/2018/hyperlinkcolor">
+<p:sld xmlns:a="http://schemas.openxmlformats.org/drawingml/2006/main" xmlns:r="http://schemas.openxmlformats.org/officeDocument/2006/relationships" xmlns:p="http://schemas.openxmlformats.org/presentationml/2006/main">
   <p:cSld>
     <p:spTree>
       <p:nvGrpSpPr>
-        <p:cNvPr id="121" name="Shape 121"/>
+        <p:cNvPr id="1" name="Shape 121"/>
         <p:cNvGrpSpPr/>
         <p:nvPr/>
       </p:nvGrpSpPr>
@@ -7056,7 +7242,9 @@
       <p:sp>
         <p:nvSpPr>
           <p:cNvPr id="122" name="Google Shape;122;p24"/>
-          <p:cNvSpPr txBox="1"/>
+          <p:cNvSpPr txBox="1">
+            <a:spLocks noGrp="1"/>
+          </p:cNvSpPr>
           <p:nvPr>
             <p:ph type="title"/>
           </p:nvPr>
@@ -7071,12 +7259,12 @@
           </a:prstGeom>
         </p:spPr>
         <p:txBody>
-          <a:bodyPr anchorCtr="0" anchor="t" bIns="91425" lIns="91425" spcFirstLastPara="1" rIns="91425" wrap="square" tIns="91425">
+          <a:bodyPr spcFirstLastPara="1" wrap="square" lIns="91425" tIns="91425" rIns="91425" bIns="91425" anchor="t" anchorCtr="0">
             <a:normAutofit fontScale="90000"/>
           </a:bodyPr>
           <a:lstStyle/>
           <a:p>
-            <a:pPr indent="0" lvl="0" marL="0" rtl="0" algn="l">
+            <a:pPr marL="0" lvl="0" indent="0" algn="l" rtl="0">
               <a:spcBef>
                 <a:spcPts val="0"/>
               </a:spcBef>
@@ -7096,9 +7284,11 @@
       <p:sp>
         <p:nvSpPr>
           <p:cNvPr id="123" name="Google Shape;123;p24"/>
-          <p:cNvSpPr txBox="1"/>
+          <p:cNvSpPr txBox="1">
+            <a:spLocks noGrp="1"/>
+          </p:cNvSpPr>
           <p:nvPr>
-            <p:ph idx="1" type="body"/>
+            <p:ph type="body" idx="1"/>
           </p:nvPr>
         </p:nvSpPr>
         <p:spPr>
@@ -7111,12 +7301,12 @@
           </a:prstGeom>
         </p:spPr>
         <p:txBody>
-          <a:bodyPr anchorCtr="0" anchor="t" bIns="91425" lIns="91425" spcFirstLastPara="1" rIns="91425" wrap="square" tIns="91425">
+          <a:bodyPr spcFirstLastPara="1" wrap="square" lIns="91425" tIns="91425" rIns="91425" bIns="91425" anchor="t" anchorCtr="0">
             <a:normAutofit/>
           </a:bodyPr>
           <a:lstStyle/>
           <a:p>
-            <a:pPr indent="0" lvl="0" marL="0" rtl="0" algn="l">
+            <a:pPr marL="0" lvl="0" indent="0" algn="l" rtl="0">
               <a:spcBef>
                 <a:spcPts val="0"/>
               </a:spcBef>
@@ -7125,9 +7315,6 @@
               </a:spcAft>
               <a:buNone/>
             </a:pPr>
-            <a:r>
-              <a:t/>
-            </a:r>
             <a:endParaRPr/>
           </a:p>
         </p:txBody>
@@ -7197,11 +7384,11 @@
 </file>
 
 <file path=ppt/slides/slide13.xml><?xml version="1.0" encoding="utf-8"?>
-<p:sld xmlns:a="http://schemas.openxmlformats.org/drawingml/2006/main" xmlns:r="http://schemas.openxmlformats.org/officeDocument/2006/relationships" xmlns:mc="http://schemas.openxmlformats.org/markup-compatibility/2006" xmlns:mv="urn:schemas-microsoft-com:mac:vml" xmlns:p="http://schemas.openxmlformats.org/presentationml/2006/main" xmlns:c="http://schemas.openxmlformats.org/drawingml/2006/chart" xmlns:dgm="http://schemas.openxmlformats.org/drawingml/2006/diagram" xmlns:o="urn:schemas-microsoft-com:office:office" xmlns:v="urn:schemas-microsoft-com:vml" xmlns:pvml="urn:schemas-microsoft-com:office:powerpoint" xmlns:com="http://schemas.openxmlformats.org/drawingml/2006/compatibility" xmlns:p14="http://schemas.microsoft.com/office/powerpoint/2010/main" xmlns:p15="http://schemas.microsoft.com/office/powerpoint/2012/main" xmlns:ahyp="http://schemas.microsoft.com/office/drawing/2018/hyperlinkcolor">
+<p:sld xmlns:a="http://schemas.openxmlformats.org/drawingml/2006/main" xmlns:r="http://schemas.openxmlformats.org/officeDocument/2006/relationships" xmlns:p="http://schemas.openxmlformats.org/presentationml/2006/main">
   <p:cSld>
     <p:spTree>
       <p:nvGrpSpPr>
-        <p:cNvPr id="129" name="Shape 129"/>
+        <p:cNvPr id="1" name="Shape 129"/>
         <p:cNvGrpSpPr/>
         <p:nvPr/>
       </p:nvGrpSpPr>
@@ -7216,7 +7403,9 @@
       <p:sp>
         <p:nvSpPr>
           <p:cNvPr id="130" name="Google Shape;130;p25"/>
-          <p:cNvSpPr txBox="1"/>
+          <p:cNvSpPr txBox="1">
+            <a:spLocks noGrp="1"/>
+          </p:cNvSpPr>
           <p:nvPr>
             <p:ph type="ctrTitle"/>
           </p:nvPr>
@@ -7231,12 +7420,12 @@
           </a:prstGeom>
         </p:spPr>
         <p:txBody>
-          <a:bodyPr anchorCtr="0" anchor="b" bIns="91425" lIns="91425" spcFirstLastPara="1" rIns="91425" wrap="square" tIns="91425">
+          <a:bodyPr spcFirstLastPara="1" wrap="square" lIns="91425" tIns="91425" rIns="91425" bIns="91425" anchor="b" anchorCtr="0">
             <a:normAutofit/>
           </a:bodyPr>
           <a:lstStyle/>
           <a:p>
-            <a:pPr indent="0" lvl="0" marL="0" rtl="0" algn="ctr">
+            <a:pPr marL="0" lvl="0" indent="0" algn="ctr" rtl="0">
               <a:spcBef>
                 <a:spcPts val="0"/>
               </a:spcBef>
@@ -7245,9 +7434,6 @@
               </a:spcAft>
               <a:buNone/>
             </a:pPr>
-            <a:r>
-              <a:t/>
-            </a:r>
             <a:endParaRPr/>
           </a:p>
         </p:txBody>
@@ -7262,7 +7448,7 @@
           <a:blip r:embed="rId3">
             <a:alphaModFix/>
           </a:blip>
-          <a:srcRect b="12333" l="0" r="0" t="12325"/>
+          <a:srcRect t="12325" b="12333"/>
           <a:stretch/>
         </p:blipFill>
         <p:spPr>
@@ -7299,12 +7485,12 @@
           </a:ln>
         </p:spPr>
         <p:txBody>
-          <a:bodyPr anchorCtr="0" anchor="t" bIns="91425" lIns="91425" spcFirstLastPara="1" rIns="91425" wrap="square" tIns="91425">
+          <a:bodyPr spcFirstLastPara="1" wrap="square" lIns="91425" tIns="91425" rIns="91425" bIns="91425" anchor="t" anchorCtr="0">
             <a:spAutoFit/>
           </a:bodyPr>
           <a:lstStyle/>
           <a:p>
-            <a:pPr indent="0" lvl="0" marL="0" rtl="0" algn="l">
+            <a:pPr marL="0" lvl="0" indent="0" algn="l" rtl="0">
               <a:spcBef>
                 <a:spcPts val="0"/>
               </a:spcBef>
@@ -7346,11 +7532,11 @@
 </file>
 
 <file path=ppt/slides/slide2.xml><?xml version="1.0" encoding="utf-8"?>
-<p:sld xmlns:a="http://schemas.openxmlformats.org/drawingml/2006/main" xmlns:r="http://schemas.openxmlformats.org/officeDocument/2006/relationships" xmlns:mc="http://schemas.openxmlformats.org/markup-compatibility/2006" xmlns:mv="urn:schemas-microsoft-com:mac:vml" xmlns:p="http://schemas.openxmlformats.org/presentationml/2006/main" xmlns:c="http://schemas.openxmlformats.org/drawingml/2006/chart" xmlns:dgm="http://schemas.openxmlformats.org/drawingml/2006/diagram" xmlns:o="urn:schemas-microsoft-com:office:office" xmlns:v="urn:schemas-microsoft-com:vml" xmlns:pvml="urn:schemas-microsoft-com:office:powerpoint" xmlns:com="http://schemas.openxmlformats.org/drawingml/2006/compatibility" xmlns:p14="http://schemas.microsoft.com/office/powerpoint/2010/main" xmlns:p15="http://schemas.microsoft.com/office/powerpoint/2012/main" xmlns:ahyp="http://schemas.microsoft.com/office/drawing/2018/hyperlinkcolor">
+<p:sld xmlns:a="http://schemas.openxmlformats.org/drawingml/2006/main" xmlns:r="http://schemas.openxmlformats.org/officeDocument/2006/relationships" xmlns:p="http://schemas.openxmlformats.org/presentationml/2006/main">
   <p:cSld>
     <p:spTree>
       <p:nvGrpSpPr>
-        <p:cNvPr id="60" name="Shape 60"/>
+        <p:cNvPr id="1" name="Shape 60"/>
         <p:cNvGrpSpPr/>
         <p:nvPr/>
       </p:nvGrpSpPr>
@@ -7365,7 +7551,9 @@
       <p:sp>
         <p:nvSpPr>
           <p:cNvPr id="61" name="Google Shape;61;p14"/>
-          <p:cNvSpPr txBox="1"/>
+          <p:cNvSpPr txBox="1">
+            <a:spLocks noGrp="1"/>
+          </p:cNvSpPr>
           <p:nvPr>
             <p:ph type="title"/>
           </p:nvPr>
@@ -7380,12 +7568,12 @@
           </a:prstGeom>
         </p:spPr>
         <p:txBody>
-          <a:bodyPr anchorCtr="0" anchor="t" bIns="91425" lIns="91425" spcFirstLastPara="1" rIns="91425" wrap="square" tIns="91425">
+          <a:bodyPr spcFirstLastPara="1" wrap="square" lIns="91425" tIns="91425" rIns="91425" bIns="91425" anchor="t" anchorCtr="0">
             <a:normAutofit fontScale="90000"/>
           </a:bodyPr>
           <a:lstStyle/>
           <a:p>
-            <a:pPr indent="0" lvl="0" marL="0" rtl="0" algn="l">
+            <a:pPr marL="0" lvl="0" indent="0" algn="l" rtl="0">
               <a:spcBef>
                 <a:spcPts val="0"/>
               </a:spcBef>
@@ -7405,9 +7593,11 @@
       <p:sp>
         <p:nvSpPr>
           <p:cNvPr id="62" name="Google Shape;62;p14"/>
-          <p:cNvSpPr txBox="1"/>
+          <p:cNvSpPr txBox="1">
+            <a:spLocks noGrp="1"/>
+          </p:cNvSpPr>
           <p:nvPr>
-            <p:ph idx="1" type="body"/>
+            <p:ph type="body" idx="1"/>
           </p:nvPr>
         </p:nvSpPr>
         <p:spPr>
@@ -7420,12 +7610,12 @@
           </a:prstGeom>
         </p:spPr>
         <p:txBody>
-          <a:bodyPr anchorCtr="0" anchor="t" bIns="91425" lIns="91425" spcFirstLastPara="1" rIns="91425" wrap="square" tIns="91425">
+          <a:bodyPr spcFirstLastPara="1" wrap="square" lIns="91425" tIns="91425" rIns="91425" bIns="91425" anchor="t" anchorCtr="0">
             <a:normAutofit/>
           </a:bodyPr>
           <a:lstStyle/>
           <a:p>
-            <a:pPr indent="0" lvl="0" marL="0" rtl="0" algn="l">
+            <a:pPr marL="0" lvl="0" indent="0" algn="l" rtl="0">
               <a:spcBef>
                 <a:spcPts val="0"/>
               </a:spcBef>
@@ -7449,7 +7639,7 @@
             </a:endParaRPr>
           </a:p>
           <a:p>
-            <a:pPr indent="0" lvl="0" marL="0" rtl="0" algn="l">
+            <a:pPr marL="0" lvl="0" indent="0" algn="l" rtl="0">
               <a:lnSpc>
                 <a:spcPct val="200000"/>
               </a:lnSpc>
@@ -7476,7 +7666,7 @@
             </a:endParaRPr>
           </a:p>
           <a:p>
-            <a:pPr indent="0" lvl="0" marL="0" rtl="0" algn="l">
+            <a:pPr marL="0" lvl="0" indent="0" algn="l" rtl="0">
               <a:lnSpc>
                 <a:spcPct val="200000"/>
               </a:lnSpc>
@@ -7503,7 +7693,7 @@
             </a:endParaRPr>
           </a:p>
           <a:p>
-            <a:pPr indent="0" lvl="0" marL="0" rtl="0" algn="l">
+            <a:pPr marL="0" lvl="0" indent="0" algn="l" rtl="0">
               <a:lnSpc>
                 <a:spcPct val="200000"/>
               </a:lnSpc>
@@ -7530,7 +7720,7 @@
             </a:endParaRPr>
           </a:p>
           <a:p>
-            <a:pPr indent="0" lvl="0" marL="0" rtl="0" algn="l">
+            <a:pPr marL="0" lvl="0" indent="0" algn="l" rtl="0">
               <a:lnSpc>
                 <a:spcPct val="200000"/>
               </a:lnSpc>
@@ -7557,7 +7747,7 @@
             </a:endParaRPr>
           </a:p>
           <a:p>
-            <a:pPr indent="0" lvl="0" marL="0" rtl="0" algn="l">
+            <a:pPr marL="0" lvl="0" indent="0" algn="l" rtl="0">
               <a:spcBef>
                 <a:spcPts val="0"/>
               </a:spcBef>
@@ -7566,9 +7756,6 @@
               </a:spcAft>
               <a:buNone/>
             </a:pPr>
-            <a:r>
-              <a:t/>
-            </a:r>
             <a:endParaRPr/>
           </a:p>
         </p:txBody>
@@ -7582,11 +7769,11 @@
 </file>
 
 <file path=ppt/slides/slide3.xml><?xml version="1.0" encoding="utf-8"?>
-<p:sld xmlns:a="http://schemas.openxmlformats.org/drawingml/2006/main" xmlns:r="http://schemas.openxmlformats.org/officeDocument/2006/relationships" xmlns:mc="http://schemas.openxmlformats.org/markup-compatibility/2006" xmlns:mv="urn:schemas-microsoft-com:mac:vml" xmlns:p="http://schemas.openxmlformats.org/presentationml/2006/main" xmlns:c="http://schemas.openxmlformats.org/drawingml/2006/chart" xmlns:dgm="http://schemas.openxmlformats.org/drawingml/2006/diagram" xmlns:o="urn:schemas-microsoft-com:office:office" xmlns:v="urn:schemas-microsoft-com:vml" xmlns:pvml="urn:schemas-microsoft-com:office:powerpoint" xmlns:com="http://schemas.openxmlformats.org/drawingml/2006/compatibility" xmlns:p14="http://schemas.microsoft.com/office/powerpoint/2010/main" xmlns:p15="http://schemas.microsoft.com/office/powerpoint/2012/main" xmlns:ahyp="http://schemas.microsoft.com/office/drawing/2018/hyperlinkcolor">
+<p:sld xmlns:a="http://schemas.openxmlformats.org/drawingml/2006/main" xmlns:r="http://schemas.openxmlformats.org/officeDocument/2006/relationships" xmlns:p="http://schemas.openxmlformats.org/presentationml/2006/main">
   <p:cSld>
     <p:spTree>
       <p:nvGrpSpPr>
-        <p:cNvPr id="66" name="Shape 66"/>
+        <p:cNvPr id="1" name="Shape 66"/>
         <p:cNvGrpSpPr/>
         <p:nvPr/>
       </p:nvGrpSpPr>
@@ -7601,7 +7788,9 @@
       <p:sp>
         <p:nvSpPr>
           <p:cNvPr id="67" name="Google Shape;67;p15"/>
-          <p:cNvSpPr txBox="1"/>
+          <p:cNvSpPr txBox="1">
+            <a:spLocks noGrp="1"/>
+          </p:cNvSpPr>
           <p:nvPr>
             <p:ph type="title"/>
           </p:nvPr>
@@ -7616,12 +7805,12 @@
           </a:prstGeom>
         </p:spPr>
         <p:txBody>
-          <a:bodyPr anchorCtr="0" anchor="t" bIns="91425" lIns="91425" spcFirstLastPara="1" rIns="91425" wrap="square" tIns="91425">
+          <a:bodyPr spcFirstLastPara="1" wrap="square" lIns="91425" tIns="91425" rIns="91425" bIns="91425" anchor="t" anchorCtr="0">
             <a:normAutofit fontScale="90000"/>
           </a:bodyPr>
           <a:lstStyle/>
           <a:p>
-            <a:pPr indent="0" lvl="0" marL="0" rtl="0" algn="l">
+            <a:pPr marL="0" lvl="0" indent="0" algn="l" rtl="0">
               <a:spcBef>
                 <a:spcPts val="0"/>
               </a:spcBef>
@@ -7641,9 +7830,11 @@
       <p:sp>
         <p:nvSpPr>
           <p:cNvPr id="68" name="Google Shape;68;p15"/>
-          <p:cNvSpPr txBox="1"/>
+          <p:cNvSpPr txBox="1">
+            <a:spLocks noGrp="1"/>
+          </p:cNvSpPr>
           <p:nvPr>
-            <p:ph idx="1" type="body"/>
+            <p:ph type="body" idx="1"/>
           </p:nvPr>
         </p:nvSpPr>
         <p:spPr>
@@ -7656,12 +7847,12 @@
           </a:prstGeom>
         </p:spPr>
         <p:txBody>
-          <a:bodyPr anchorCtr="0" anchor="t" bIns="91425" lIns="91425" spcFirstLastPara="1" rIns="91425" wrap="square" tIns="91425">
+          <a:bodyPr spcFirstLastPara="1" wrap="square" lIns="91425" tIns="91425" rIns="91425" bIns="91425" anchor="t" anchorCtr="0">
             <a:normAutofit/>
           </a:bodyPr>
           <a:lstStyle/>
           <a:p>
-            <a:pPr indent="0" lvl="0" marL="0" rtl="0" algn="l">
+            <a:pPr marL="0" lvl="0" indent="0" algn="l" rtl="0">
               <a:spcBef>
                 <a:spcPts val="0"/>
               </a:spcBef>
@@ -7685,7 +7876,7 @@
             </a:endParaRPr>
           </a:p>
           <a:p>
-            <a:pPr indent="0" lvl="0" marL="0" rtl="0" algn="l">
+            <a:pPr marL="0" lvl="0" indent="0" algn="l" rtl="0">
               <a:spcBef>
                 <a:spcPts val="1200"/>
               </a:spcBef>
@@ -7709,7 +7900,7 @@
             </a:endParaRPr>
           </a:p>
           <a:p>
-            <a:pPr indent="0" lvl="0" marL="0" rtl="0" algn="l">
+            <a:pPr marL="0" lvl="0" indent="0" algn="l" rtl="0">
               <a:spcBef>
                 <a:spcPts val="1200"/>
               </a:spcBef>
@@ -7733,7 +7924,7 @@
             </a:endParaRPr>
           </a:p>
           <a:p>
-            <a:pPr indent="0" lvl="0" marL="0" rtl="0" algn="l">
+            <a:pPr marL="0" lvl="0" indent="0" algn="l" rtl="0">
               <a:spcBef>
                 <a:spcPts val="1200"/>
               </a:spcBef>
@@ -7742,9 +7933,6 @@
               </a:spcAft>
               <a:buNone/>
             </a:pPr>
-            <a:r>
-              <a:t/>
-            </a:r>
             <a:endParaRPr>
               <a:solidFill>
                 <a:srgbClr val="FFD966"/>
@@ -7752,7 +7940,7 @@
             </a:endParaRPr>
           </a:p>
           <a:p>
-            <a:pPr indent="0" lvl="0" marL="0" rtl="0" algn="l">
+            <a:pPr marL="0" lvl="0" indent="0" algn="l" rtl="0">
               <a:spcBef>
                 <a:spcPts val="1200"/>
               </a:spcBef>
@@ -7761,9 +7949,6 @@
               </a:spcAft>
               <a:buNone/>
             </a:pPr>
-            <a:r>
-              <a:t/>
-            </a:r>
             <a:endParaRPr>
               <a:solidFill>
                 <a:srgbClr val="FFD966"/>
@@ -7809,11 +7994,11 @@
 </file>
 
 <file path=ppt/slides/slide4.xml><?xml version="1.0" encoding="utf-8"?>
-<p:sld xmlns:a="http://schemas.openxmlformats.org/drawingml/2006/main" xmlns:r="http://schemas.openxmlformats.org/officeDocument/2006/relationships" xmlns:mc="http://schemas.openxmlformats.org/markup-compatibility/2006" xmlns:mv="urn:schemas-microsoft-com:mac:vml" xmlns:p="http://schemas.openxmlformats.org/presentationml/2006/main" xmlns:c="http://schemas.openxmlformats.org/drawingml/2006/chart" xmlns:dgm="http://schemas.openxmlformats.org/drawingml/2006/diagram" xmlns:o="urn:schemas-microsoft-com:office:office" xmlns:v="urn:schemas-microsoft-com:vml" xmlns:pvml="urn:schemas-microsoft-com:office:powerpoint" xmlns:com="http://schemas.openxmlformats.org/drawingml/2006/compatibility" xmlns:p14="http://schemas.microsoft.com/office/powerpoint/2010/main" xmlns:p15="http://schemas.microsoft.com/office/powerpoint/2012/main" xmlns:ahyp="http://schemas.microsoft.com/office/drawing/2018/hyperlinkcolor">
+<p:sld xmlns:a="http://schemas.openxmlformats.org/drawingml/2006/main" xmlns:r="http://schemas.openxmlformats.org/officeDocument/2006/relationships" xmlns:p="http://schemas.openxmlformats.org/presentationml/2006/main">
   <p:cSld>
     <p:spTree>
       <p:nvGrpSpPr>
-        <p:cNvPr id="73" name="Shape 73"/>
+        <p:cNvPr id="1" name="Shape 73"/>
         <p:cNvGrpSpPr/>
         <p:nvPr/>
       </p:nvGrpSpPr>
@@ -7828,7 +8013,9 @@
       <p:sp>
         <p:nvSpPr>
           <p:cNvPr id="74" name="Google Shape;74;p16"/>
-          <p:cNvSpPr txBox="1"/>
+          <p:cNvSpPr txBox="1">
+            <a:spLocks noGrp="1"/>
+          </p:cNvSpPr>
           <p:nvPr>
             <p:ph type="title"/>
           </p:nvPr>
@@ -7843,12 +8030,12 @@
           </a:prstGeom>
         </p:spPr>
         <p:txBody>
-          <a:bodyPr anchorCtr="0" anchor="t" bIns="91425" lIns="91425" spcFirstLastPara="1" rIns="91425" wrap="square" tIns="91425">
+          <a:bodyPr spcFirstLastPara="1" wrap="square" lIns="91425" tIns="91425" rIns="91425" bIns="91425" anchor="t" anchorCtr="0">
             <a:normAutofit fontScale="90000"/>
           </a:bodyPr>
           <a:lstStyle/>
           <a:p>
-            <a:pPr indent="0" lvl="0" marL="0" rtl="0" algn="l">
+            <a:pPr marL="0" lvl="0" indent="0" algn="l" rtl="0">
               <a:spcBef>
                 <a:spcPts val="0"/>
               </a:spcBef>
@@ -7868,9 +8055,11 @@
       <p:sp>
         <p:nvSpPr>
           <p:cNvPr id="75" name="Google Shape;75;p16"/>
-          <p:cNvSpPr txBox="1"/>
+          <p:cNvSpPr txBox="1">
+            <a:spLocks noGrp="1"/>
+          </p:cNvSpPr>
           <p:nvPr>
-            <p:ph idx="1" type="body"/>
+            <p:ph type="body" idx="1"/>
           </p:nvPr>
         </p:nvSpPr>
         <p:spPr>
@@ -7883,12 +8072,12 @@
           </a:prstGeom>
         </p:spPr>
         <p:txBody>
-          <a:bodyPr anchorCtr="0" anchor="t" bIns="91425" lIns="91425" spcFirstLastPara="1" rIns="91425" wrap="square" tIns="91425">
+          <a:bodyPr spcFirstLastPara="1" wrap="square" lIns="91425" tIns="91425" rIns="91425" bIns="91425" anchor="t" anchorCtr="0">
             <a:normAutofit/>
           </a:bodyPr>
           <a:lstStyle/>
           <a:p>
-            <a:pPr indent="0" lvl="0" marL="0" rtl="0" algn="l">
+            <a:pPr marL="0" lvl="0" indent="0" algn="l" rtl="0">
               <a:spcBef>
                 <a:spcPts val="0"/>
               </a:spcBef>
@@ -7898,21 +8087,21 @@
               <a:buNone/>
             </a:pPr>
             <a:r>
-              <a:rPr lang="en">
+              <a:rPr lang="en" dirty="0">
                 <a:solidFill>
                   <a:srgbClr val="FFD966"/>
                 </a:solidFill>
               </a:rPr>
               <a:t>Front End:</a:t>
             </a:r>
-            <a:endParaRPr>
+            <a:endParaRPr dirty="0">
               <a:solidFill>
                 <a:srgbClr val="FFD966"/>
               </a:solidFill>
             </a:endParaRPr>
           </a:p>
           <a:p>
-            <a:pPr indent="0" lvl="0" marL="0" rtl="0" algn="l">
+            <a:pPr marL="0" lvl="0" indent="0" algn="l" rtl="0">
               <a:spcBef>
                 <a:spcPts val="1200"/>
               </a:spcBef>
@@ -7922,14 +8111,14 @@
               <a:buNone/>
             </a:pPr>
             <a:r>
-              <a:rPr lang="en">
+              <a:rPr lang="en" dirty="0">
                 <a:solidFill>
                   <a:srgbClr val="FFD966"/>
                 </a:solidFill>
               </a:rPr>
-              <a:t>**Craig and Sami add notes and a picture here please**</a:t>
+              <a:t>The font end of Spira was developed with a combination of javaScript, Css and Html. The Html is the layout of the website with the Css providing styling. The javaScript’s funtion is to manipulate how the html looks and provide funtions to buttons as well as communicating information to API endpoints in the backend via JSON objects.</a:t>
             </a:r>
-            <a:endParaRPr>
+            <a:endParaRPr dirty="0">
               <a:solidFill>
                 <a:srgbClr val="FFD966"/>
               </a:solidFill>
@@ -7940,9 +8129,11 @@
       <p:sp>
         <p:nvSpPr>
           <p:cNvPr id="76" name="Google Shape;76;p16"/>
-          <p:cNvSpPr txBox="1"/>
+          <p:cNvSpPr txBox="1">
+            <a:spLocks noGrp="1"/>
+          </p:cNvSpPr>
           <p:nvPr>
-            <p:ph idx="2" type="body"/>
+            <p:ph type="body" idx="2"/>
           </p:nvPr>
         </p:nvSpPr>
         <p:spPr>
@@ -7955,12 +8146,12 @@
           </a:prstGeom>
         </p:spPr>
         <p:txBody>
-          <a:bodyPr anchorCtr="0" anchor="t" bIns="91425" lIns="91425" spcFirstLastPara="1" rIns="91425" wrap="square" tIns="91425">
+          <a:bodyPr spcFirstLastPara="1" wrap="square" lIns="91425" tIns="91425" rIns="91425" bIns="91425" anchor="t" anchorCtr="0">
             <a:normAutofit/>
           </a:bodyPr>
           <a:lstStyle/>
           <a:p>
-            <a:pPr indent="0" lvl="0" marL="0" rtl="0" algn="l">
+            <a:pPr marL="0" lvl="0" indent="0" algn="l" rtl="0">
               <a:spcBef>
                 <a:spcPts val="0"/>
               </a:spcBef>
@@ -7984,7 +8175,7 @@
             </a:endParaRPr>
           </a:p>
           <a:p>
-            <a:pPr indent="0" lvl="0" marL="0" rtl="0" algn="l">
+            <a:pPr marL="0" lvl="0" indent="0" algn="l" rtl="0">
               <a:spcBef>
                 <a:spcPts val="1200"/>
               </a:spcBef>
@@ -8009,6 +8200,36 @@
           </a:p>
         </p:txBody>
       </p:sp>
+      <p:pic>
+        <p:nvPicPr>
+          <p:cNvPr id="2" name="Picture 1">
+            <a:extLst>
+              <a:ext uri="{FF2B5EF4-FFF2-40B4-BE49-F238E27FC236}">
+                <a16:creationId xmlns:a16="http://schemas.microsoft.com/office/drawing/2014/main" id="{E20F05C1-3F69-4021-80A9-6EC8C4A46D09}"/>
+              </a:ext>
+            </a:extLst>
+          </p:cNvPr>
+          <p:cNvPicPr>
+            <a:picLocks noChangeAspect="1"/>
+          </p:cNvPicPr>
+          <p:nvPr/>
+        </p:nvPicPr>
+        <p:blipFill>
+          <a:blip r:embed="rId3"/>
+          <a:stretch>
+            <a:fillRect/>
+          </a:stretch>
+        </p:blipFill>
+        <p:spPr>
+          <a:xfrm>
+            <a:off x="1685334" y="3431158"/>
+            <a:ext cx="2193794" cy="1462529"/>
+          </a:xfrm>
+          <a:prstGeom prst="rect">
+            <a:avLst/>
+          </a:prstGeom>
+        </p:spPr>
+      </p:pic>
     </p:spTree>
   </p:cSld>
   <p:clrMapOvr>
@@ -8018,11 +8239,11 @@
 </file>
 
 <file path=ppt/slides/slide5.xml><?xml version="1.0" encoding="utf-8"?>
-<p:sld xmlns:a="http://schemas.openxmlformats.org/drawingml/2006/main" xmlns:r="http://schemas.openxmlformats.org/officeDocument/2006/relationships" xmlns:mc="http://schemas.openxmlformats.org/markup-compatibility/2006" xmlns:mv="urn:schemas-microsoft-com:mac:vml" xmlns:p="http://schemas.openxmlformats.org/presentationml/2006/main" xmlns:c="http://schemas.openxmlformats.org/drawingml/2006/chart" xmlns:dgm="http://schemas.openxmlformats.org/drawingml/2006/diagram" xmlns:o="urn:schemas-microsoft-com:office:office" xmlns:v="urn:schemas-microsoft-com:vml" xmlns:pvml="urn:schemas-microsoft-com:office:powerpoint" xmlns:com="http://schemas.openxmlformats.org/drawingml/2006/compatibility" xmlns:p14="http://schemas.microsoft.com/office/powerpoint/2010/main" xmlns:p15="http://schemas.microsoft.com/office/powerpoint/2012/main" xmlns:ahyp="http://schemas.microsoft.com/office/drawing/2018/hyperlinkcolor">
+<p:sld xmlns:a="http://schemas.openxmlformats.org/drawingml/2006/main" xmlns:r="http://schemas.openxmlformats.org/officeDocument/2006/relationships" xmlns:p="http://schemas.openxmlformats.org/presentationml/2006/main">
   <p:cSld>
     <p:spTree>
       <p:nvGrpSpPr>
-        <p:cNvPr id="80" name="Shape 80"/>
+        <p:cNvPr id="1" name="Shape 80"/>
         <p:cNvGrpSpPr/>
         <p:nvPr/>
       </p:nvGrpSpPr>
@@ -8037,7 +8258,9 @@
       <p:sp>
         <p:nvSpPr>
           <p:cNvPr id="81" name="Google Shape;81;p17"/>
-          <p:cNvSpPr txBox="1"/>
+          <p:cNvSpPr txBox="1">
+            <a:spLocks noGrp="1"/>
+          </p:cNvSpPr>
           <p:nvPr>
             <p:ph type="title"/>
           </p:nvPr>
@@ -8052,12 +8275,12 @@
           </a:prstGeom>
         </p:spPr>
         <p:txBody>
-          <a:bodyPr anchorCtr="0" anchor="t" bIns="91425" lIns="91425" spcFirstLastPara="1" rIns="91425" wrap="square" tIns="91425">
+          <a:bodyPr spcFirstLastPara="1" wrap="square" lIns="91425" tIns="91425" rIns="91425" bIns="91425" anchor="t" anchorCtr="0">
             <a:normAutofit fontScale="90000"/>
           </a:bodyPr>
           <a:lstStyle/>
           <a:p>
-            <a:pPr indent="0" lvl="0" marL="0" rtl="0" algn="l">
+            <a:pPr marL="0" lvl="0" indent="0" algn="l" rtl="0">
               <a:spcBef>
                 <a:spcPts val="0"/>
               </a:spcBef>
@@ -8077,9 +8300,11 @@
       <p:sp>
         <p:nvSpPr>
           <p:cNvPr id="82" name="Google Shape;82;p17"/>
-          <p:cNvSpPr txBox="1"/>
+          <p:cNvSpPr txBox="1">
+            <a:spLocks noGrp="1"/>
+          </p:cNvSpPr>
           <p:nvPr>
-            <p:ph idx="1" type="body"/>
+            <p:ph type="body" idx="1"/>
           </p:nvPr>
         </p:nvSpPr>
         <p:spPr>
@@ -8092,12 +8317,12 @@
           </a:prstGeom>
         </p:spPr>
         <p:txBody>
-          <a:bodyPr anchorCtr="0" anchor="t" bIns="91425" lIns="91425" spcFirstLastPara="1" rIns="91425" wrap="square" tIns="91425">
+          <a:bodyPr spcFirstLastPara="1" wrap="square" lIns="91425" tIns="91425" rIns="91425" bIns="91425" anchor="t" anchorCtr="0">
             <a:normAutofit/>
           </a:bodyPr>
           <a:lstStyle/>
           <a:p>
-            <a:pPr indent="0" lvl="0" marL="0" rtl="0" algn="l">
+            <a:pPr marL="0" lvl="0" indent="0" algn="l" rtl="0">
               <a:spcBef>
                 <a:spcPts val="0"/>
               </a:spcBef>
@@ -8123,11 +8348,11 @@
 </file>
 
 <file path=ppt/slides/slide6.xml><?xml version="1.0" encoding="utf-8"?>
-<p:sld xmlns:a="http://schemas.openxmlformats.org/drawingml/2006/main" xmlns:r="http://schemas.openxmlformats.org/officeDocument/2006/relationships" xmlns:mc="http://schemas.openxmlformats.org/markup-compatibility/2006" xmlns:mv="urn:schemas-microsoft-com:mac:vml" xmlns:p="http://schemas.openxmlformats.org/presentationml/2006/main" xmlns:c="http://schemas.openxmlformats.org/drawingml/2006/chart" xmlns:dgm="http://schemas.openxmlformats.org/drawingml/2006/diagram" xmlns:o="urn:schemas-microsoft-com:office:office" xmlns:v="urn:schemas-microsoft-com:vml" xmlns:pvml="urn:schemas-microsoft-com:office:powerpoint" xmlns:com="http://schemas.openxmlformats.org/drawingml/2006/compatibility" xmlns:p14="http://schemas.microsoft.com/office/powerpoint/2010/main" xmlns:p15="http://schemas.microsoft.com/office/powerpoint/2012/main" xmlns:ahyp="http://schemas.microsoft.com/office/drawing/2018/hyperlinkcolor">
+<p:sld xmlns:a="http://schemas.openxmlformats.org/drawingml/2006/main" xmlns:r="http://schemas.openxmlformats.org/officeDocument/2006/relationships" xmlns:p="http://schemas.openxmlformats.org/presentationml/2006/main">
   <p:cSld>
     <p:spTree>
       <p:nvGrpSpPr>
-        <p:cNvPr id="86" name="Shape 86"/>
+        <p:cNvPr id="1" name="Shape 86"/>
         <p:cNvGrpSpPr/>
         <p:nvPr/>
       </p:nvGrpSpPr>
@@ -8142,7 +8367,9 @@
       <p:sp>
         <p:nvSpPr>
           <p:cNvPr id="87" name="Google Shape;87;p18"/>
-          <p:cNvSpPr txBox="1"/>
+          <p:cNvSpPr txBox="1">
+            <a:spLocks noGrp="1"/>
+          </p:cNvSpPr>
           <p:nvPr>
             <p:ph type="title"/>
           </p:nvPr>
@@ -8157,12 +8384,12 @@
           </a:prstGeom>
         </p:spPr>
         <p:txBody>
-          <a:bodyPr anchorCtr="0" anchor="t" bIns="91425" lIns="91425" spcFirstLastPara="1" rIns="91425" wrap="square" tIns="91425">
+          <a:bodyPr spcFirstLastPara="1" wrap="square" lIns="91425" tIns="91425" rIns="91425" bIns="91425" anchor="t" anchorCtr="0">
             <a:normAutofit fontScale="90000"/>
           </a:bodyPr>
           <a:lstStyle/>
           <a:p>
-            <a:pPr indent="0" lvl="0" marL="0" rtl="0" algn="l">
+            <a:pPr marL="0" lvl="0" indent="0" algn="l" rtl="0">
               <a:spcBef>
                 <a:spcPts val="0"/>
               </a:spcBef>
@@ -8182,9 +8409,11 @@
       <p:sp>
         <p:nvSpPr>
           <p:cNvPr id="88" name="Google Shape;88;p18"/>
-          <p:cNvSpPr txBox="1"/>
+          <p:cNvSpPr txBox="1">
+            <a:spLocks noGrp="1"/>
+          </p:cNvSpPr>
           <p:nvPr>
-            <p:ph idx="1" type="body"/>
+            <p:ph type="body" idx="1"/>
           </p:nvPr>
         </p:nvSpPr>
         <p:spPr>
@@ -8197,12 +8426,12 @@
           </a:prstGeom>
         </p:spPr>
         <p:txBody>
-          <a:bodyPr anchorCtr="0" anchor="t" bIns="91425" lIns="91425" spcFirstLastPara="1" rIns="91425" wrap="square" tIns="91425">
+          <a:bodyPr spcFirstLastPara="1" wrap="square" lIns="91425" tIns="91425" rIns="91425" bIns="91425" anchor="t" anchorCtr="0">
             <a:normAutofit/>
           </a:bodyPr>
           <a:lstStyle/>
           <a:p>
-            <a:pPr indent="0" lvl="0" marL="0" rtl="0" algn="l">
+            <a:pPr marL="0" lvl="0" indent="0" algn="l" rtl="0">
               <a:spcBef>
                 <a:spcPts val="0"/>
               </a:spcBef>
@@ -8212,13 +8441,13 @@
               <a:buNone/>
             </a:pPr>
             <a:r>
-              <a:rPr lang="en"/>
+              <a:rPr lang="en" dirty="0"/>
               <a:t>Group members communicated efficiently</a:t>
             </a:r>
-            <a:endParaRPr/>
+            <a:endParaRPr dirty="0"/>
           </a:p>
           <a:p>
-            <a:pPr indent="0" lvl="0" marL="0" rtl="0" algn="l">
+            <a:pPr marL="0" lvl="0" indent="0" algn="l" rtl="0">
               <a:spcBef>
                 <a:spcPts val="1200"/>
               </a:spcBef>
@@ -8228,13 +8457,13 @@
               <a:buNone/>
             </a:pPr>
             <a:r>
-              <a:rPr lang="en"/>
+              <a:rPr lang="en" dirty="0"/>
               <a:t>Deadlines were met with plenty of time to spare</a:t>
             </a:r>
-            <a:endParaRPr/>
+            <a:endParaRPr dirty="0"/>
           </a:p>
           <a:p>
-            <a:pPr indent="0" lvl="0" marL="0" rtl="0" algn="l">
+            <a:pPr marL="0" lvl="0" indent="0" algn="l" rtl="0">
               <a:spcBef>
                 <a:spcPts val="1200"/>
               </a:spcBef>
@@ -8244,13 +8473,13 @@
               <a:buNone/>
             </a:pPr>
             <a:r>
-              <a:rPr lang="en"/>
+              <a:rPr lang="en" dirty="0"/>
               <a:t>The LAMP stack and well documented notes from the professor, combined with the division of the work amongst the team, really allowed me to dedicate myself to and learn about one area</a:t>
             </a:r>
-            <a:endParaRPr/>
+            <a:endParaRPr dirty="0"/>
           </a:p>
           <a:p>
-            <a:pPr indent="0" lvl="0" marL="0" rtl="0" algn="l">
+            <a:pPr marL="0" lvl="0" indent="0" algn="l" rtl="0">
               <a:spcBef>
                 <a:spcPts val="1200"/>
               </a:spcBef>
@@ -8260,10 +8489,10 @@
               <a:buNone/>
             </a:pPr>
             <a:r>
-              <a:rPr lang="en"/>
+              <a:rPr lang="en" dirty="0"/>
               <a:t>Individuals work meshed well without any conflicting errors</a:t>
             </a:r>
-            <a:endParaRPr/>
+            <a:endParaRPr dirty="0"/>
           </a:p>
         </p:txBody>
       </p:sp>
@@ -8276,11 +8505,11 @@
 </file>
 
 <file path=ppt/slides/slide7.xml><?xml version="1.0" encoding="utf-8"?>
-<p:sld xmlns:a="http://schemas.openxmlformats.org/drawingml/2006/main" xmlns:r="http://schemas.openxmlformats.org/officeDocument/2006/relationships" xmlns:mc="http://schemas.openxmlformats.org/markup-compatibility/2006" xmlns:mv="urn:schemas-microsoft-com:mac:vml" xmlns:p="http://schemas.openxmlformats.org/presentationml/2006/main" xmlns:c="http://schemas.openxmlformats.org/drawingml/2006/chart" xmlns:dgm="http://schemas.openxmlformats.org/drawingml/2006/diagram" xmlns:o="urn:schemas-microsoft-com:office:office" xmlns:v="urn:schemas-microsoft-com:vml" xmlns:pvml="urn:schemas-microsoft-com:office:powerpoint" xmlns:com="http://schemas.openxmlformats.org/drawingml/2006/compatibility" xmlns:p14="http://schemas.microsoft.com/office/powerpoint/2010/main" xmlns:p15="http://schemas.microsoft.com/office/powerpoint/2012/main" xmlns:ahyp="http://schemas.microsoft.com/office/drawing/2018/hyperlinkcolor">
+<p:sld xmlns:a="http://schemas.openxmlformats.org/drawingml/2006/main" xmlns:r="http://schemas.openxmlformats.org/officeDocument/2006/relationships" xmlns:p="http://schemas.openxmlformats.org/presentationml/2006/main">
   <p:cSld>
     <p:spTree>
       <p:nvGrpSpPr>
-        <p:cNvPr id="92" name="Shape 92"/>
+        <p:cNvPr id="1" name="Shape 92"/>
         <p:cNvGrpSpPr/>
         <p:nvPr/>
       </p:nvGrpSpPr>
@@ -8295,7 +8524,9 @@
       <p:sp>
         <p:nvSpPr>
           <p:cNvPr id="93" name="Google Shape;93;p19"/>
-          <p:cNvSpPr txBox="1"/>
+          <p:cNvSpPr txBox="1">
+            <a:spLocks noGrp="1"/>
+          </p:cNvSpPr>
           <p:nvPr>
             <p:ph type="title"/>
           </p:nvPr>
@@ -8310,12 +8541,12 @@
           </a:prstGeom>
         </p:spPr>
         <p:txBody>
-          <a:bodyPr anchorCtr="0" anchor="t" bIns="91425" lIns="91425" spcFirstLastPara="1" rIns="91425" wrap="square" tIns="91425">
+          <a:bodyPr spcFirstLastPara="1" wrap="square" lIns="91425" tIns="91425" rIns="91425" bIns="91425" anchor="t" anchorCtr="0">
             <a:normAutofit fontScale="90000"/>
           </a:bodyPr>
           <a:lstStyle/>
           <a:p>
-            <a:pPr indent="0" lvl="0" marL="0" rtl="0" algn="l">
+            <a:pPr marL="0" lvl="0" indent="0" algn="l" rtl="0">
               <a:spcBef>
                 <a:spcPts val="0"/>
               </a:spcBef>
@@ -8335,9 +8566,11 @@
       <p:sp>
         <p:nvSpPr>
           <p:cNvPr id="94" name="Google Shape;94;p19"/>
-          <p:cNvSpPr txBox="1"/>
+          <p:cNvSpPr txBox="1">
+            <a:spLocks noGrp="1"/>
+          </p:cNvSpPr>
           <p:nvPr>
-            <p:ph idx="1" type="body"/>
+            <p:ph type="body" idx="1"/>
           </p:nvPr>
         </p:nvSpPr>
         <p:spPr>
@@ -8350,12 +8583,12 @@
           </a:prstGeom>
         </p:spPr>
         <p:txBody>
-          <a:bodyPr anchorCtr="0" anchor="t" bIns="91425" lIns="91425" spcFirstLastPara="1" rIns="91425" wrap="square" tIns="91425">
+          <a:bodyPr spcFirstLastPara="1" wrap="square" lIns="91425" tIns="91425" rIns="91425" bIns="91425" anchor="t" anchorCtr="0">
             <a:normAutofit/>
           </a:bodyPr>
           <a:lstStyle/>
           <a:p>
-            <a:pPr indent="0" lvl="0" marL="0" rtl="0" algn="l">
+            <a:pPr marL="0" lvl="0" indent="0" algn="l" rtl="0">
               <a:spcBef>
                 <a:spcPts val="0"/>
               </a:spcBef>
@@ -8381,11 +8614,11 @@
 </file>
 
 <file path=ppt/slides/slide8.xml><?xml version="1.0" encoding="utf-8"?>
-<p:sld xmlns:a="http://schemas.openxmlformats.org/drawingml/2006/main" xmlns:r="http://schemas.openxmlformats.org/officeDocument/2006/relationships" xmlns:mc="http://schemas.openxmlformats.org/markup-compatibility/2006" xmlns:mv="urn:schemas-microsoft-com:mac:vml" xmlns:p="http://schemas.openxmlformats.org/presentationml/2006/main" xmlns:c="http://schemas.openxmlformats.org/drawingml/2006/chart" xmlns:dgm="http://schemas.openxmlformats.org/drawingml/2006/diagram" xmlns:o="urn:schemas-microsoft-com:office:office" xmlns:v="urn:schemas-microsoft-com:vml" xmlns:pvml="urn:schemas-microsoft-com:office:powerpoint" xmlns:com="http://schemas.openxmlformats.org/drawingml/2006/compatibility" xmlns:p14="http://schemas.microsoft.com/office/powerpoint/2010/main" xmlns:p15="http://schemas.microsoft.com/office/powerpoint/2012/main" xmlns:ahyp="http://schemas.microsoft.com/office/drawing/2018/hyperlinkcolor">
+<p:sld xmlns:a="http://schemas.openxmlformats.org/drawingml/2006/main" xmlns:r="http://schemas.openxmlformats.org/officeDocument/2006/relationships" xmlns:p="http://schemas.openxmlformats.org/presentationml/2006/main">
   <p:cSld>
     <p:spTree>
       <p:nvGrpSpPr>
-        <p:cNvPr id="98" name="Shape 98"/>
+        <p:cNvPr id="1" name="Shape 98"/>
         <p:cNvGrpSpPr/>
         <p:nvPr/>
       </p:nvGrpSpPr>
@@ -8400,7 +8633,9 @@
       <p:sp>
         <p:nvSpPr>
           <p:cNvPr id="99" name="Google Shape;99;p20"/>
-          <p:cNvSpPr txBox="1"/>
+          <p:cNvSpPr txBox="1">
+            <a:spLocks noGrp="1"/>
+          </p:cNvSpPr>
           <p:nvPr>
             <p:ph type="title"/>
           </p:nvPr>
@@ -8415,12 +8650,12 @@
           </a:prstGeom>
         </p:spPr>
         <p:txBody>
-          <a:bodyPr anchorCtr="0" anchor="t" bIns="91425" lIns="91425" spcFirstLastPara="1" rIns="91425" wrap="square" tIns="91425">
+          <a:bodyPr spcFirstLastPara="1" wrap="square" lIns="91425" tIns="91425" rIns="91425" bIns="91425" anchor="t" anchorCtr="0">
             <a:normAutofit fontScale="90000"/>
           </a:bodyPr>
           <a:lstStyle/>
           <a:p>
-            <a:pPr indent="0" lvl="0" marL="0" rtl="0" algn="l">
+            <a:pPr marL="0" lvl="0" indent="0" algn="l" rtl="0">
               <a:spcBef>
                 <a:spcPts val="0"/>
               </a:spcBef>
@@ -8474,11 +8709,11 @@
 </file>
 
 <file path=ppt/slides/slide9.xml><?xml version="1.0" encoding="utf-8"?>
-<p:sld xmlns:a="http://schemas.openxmlformats.org/drawingml/2006/main" xmlns:r="http://schemas.openxmlformats.org/officeDocument/2006/relationships" xmlns:mc="http://schemas.openxmlformats.org/markup-compatibility/2006" xmlns:mv="urn:schemas-microsoft-com:mac:vml" xmlns:p="http://schemas.openxmlformats.org/presentationml/2006/main" xmlns:c="http://schemas.openxmlformats.org/drawingml/2006/chart" xmlns:dgm="http://schemas.openxmlformats.org/drawingml/2006/diagram" xmlns:o="urn:schemas-microsoft-com:office:office" xmlns:v="urn:schemas-microsoft-com:vml" xmlns:pvml="urn:schemas-microsoft-com:office:powerpoint" xmlns:com="http://schemas.openxmlformats.org/drawingml/2006/compatibility" xmlns:p14="http://schemas.microsoft.com/office/powerpoint/2010/main" xmlns:p15="http://schemas.microsoft.com/office/powerpoint/2012/main" xmlns:ahyp="http://schemas.microsoft.com/office/drawing/2018/hyperlinkcolor">
+<p:sld xmlns:a="http://schemas.openxmlformats.org/drawingml/2006/main" xmlns:r="http://schemas.openxmlformats.org/officeDocument/2006/relationships" xmlns:p="http://schemas.openxmlformats.org/presentationml/2006/main">
   <p:cSld>
     <p:spTree>
       <p:nvGrpSpPr>
-        <p:cNvPr id="104" name="Shape 104"/>
+        <p:cNvPr id="1" name="Shape 104"/>
         <p:cNvGrpSpPr/>
         <p:nvPr/>
       </p:nvGrpSpPr>
@@ -8493,7 +8728,9 @@
       <p:sp>
         <p:nvSpPr>
           <p:cNvPr id="105" name="Google Shape;105;p21"/>
-          <p:cNvSpPr txBox="1"/>
+          <p:cNvSpPr txBox="1">
+            <a:spLocks noGrp="1"/>
+          </p:cNvSpPr>
           <p:nvPr>
             <p:ph type="title"/>
           </p:nvPr>
@@ -8508,12 +8745,12 @@
           </a:prstGeom>
         </p:spPr>
         <p:txBody>
-          <a:bodyPr anchorCtr="0" anchor="t" bIns="91425" lIns="91425" spcFirstLastPara="1" rIns="91425" wrap="square" tIns="91425">
+          <a:bodyPr spcFirstLastPara="1" wrap="square" lIns="91425" tIns="91425" rIns="91425" bIns="91425" anchor="t" anchorCtr="0">
             <a:normAutofit fontScale="90000"/>
           </a:bodyPr>
           <a:lstStyle/>
           <a:p>
-            <a:pPr indent="0" lvl="0" marL="0" rtl="0" algn="l">
+            <a:pPr marL="0" lvl="0" indent="0" algn="l" rtl="0">
               <a:spcBef>
                 <a:spcPts val="0"/>
               </a:spcBef>
@@ -8567,7 +8804,288 @@
 </file>
 
 <file path=ppt/theme/theme1.xml><?xml version="1.0" encoding="utf-8"?>
-<a:theme xmlns:a="http://schemas.openxmlformats.org/drawingml/2006/main" xmlns:r="http://schemas.openxmlformats.org/officeDocument/2006/relationships">
+<a:theme xmlns:a="http://schemas.openxmlformats.org/drawingml/2006/main" name="Simple Dark">
+  <a:themeElements>
+    <a:clrScheme name="Simple Dark">
+      <a:dk1>
+        <a:srgbClr val="FFFFFF"/>
+      </a:dk1>
+      <a:lt1>
+        <a:srgbClr val="212121"/>
+      </a:lt1>
+      <a:dk2>
+        <a:srgbClr val="303030"/>
+      </a:dk2>
+      <a:lt2>
+        <a:srgbClr val="ADADAD"/>
+      </a:lt2>
+      <a:accent1>
+        <a:srgbClr val="009688"/>
+      </a:accent1>
+      <a:accent2>
+        <a:srgbClr val="EEEEEE"/>
+      </a:accent2>
+      <a:accent3>
+        <a:srgbClr val="78909C"/>
+      </a:accent3>
+      <a:accent4>
+        <a:srgbClr val="FFAB40"/>
+      </a:accent4>
+      <a:accent5>
+        <a:srgbClr val="4DD0E1"/>
+      </a:accent5>
+      <a:accent6>
+        <a:srgbClr val="EEFF41"/>
+      </a:accent6>
+      <a:hlink>
+        <a:srgbClr val="4DD0E1"/>
+      </a:hlink>
+      <a:folHlink>
+        <a:srgbClr val="4DD0E1"/>
+      </a:folHlink>
+    </a:clrScheme>
+    <a:fontScheme name="Office">
+      <a:majorFont>
+        <a:latin typeface="Arial"/>
+        <a:ea typeface=""/>
+        <a:cs typeface=""/>
+        <a:font script="Jpan" typeface="ＭＳ Ｐゴシック"/>
+        <a:font script="Hang" typeface="맑은 고딕"/>
+        <a:font script="Hans" typeface="宋体"/>
+        <a:font script="Hant" typeface="新細明體"/>
+        <a:font script="Arab" typeface="Times New Roman"/>
+        <a:font script="Hebr" typeface="Times New Roman"/>
+        <a:font script="Thai" typeface="Angsana New"/>
+        <a:font script="Ethi" typeface="Nyala"/>
+        <a:font script="Beng" typeface="Vrinda"/>
+        <a:font script="Gujr" typeface="Shruti"/>
+        <a:font script="Khmr" typeface="MoolBoran"/>
+        <a:font script="Knda" typeface="Tunga"/>
+        <a:font script="Guru" typeface="Raavi"/>
+        <a:font script="Cans" typeface="Euphemia"/>
+        <a:font script="Cher" typeface="Plantagenet Cherokee"/>
+        <a:font script="Yiii" typeface="Microsoft Yi Baiti"/>
+        <a:font script="Tibt" typeface="Microsoft Himalaya"/>
+        <a:font script="Thaa" typeface="MV Boli"/>
+        <a:font script="Deva" typeface="Mangal"/>
+        <a:font script="Telu" typeface="Gautami"/>
+        <a:font script="Taml" typeface="Latha"/>
+        <a:font script="Syrc" typeface="Estrangelo Edessa"/>
+        <a:font script="Orya" typeface="Kalinga"/>
+        <a:font script="Mlym" typeface="Kartika"/>
+        <a:font script="Laoo" typeface="DokChampa"/>
+        <a:font script="Sinh" typeface="Iskoola Pota"/>
+        <a:font script="Mong" typeface="Mongolian Baiti"/>
+        <a:font script="Viet" typeface="Times New Roman"/>
+        <a:font script="Uigh" typeface="Microsoft Uighur"/>
+        <a:font script="Geor" typeface="Sylfaen"/>
+      </a:majorFont>
+      <a:minorFont>
+        <a:latin typeface="Arial"/>
+        <a:ea typeface=""/>
+        <a:cs typeface=""/>
+        <a:font script="Jpan" typeface="ＭＳ Ｐゴシック"/>
+        <a:font script="Hang" typeface="맑은 고딕"/>
+        <a:font script="Hans" typeface="宋体"/>
+        <a:font script="Hant" typeface="新細明體"/>
+        <a:font script="Arab" typeface="Arial"/>
+        <a:font script="Hebr" typeface="Arial"/>
+        <a:font script="Thai" typeface="Cordia New"/>
+        <a:font script="Ethi" typeface="Nyala"/>
+        <a:font script="Beng" typeface="Vrinda"/>
+        <a:font script="Gujr" typeface="Shruti"/>
+        <a:font script="Khmr" typeface="DaunPenh"/>
+        <a:font script="Knda" typeface="Tunga"/>
+        <a:font script="Guru" typeface="Raavi"/>
+        <a:font script="Cans" typeface="Euphemia"/>
+        <a:font script="Cher" typeface="Plantagenet Cherokee"/>
+        <a:font script="Yiii" typeface="Microsoft Yi Baiti"/>
+        <a:font script="Tibt" typeface="Microsoft Himalaya"/>
+        <a:font script="Thaa" typeface="MV Boli"/>
+        <a:font script="Deva" typeface="Mangal"/>
+        <a:font script="Telu" typeface="Gautami"/>
+        <a:font script="Taml" typeface="Latha"/>
+        <a:font script="Syrc" typeface="Estrangelo Edessa"/>
+        <a:font script="Orya" typeface="Kalinga"/>
+        <a:font script="Mlym" typeface="Kartika"/>
+        <a:font script="Laoo" typeface="DokChampa"/>
+        <a:font script="Sinh" typeface="Iskoola Pota"/>
+        <a:font script="Mong" typeface="Mongolian Baiti"/>
+        <a:font script="Viet" typeface="Arial"/>
+        <a:font script="Uigh" typeface="Microsoft Uighur"/>
+        <a:font script="Geor" typeface="Sylfaen"/>
+      </a:minorFont>
+    </a:fontScheme>
+    <a:fmtScheme name="Office">
+      <a:fillStyleLst>
+        <a:solidFill>
+          <a:schemeClr val="phClr"/>
+        </a:solidFill>
+        <a:gradFill rotWithShape="1">
+          <a:gsLst>
+            <a:gs pos="0">
+              <a:schemeClr val="phClr">
+                <a:tint val="50000"/>
+                <a:satMod val="300000"/>
+              </a:schemeClr>
+            </a:gs>
+            <a:gs pos="35000">
+              <a:schemeClr val="phClr">
+                <a:tint val="37000"/>
+                <a:satMod val="300000"/>
+              </a:schemeClr>
+            </a:gs>
+            <a:gs pos="100000">
+              <a:schemeClr val="phClr">
+                <a:tint val="15000"/>
+                <a:satMod val="350000"/>
+              </a:schemeClr>
+            </a:gs>
+          </a:gsLst>
+          <a:lin ang="16200000" scaled="1"/>
+        </a:gradFill>
+        <a:gradFill rotWithShape="1">
+          <a:gsLst>
+            <a:gs pos="0">
+              <a:schemeClr val="phClr">
+                <a:tint val="100000"/>
+                <a:shade val="100000"/>
+                <a:satMod val="130000"/>
+              </a:schemeClr>
+            </a:gs>
+            <a:gs pos="100000">
+              <a:schemeClr val="phClr">
+                <a:tint val="50000"/>
+                <a:shade val="100000"/>
+                <a:satMod val="350000"/>
+              </a:schemeClr>
+            </a:gs>
+          </a:gsLst>
+          <a:lin ang="16200000" scaled="0"/>
+        </a:gradFill>
+      </a:fillStyleLst>
+      <a:lnStyleLst>
+        <a:ln w="9525" cap="flat" cmpd="sng" algn="ctr">
+          <a:solidFill>
+            <a:schemeClr val="phClr">
+              <a:shade val="95000"/>
+              <a:satMod val="105000"/>
+            </a:schemeClr>
+          </a:solidFill>
+          <a:prstDash val="solid"/>
+        </a:ln>
+        <a:ln w="25400" cap="flat" cmpd="sng" algn="ctr">
+          <a:solidFill>
+            <a:schemeClr val="phClr"/>
+          </a:solidFill>
+          <a:prstDash val="solid"/>
+        </a:ln>
+        <a:ln w="38100" cap="flat" cmpd="sng" algn="ctr">
+          <a:solidFill>
+            <a:schemeClr val="phClr"/>
+          </a:solidFill>
+          <a:prstDash val="solid"/>
+        </a:ln>
+      </a:lnStyleLst>
+      <a:effectStyleLst>
+        <a:effectStyle>
+          <a:effectLst>
+            <a:outerShdw blurRad="40000" dist="20000" dir="5400000" rotWithShape="0">
+              <a:srgbClr val="000000">
+                <a:alpha val="38000"/>
+              </a:srgbClr>
+            </a:outerShdw>
+          </a:effectLst>
+        </a:effectStyle>
+        <a:effectStyle>
+          <a:effectLst>
+            <a:outerShdw blurRad="40000" dist="23000" dir="5400000" rotWithShape="0">
+              <a:srgbClr val="000000">
+                <a:alpha val="35000"/>
+              </a:srgbClr>
+            </a:outerShdw>
+          </a:effectLst>
+        </a:effectStyle>
+        <a:effectStyle>
+          <a:effectLst>
+            <a:outerShdw blurRad="40000" dist="23000" dir="5400000" rotWithShape="0">
+              <a:srgbClr val="000000">
+                <a:alpha val="35000"/>
+              </a:srgbClr>
+            </a:outerShdw>
+          </a:effectLst>
+          <a:scene3d>
+            <a:camera prst="orthographicFront">
+              <a:rot lat="0" lon="0" rev="0"/>
+            </a:camera>
+            <a:lightRig rig="threePt" dir="t">
+              <a:rot lat="0" lon="0" rev="1200000"/>
+            </a:lightRig>
+          </a:scene3d>
+          <a:sp3d>
+            <a:bevelT w="63500" h="25400"/>
+          </a:sp3d>
+        </a:effectStyle>
+      </a:effectStyleLst>
+      <a:bgFillStyleLst>
+        <a:solidFill>
+          <a:schemeClr val="phClr"/>
+        </a:solidFill>
+        <a:gradFill rotWithShape="1">
+          <a:gsLst>
+            <a:gs pos="0">
+              <a:schemeClr val="phClr">
+                <a:tint val="40000"/>
+                <a:satMod val="350000"/>
+              </a:schemeClr>
+            </a:gs>
+            <a:gs pos="40000">
+              <a:schemeClr val="phClr">
+                <a:tint val="45000"/>
+                <a:shade val="99000"/>
+                <a:satMod val="350000"/>
+              </a:schemeClr>
+            </a:gs>
+            <a:gs pos="100000">
+              <a:schemeClr val="phClr">
+                <a:shade val="20000"/>
+                <a:satMod val="255000"/>
+              </a:schemeClr>
+            </a:gs>
+          </a:gsLst>
+          <a:path path="circle">
+            <a:fillToRect l="50000" t="-80000" r="50000" b="180000"/>
+          </a:path>
+        </a:gradFill>
+        <a:gradFill rotWithShape="1">
+          <a:gsLst>
+            <a:gs pos="0">
+              <a:schemeClr val="phClr">
+                <a:tint val="80000"/>
+                <a:satMod val="300000"/>
+              </a:schemeClr>
+            </a:gs>
+            <a:gs pos="100000">
+              <a:schemeClr val="phClr">
+                <a:shade val="30000"/>
+                <a:satMod val="200000"/>
+              </a:schemeClr>
+            </a:gs>
+          </a:gsLst>
+          <a:path path="circle">
+            <a:fillToRect l="50000" t="50000" r="50000" b="50000"/>
+          </a:path>
+        </a:gradFill>
+      </a:bgFillStyleLst>
+    </a:fmtScheme>
+  </a:themeElements>
+  <a:objectDefaults/>
+  <a:extraClrSchemeLst/>
+</a:theme>
+</file>
+
+<file path=ppt/theme/theme2.xml><?xml version="1.0" encoding="utf-8"?>
+<a:theme xmlns:a="http://schemas.openxmlformats.org/drawingml/2006/main">
   <a:themeElements>
     <a:clrScheme name="Default">
       <a:dk1>
@@ -8842,284 +9360,7 @@
       </a:bgFillStyleLst>
     </a:fmtScheme>
   </a:themeElements>
-</a:theme>
-</file>
-
-<file path=ppt/theme/theme2.xml><?xml version="1.0" encoding="utf-8"?>
-<a:theme xmlns:a="http://schemas.openxmlformats.org/drawingml/2006/main" xmlns:r="http://schemas.openxmlformats.org/officeDocument/2006/relationships" name="Simple Dark">
-  <a:themeElements>
-    <a:clrScheme name="Simple Dark">
-      <a:dk1>
-        <a:srgbClr val="FFFFFF"/>
-      </a:dk1>
-      <a:lt1>
-        <a:srgbClr val="212121"/>
-      </a:lt1>
-      <a:dk2>
-        <a:srgbClr val="303030"/>
-      </a:dk2>
-      <a:lt2>
-        <a:srgbClr val="ADADAD"/>
-      </a:lt2>
-      <a:accent1>
-        <a:srgbClr val="009688"/>
-      </a:accent1>
-      <a:accent2>
-        <a:srgbClr val="EEEEEE"/>
-      </a:accent2>
-      <a:accent3>
-        <a:srgbClr val="78909C"/>
-      </a:accent3>
-      <a:accent4>
-        <a:srgbClr val="FFAB40"/>
-      </a:accent4>
-      <a:accent5>
-        <a:srgbClr val="4DD0E1"/>
-      </a:accent5>
-      <a:accent6>
-        <a:srgbClr val="EEFF41"/>
-      </a:accent6>
-      <a:hlink>
-        <a:srgbClr val="4DD0E1"/>
-      </a:hlink>
-      <a:folHlink>
-        <a:srgbClr val="4DD0E1"/>
-      </a:folHlink>
-    </a:clrScheme>
-    <a:fontScheme name="Office">
-      <a:majorFont>
-        <a:latin typeface="Arial"/>
-        <a:ea typeface=""/>
-        <a:cs typeface=""/>
-        <a:font script="Jpan" typeface="ＭＳ Ｐゴシック"/>
-        <a:font script="Hang" typeface="맑은 고딕"/>
-        <a:font script="Hans" typeface="宋体"/>
-        <a:font script="Hant" typeface="新細明體"/>
-        <a:font script="Arab" typeface="Times New Roman"/>
-        <a:font script="Hebr" typeface="Times New Roman"/>
-        <a:font script="Thai" typeface="Angsana New"/>
-        <a:font script="Ethi" typeface="Nyala"/>
-        <a:font script="Beng" typeface="Vrinda"/>
-        <a:font script="Gujr" typeface="Shruti"/>
-        <a:font script="Khmr" typeface="MoolBoran"/>
-        <a:font script="Knda" typeface="Tunga"/>
-        <a:font script="Guru" typeface="Raavi"/>
-        <a:font script="Cans" typeface="Euphemia"/>
-        <a:font script="Cher" typeface="Plantagenet Cherokee"/>
-        <a:font script="Yiii" typeface="Microsoft Yi Baiti"/>
-        <a:font script="Tibt" typeface="Microsoft Himalaya"/>
-        <a:font script="Thaa" typeface="MV Boli"/>
-        <a:font script="Deva" typeface="Mangal"/>
-        <a:font script="Telu" typeface="Gautami"/>
-        <a:font script="Taml" typeface="Latha"/>
-        <a:font script="Syrc" typeface="Estrangelo Edessa"/>
-        <a:font script="Orya" typeface="Kalinga"/>
-        <a:font script="Mlym" typeface="Kartika"/>
-        <a:font script="Laoo" typeface="DokChampa"/>
-        <a:font script="Sinh" typeface="Iskoola Pota"/>
-        <a:font script="Mong" typeface="Mongolian Baiti"/>
-        <a:font script="Viet" typeface="Times New Roman"/>
-        <a:font script="Uigh" typeface="Microsoft Uighur"/>
-        <a:font script="Geor" typeface="Sylfaen"/>
-      </a:majorFont>
-      <a:minorFont>
-        <a:latin typeface="Arial"/>
-        <a:ea typeface=""/>
-        <a:cs typeface=""/>
-        <a:font script="Jpan" typeface="ＭＳ Ｐゴシック"/>
-        <a:font script="Hang" typeface="맑은 고딕"/>
-        <a:font script="Hans" typeface="宋体"/>
-        <a:font script="Hant" typeface="新細明體"/>
-        <a:font script="Arab" typeface="Arial"/>
-        <a:font script="Hebr" typeface="Arial"/>
-        <a:font script="Thai" typeface="Cordia New"/>
-        <a:font script="Ethi" typeface="Nyala"/>
-        <a:font script="Beng" typeface="Vrinda"/>
-        <a:font script="Gujr" typeface="Shruti"/>
-        <a:font script="Khmr" typeface="DaunPenh"/>
-        <a:font script="Knda" typeface="Tunga"/>
-        <a:font script="Guru" typeface="Raavi"/>
-        <a:font script="Cans" typeface="Euphemia"/>
-        <a:font script="Cher" typeface="Plantagenet Cherokee"/>
-        <a:font script="Yiii" typeface="Microsoft Yi Baiti"/>
-        <a:font script="Tibt" typeface="Microsoft Himalaya"/>
-        <a:font script="Thaa" typeface="MV Boli"/>
-        <a:font script="Deva" typeface="Mangal"/>
-        <a:font script="Telu" typeface="Gautami"/>
-        <a:font script="Taml" typeface="Latha"/>
-        <a:font script="Syrc" typeface="Estrangelo Edessa"/>
-        <a:font script="Orya" typeface="Kalinga"/>
-        <a:font script="Mlym" typeface="Kartika"/>
-        <a:font script="Laoo" typeface="DokChampa"/>
-        <a:font script="Sinh" typeface="Iskoola Pota"/>
-        <a:font script="Mong" typeface="Mongolian Baiti"/>
-        <a:font script="Viet" typeface="Arial"/>
-        <a:font script="Uigh" typeface="Microsoft Uighur"/>
-        <a:font script="Geor" typeface="Sylfaen"/>
-      </a:minorFont>
-    </a:fontScheme>
-    <a:fmtScheme name="Office">
-      <a:fillStyleLst>
-        <a:solidFill>
-          <a:schemeClr val="phClr"/>
-        </a:solidFill>
-        <a:gradFill rotWithShape="1">
-          <a:gsLst>
-            <a:gs pos="0">
-              <a:schemeClr val="phClr">
-                <a:tint val="50000"/>
-                <a:satMod val="300000"/>
-              </a:schemeClr>
-            </a:gs>
-            <a:gs pos="35000">
-              <a:schemeClr val="phClr">
-                <a:tint val="37000"/>
-                <a:satMod val="300000"/>
-              </a:schemeClr>
-            </a:gs>
-            <a:gs pos="100000">
-              <a:schemeClr val="phClr">
-                <a:tint val="15000"/>
-                <a:satMod val="350000"/>
-              </a:schemeClr>
-            </a:gs>
-          </a:gsLst>
-          <a:lin ang="16200000" scaled="1"/>
-        </a:gradFill>
-        <a:gradFill rotWithShape="1">
-          <a:gsLst>
-            <a:gs pos="0">
-              <a:schemeClr val="phClr">
-                <a:tint val="100000"/>
-                <a:shade val="100000"/>
-                <a:satMod val="130000"/>
-              </a:schemeClr>
-            </a:gs>
-            <a:gs pos="100000">
-              <a:schemeClr val="phClr">
-                <a:tint val="50000"/>
-                <a:shade val="100000"/>
-                <a:satMod val="350000"/>
-              </a:schemeClr>
-            </a:gs>
-          </a:gsLst>
-          <a:lin ang="16200000" scaled="0"/>
-        </a:gradFill>
-      </a:fillStyleLst>
-      <a:lnStyleLst>
-        <a:ln w="9525" cap="flat" cmpd="sng" algn="ctr">
-          <a:solidFill>
-            <a:schemeClr val="phClr">
-              <a:shade val="95000"/>
-              <a:satMod val="105000"/>
-            </a:schemeClr>
-          </a:solidFill>
-          <a:prstDash val="solid"/>
-        </a:ln>
-        <a:ln w="25400" cap="flat" cmpd="sng" algn="ctr">
-          <a:solidFill>
-            <a:schemeClr val="phClr"/>
-          </a:solidFill>
-          <a:prstDash val="solid"/>
-        </a:ln>
-        <a:ln w="38100" cap="flat" cmpd="sng" algn="ctr">
-          <a:solidFill>
-            <a:schemeClr val="phClr"/>
-          </a:solidFill>
-          <a:prstDash val="solid"/>
-        </a:ln>
-      </a:lnStyleLst>
-      <a:effectStyleLst>
-        <a:effectStyle>
-          <a:effectLst>
-            <a:outerShdw blurRad="40000" dist="20000" dir="5400000" rotWithShape="0">
-              <a:srgbClr val="000000">
-                <a:alpha val="38000"/>
-              </a:srgbClr>
-            </a:outerShdw>
-          </a:effectLst>
-        </a:effectStyle>
-        <a:effectStyle>
-          <a:effectLst>
-            <a:outerShdw blurRad="40000" dist="23000" dir="5400000" rotWithShape="0">
-              <a:srgbClr val="000000">
-                <a:alpha val="35000"/>
-              </a:srgbClr>
-            </a:outerShdw>
-          </a:effectLst>
-        </a:effectStyle>
-        <a:effectStyle>
-          <a:effectLst>
-            <a:outerShdw blurRad="40000" dist="23000" dir="5400000" rotWithShape="0">
-              <a:srgbClr val="000000">
-                <a:alpha val="35000"/>
-              </a:srgbClr>
-            </a:outerShdw>
-          </a:effectLst>
-          <a:scene3d>
-            <a:camera prst="orthographicFront">
-              <a:rot lat="0" lon="0" rev="0"/>
-            </a:camera>
-            <a:lightRig rig="threePt" dir="t">
-              <a:rot lat="0" lon="0" rev="1200000"/>
-            </a:lightRig>
-          </a:scene3d>
-          <a:sp3d>
-            <a:bevelT w="63500" h="25400"/>
-          </a:sp3d>
-        </a:effectStyle>
-      </a:effectStyleLst>
-      <a:bgFillStyleLst>
-        <a:solidFill>
-          <a:schemeClr val="phClr"/>
-        </a:solidFill>
-        <a:gradFill rotWithShape="1">
-          <a:gsLst>
-            <a:gs pos="0">
-              <a:schemeClr val="phClr">
-                <a:tint val="40000"/>
-                <a:satMod val="350000"/>
-              </a:schemeClr>
-            </a:gs>
-            <a:gs pos="40000">
-              <a:schemeClr val="phClr">
-                <a:tint val="45000"/>
-                <a:shade val="99000"/>
-                <a:satMod val="350000"/>
-              </a:schemeClr>
-            </a:gs>
-            <a:gs pos="100000">
-              <a:schemeClr val="phClr">
-                <a:shade val="20000"/>
-                <a:satMod val="255000"/>
-              </a:schemeClr>
-            </a:gs>
-          </a:gsLst>
-          <a:path path="circle">
-            <a:fillToRect l="50000" t="-80000" r="50000" b="180000"/>
-          </a:path>
-        </a:gradFill>
-        <a:gradFill rotWithShape="1">
-          <a:gsLst>
-            <a:gs pos="0">
-              <a:schemeClr val="phClr">
-                <a:tint val="80000"/>
-                <a:satMod val="300000"/>
-              </a:schemeClr>
-            </a:gs>
-            <a:gs pos="100000">
-              <a:schemeClr val="phClr">
-                <a:shade val="30000"/>
-                <a:satMod val="200000"/>
-              </a:schemeClr>
-            </a:gs>
-          </a:gsLst>
-          <a:path path="circle">
-            <a:fillToRect l="50000" t="50000" r="50000" b="50000"/>
-          </a:path>
-        </a:gradFill>
-      </a:bgFillStyleLst>
-    </a:fmtScheme>
-  </a:themeElements>
+  <a:objectDefaults/>
+  <a:extraClrSchemeLst/>
 </a:theme>
 </file>